--- a/docs/RootCauseAnalysisforFulfillmentSplittingDecisions.pptx
+++ b/docs/RootCauseAnalysisforFulfillmentSplittingDecisions.pptx
@@ -8,6 +8,7 @@
     <p:sldId id="256" r:id="rId2"/>
     <p:sldId id="257" r:id="rId3"/>
     <p:sldId id="258" r:id="rId4"/>
+    <p:sldId id="259" r:id="rId5"/>
   </p:sldIdLst>
   <p:sldSz cx="12192000" cy="6858000"/>
   <p:notesSz cx="6858000" cy="9144000"/>
@@ -10838,10 +10839,10 @@
       </p:grpSp>
       <p:grpSp>
         <p:nvGrpSpPr>
-          <p:cNvPr id="254" name="Group 253">
+          <p:cNvPr id="264" name="Group 263">
             <a:extLst>
               <a:ext uri="{FF2B5EF4-FFF2-40B4-BE49-F238E27FC236}">
-                <a16:creationId xmlns:a16="http://schemas.microsoft.com/office/drawing/2014/main" id="{DC454B78-1726-B917-BFC7-B46D12848820}"/>
+                <a16:creationId xmlns:a16="http://schemas.microsoft.com/office/drawing/2014/main" id="{BE72B83F-9021-4E30-A740-4AD57133C53A}"/>
               </a:ext>
             </a:extLst>
           </p:cNvPr>
@@ -12735,6 +12736,321 @@
             </a:fontRef>
           </p:style>
         </p:cxnSp>
+        <p:sp>
+          <p:nvSpPr>
+            <p:cNvPr id="255" name="TextBox 254">
+              <a:extLst>
+                <a:ext uri="{FF2B5EF4-FFF2-40B4-BE49-F238E27FC236}">
+                  <a16:creationId xmlns:a16="http://schemas.microsoft.com/office/drawing/2014/main" id="{F08F0A68-29AC-AD1B-6A69-AE466A1BABB3}"/>
+                </a:ext>
+              </a:extLst>
+            </p:cNvPr>
+            <p:cNvSpPr txBox="1"/>
+            <p:nvPr/>
+          </p:nvSpPr>
+          <p:spPr>
+            <a:xfrm>
+              <a:off x="2354770" y="4629534"/>
+              <a:ext cx="300082" cy="230832"/>
+            </a:xfrm>
+            <a:prstGeom prst="rect">
+              <a:avLst/>
+            </a:prstGeom>
+            <a:noFill/>
+          </p:spPr>
+          <p:txBody>
+            <a:bodyPr wrap="none" rtlCol="0">
+              <a:spAutoFit/>
+            </a:bodyPr>
+            <a:lstStyle/>
+            <a:p>
+              <a:r>
+                <a:rPr lang="en-US" sz="900" dirty="0"/>
+                <a:t>60</a:t>
+              </a:r>
+            </a:p>
+          </p:txBody>
+        </p:sp>
+        <p:sp>
+          <p:nvSpPr>
+            <p:cNvPr id="256" name="TextBox 255">
+              <a:extLst>
+                <a:ext uri="{FF2B5EF4-FFF2-40B4-BE49-F238E27FC236}">
+                  <a16:creationId xmlns:a16="http://schemas.microsoft.com/office/drawing/2014/main" id="{73414190-CD1D-1A10-F756-BC87C53E542C}"/>
+                </a:ext>
+              </a:extLst>
+            </p:cNvPr>
+            <p:cNvSpPr txBox="1"/>
+            <p:nvPr/>
+          </p:nvSpPr>
+          <p:spPr>
+            <a:xfrm>
+              <a:off x="2931671" y="4643030"/>
+              <a:ext cx="300082" cy="230832"/>
+            </a:xfrm>
+            <a:prstGeom prst="rect">
+              <a:avLst/>
+            </a:prstGeom>
+            <a:noFill/>
+          </p:spPr>
+          <p:txBody>
+            <a:bodyPr wrap="none" rtlCol="0">
+              <a:spAutoFit/>
+            </a:bodyPr>
+            <a:lstStyle/>
+            <a:p>
+              <a:r>
+                <a:rPr lang="en-US" sz="900" dirty="0"/>
+                <a:t>60</a:t>
+              </a:r>
+            </a:p>
+          </p:txBody>
+        </p:sp>
+        <p:sp>
+          <p:nvSpPr>
+            <p:cNvPr id="257" name="TextBox 256">
+              <a:extLst>
+                <a:ext uri="{FF2B5EF4-FFF2-40B4-BE49-F238E27FC236}">
+                  <a16:creationId xmlns:a16="http://schemas.microsoft.com/office/drawing/2014/main" id="{769FB616-2F88-7338-40D9-449F6E7F25DC}"/>
+                </a:ext>
+              </a:extLst>
+            </p:cNvPr>
+            <p:cNvSpPr txBox="1"/>
+            <p:nvPr/>
+          </p:nvSpPr>
+          <p:spPr>
+            <a:xfrm>
+              <a:off x="3497839" y="4461339"/>
+              <a:ext cx="300082" cy="230832"/>
+            </a:xfrm>
+            <a:prstGeom prst="rect">
+              <a:avLst/>
+            </a:prstGeom>
+            <a:noFill/>
+          </p:spPr>
+          <p:txBody>
+            <a:bodyPr wrap="none" rtlCol="0">
+              <a:spAutoFit/>
+            </a:bodyPr>
+            <a:lstStyle/>
+            <a:p>
+              <a:r>
+                <a:rPr lang="en-US" sz="900" dirty="0"/>
+                <a:t>40</a:t>
+              </a:r>
+            </a:p>
+          </p:txBody>
+        </p:sp>
+        <p:sp>
+          <p:nvSpPr>
+            <p:cNvPr id="258" name="TextBox 257">
+              <a:extLst>
+                <a:ext uri="{FF2B5EF4-FFF2-40B4-BE49-F238E27FC236}">
+                  <a16:creationId xmlns:a16="http://schemas.microsoft.com/office/drawing/2014/main" id="{81BCA20E-E4AC-F598-553D-0D07E91609DA}"/>
+                </a:ext>
+              </a:extLst>
+            </p:cNvPr>
+            <p:cNvSpPr txBox="1"/>
+            <p:nvPr/>
+          </p:nvSpPr>
+          <p:spPr>
+            <a:xfrm>
+              <a:off x="3769152" y="4675808"/>
+              <a:ext cx="300082" cy="230832"/>
+            </a:xfrm>
+            <a:prstGeom prst="rect">
+              <a:avLst/>
+            </a:prstGeom>
+            <a:noFill/>
+          </p:spPr>
+          <p:txBody>
+            <a:bodyPr wrap="none" rtlCol="0">
+              <a:spAutoFit/>
+            </a:bodyPr>
+            <a:lstStyle/>
+            <a:p>
+              <a:r>
+                <a:rPr lang="en-US" sz="900" dirty="0"/>
+                <a:t>40</a:t>
+              </a:r>
+            </a:p>
+          </p:txBody>
+        </p:sp>
+        <p:sp>
+          <p:nvSpPr>
+            <p:cNvPr id="259" name="TextBox 258">
+              <a:extLst>
+                <a:ext uri="{FF2B5EF4-FFF2-40B4-BE49-F238E27FC236}">
+                  <a16:creationId xmlns:a16="http://schemas.microsoft.com/office/drawing/2014/main" id="{EA20D9CA-6573-ED9A-C63E-1A2910805919}"/>
+                </a:ext>
+              </a:extLst>
+            </p:cNvPr>
+            <p:cNvSpPr txBox="1"/>
+            <p:nvPr/>
+          </p:nvSpPr>
+          <p:spPr>
+            <a:xfrm>
+              <a:off x="3514273" y="4956850"/>
+              <a:ext cx="300082" cy="230832"/>
+            </a:xfrm>
+            <a:prstGeom prst="rect">
+              <a:avLst/>
+            </a:prstGeom>
+            <a:noFill/>
+          </p:spPr>
+          <p:txBody>
+            <a:bodyPr wrap="none" rtlCol="0">
+              <a:spAutoFit/>
+            </a:bodyPr>
+            <a:lstStyle/>
+            <a:p>
+              <a:r>
+                <a:rPr lang="en-US" sz="900" dirty="0"/>
+                <a:t>20</a:t>
+              </a:r>
+            </a:p>
+          </p:txBody>
+        </p:sp>
+        <p:sp>
+          <p:nvSpPr>
+            <p:cNvPr id="260" name="TextBox 259">
+              <a:extLst>
+                <a:ext uri="{FF2B5EF4-FFF2-40B4-BE49-F238E27FC236}">
+                  <a16:creationId xmlns:a16="http://schemas.microsoft.com/office/drawing/2014/main" id="{F9CF2663-5C47-A5B6-FCE2-A78FBAB7506F}"/>
+                </a:ext>
+              </a:extLst>
+            </p:cNvPr>
+            <p:cNvSpPr txBox="1"/>
+            <p:nvPr/>
+          </p:nvSpPr>
+          <p:spPr>
+            <a:xfrm>
+              <a:off x="3999486" y="4693936"/>
+              <a:ext cx="300082" cy="230832"/>
+            </a:xfrm>
+            <a:prstGeom prst="rect">
+              <a:avLst/>
+            </a:prstGeom>
+            <a:noFill/>
+          </p:spPr>
+          <p:txBody>
+            <a:bodyPr wrap="none" rtlCol="0">
+              <a:spAutoFit/>
+            </a:bodyPr>
+            <a:lstStyle/>
+            <a:p>
+              <a:r>
+                <a:rPr lang="en-US" sz="900" dirty="0"/>
+                <a:t>20</a:t>
+              </a:r>
+            </a:p>
+          </p:txBody>
+        </p:sp>
+        <p:sp>
+          <p:nvSpPr>
+            <p:cNvPr id="261" name="TextBox 260">
+              <a:extLst>
+                <a:ext uri="{FF2B5EF4-FFF2-40B4-BE49-F238E27FC236}">
+                  <a16:creationId xmlns:a16="http://schemas.microsoft.com/office/drawing/2014/main" id="{4BF6E620-4ABF-72F8-7D65-804BE2E74FFF}"/>
+                </a:ext>
+              </a:extLst>
+            </p:cNvPr>
+            <p:cNvSpPr txBox="1"/>
+            <p:nvPr/>
+          </p:nvSpPr>
+          <p:spPr>
+            <a:xfrm>
+              <a:off x="4242305" y="4447567"/>
+              <a:ext cx="300082" cy="230832"/>
+            </a:xfrm>
+            <a:prstGeom prst="rect">
+              <a:avLst/>
+            </a:prstGeom>
+            <a:noFill/>
+          </p:spPr>
+          <p:txBody>
+            <a:bodyPr wrap="none" rtlCol="0">
+              <a:spAutoFit/>
+            </a:bodyPr>
+            <a:lstStyle/>
+            <a:p>
+              <a:r>
+                <a:rPr lang="en-US" sz="900" dirty="0"/>
+                <a:t>20</a:t>
+              </a:r>
+            </a:p>
+          </p:txBody>
+        </p:sp>
+        <p:sp>
+          <p:nvSpPr>
+            <p:cNvPr id="262" name="TextBox 261">
+              <a:extLst>
+                <a:ext uri="{FF2B5EF4-FFF2-40B4-BE49-F238E27FC236}">
+                  <a16:creationId xmlns:a16="http://schemas.microsoft.com/office/drawing/2014/main" id="{F727837D-29F6-882B-26D7-0ADA96408E26}"/>
+                </a:ext>
+              </a:extLst>
+            </p:cNvPr>
+            <p:cNvSpPr txBox="1"/>
+            <p:nvPr/>
+          </p:nvSpPr>
+          <p:spPr>
+            <a:xfrm>
+              <a:off x="4221849" y="4949496"/>
+              <a:ext cx="300082" cy="230832"/>
+            </a:xfrm>
+            <a:prstGeom prst="rect">
+              <a:avLst/>
+            </a:prstGeom>
+            <a:noFill/>
+          </p:spPr>
+          <p:txBody>
+            <a:bodyPr wrap="none" rtlCol="0">
+              <a:spAutoFit/>
+            </a:bodyPr>
+            <a:lstStyle/>
+            <a:p>
+              <a:r>
+                <a:rPr lang="en-US" sz="900" dirty="0"/>
+                <a:t>40</a:t>
+              </a:r>
+            </a:p>
+          </p:txBody>
+        </p:sp>
+        <p:sp>
+          <p:nvSpPr>
+            <p:cNvPr id="263" name="TextBox 262">
+              <a:extLst>
+                <a:ext uri="{FF2B5EF4-FFF2-40B4-BE49-F238E27FC236}">
+                  <a16:creationId xmlns:a16="http://schemas.microsoft.com/office/drawing/2014/main" id="{EC03FD94-1AC5-4F3A-E81D-E3FC4331265A}"/>
+                </a:ext>
+              </a:extLst>
+            </p:cNvPr>
+            <p:cNvSpPr txBox="1"/>
+            <p:nvPr/>
+          </p:nvSpPr>
+          <p:spPr>
+            <a:xfrm>
+              <a:off x="4756173" y="4639512"/>
+              <a:ext cx="300082" cy="230832"/>
+            </a:xfrm>
+            <a:prstGeom prst="rect">
+              <a:avLst/>
+            </a:prstGeom>
+            <a:noFill/>
+          </p:spPr>
+          <p:txBody>
+            <a:bodyPr wrap="none" rtlCol="0">
+              <a:spAutoFit/>
+            </a:bodyPr>
+            <a:lstStyle/>
+            <a:p>
+              <a:r>
+                <a:rPr lang="en-US" sz="900" dirty="0"/>
+                <a:t>60</a:t>
+              </a:r>
+            </a:p>
+          </p:txBody>
+        </p:sp>
       </p:grpSp>
     </p:spTree>
     <p:extLst>
@@ -20366,6 +20682,1615 @@
 </p:sld>
 </file>
 
+<file path=ppt/slides/slide4.xml><?xml version="1.0" encoding="utf-8"?>
+<p:sld xmlns:a="http://schemas.openxmlformats.org/drawingml/2006/main" xmlns:r="http://schemas.openxmlformats.org/officeDocument/2006/relationships" xmlns:p="http://schemas.openxmlformats.org/presentationml/2006/main">
+  <p:cSld>
+    <p:spTree>
+      <p:nvGrpSpPr>
+        <p:cNvPr id="1" name=""/>
+        <p:cNvGrpSpPr/>
+        <p:nvPr/>
+      </p:nvGrpSpPr>
+      <p:grpSpPr>
+        <a:xfrm>
+          <a:off x="0" y="0"/>
+          <a:ext cx="0" cy="0"/>
+          <a:chOff x="0" y="0"/>
+          <a:chExt cx="0" cy="0"/>
+        </a:xfrm>
+      </p:grpSpPr>
+      <p:grpSp>
+        <p:nvGrpSpPr>
+          <p:cNvPr id="43" name="Group 42">
+            <a:extLst>
+              <a:ext uri="{FF2B5EF4-FFF2-40B4-BE49-F238E27FC236}">
+                <a16:creationId xmlns:a16="http://schemas.microsoft.com/office/drawing/2014/main" id="{AB7F1E46-3637-3BBE-511D-8F360E2F76C2}"/>
+              </a:ext>
+            </a:extLst>
+          </p:cNvPr>
+          <p:cNvGrpSpPr/>
+          <p:nvPr/>
+        </p:nvGrpSpPr>
+        <p:grpSpPr>
+          <a:xfrm>
+            <a:off x="1119188" y="1149190"/>
+            <a:ext cx="1500925" cy="1917860"/>
+            <a:chOff x="1119188" y="1149190"/>
+            <a:chExt cx="1500925" cy="1917860"/>
+          </a:xfrm>
+        </p:grpSpPr>
+        <p:sp>
+          <p:nvSpPr>
+            <p:cNvPr id="4" name="Oval 3">
+              <a:extLst>
+                <a:ext uri="{FF2B5EF4-FFF2-40B4-BE49-F238E27FC236}">
+                  <a16:creationId xmlns:a16="http://schemas.microsoft.com/office/drawing/2014/main" id="{027F223C-DE5E-3E0A-4ABE-A8003857C9B5}"/>
+                </a:ext>
+              </a:extLst>
+            </p:cNvPr>
+            <p:cNvSpPr/>
+            <p:nvPr/>
+          </p:nvSpPr>
+          <p:spPr>
+            <a:xfrm>
+              <a:off x="1119188" y="1165145"/>
+              <a:ext cx="395287" cy="390525"/>
+            </a:xfrm>
+            <a:prstGeom prst="ellipse">
+              <a:avLst/>
+            </a:prstGeom>
+            <a:noFill/>
+          </p:spPr>
+          <p:style>
+            <a:lnRef idx="2">
+              <a:schemeClr val="accent1">
+                <a:shade val="50000"/>
+              </a:schemeClr>
+            </a:lnRef>
+            <a:fillRef idx="1">
+              <a:schemeClr val="accent1"/>
+            </a:fillRef>
+            <a:effectRef idx="0">
+              <a:schemeClr val="accent1"/>
+            </a:effectRef>
+            <a:fontRef idx="minor">
+              <a:schemeClr val="lt1"/>
+            </a:fontRef>
+          </p:style>
+          <p:txBody>
+            <a:bodyPr rtlCol="0" anchor="ctr"/>
+            <a:lstStyle/>
+            <a:p>
+              <a:pPr algn="ctr"/>
+              <a:endParaRPr lang="en-US"/>
+            </a:p>
+          </p:txBody>
+        </p:sp>
+        <mc:AlternateContent xmlns:mc="http://schemas.openxmlformats.org/markup-compatibility/2006">
+          <mc:Choice xmlns:a14="http://schemas.microsoft.com/office/drawing/2010/main" Requires="a14">
+            <p:sp>
+              <p:nvSpPr>
+                <p:cNvPr id="5" name="TextBox 4">
+                  <a:extLst>
+                    <a:ext uri="{FF2B5EF4-FFF2-40B4-BE49-F238E27FC236}">
+                      <a16:creationId xmlns:a16="http://schemas.microsoft.com/office/drawing/2014/main" id="{85229FE9-113D-003C-4245-1CF4E8476747}"/>
+                    </a:ext>
+                  </a:extLst>
+                </p:cNvPr>
+                <p:cNvSpPr txBox="1"/>
+                <p:nvPr/>
+              </p:nvSpPr>
+              <p:spPr>
+                <a:xfrm>
+                  <a:off x="1159378" y="1225390"/>
+                  <a:ext cx="355097" cy="246221"/>
+                </a:xfrm>
+                <a:prstGeom prst="rect">
+                  <a:avLst/>
+                </a:prstGeom>
+                <a:noFill/>
+              </p:spPr>
+              <p:txBody>
+                <a:bodyPr wrap="none" rtlCol="0">
+                  <a:spAutoFit/>
+                </a:bodyPr>
+                <a:lstStyle/>
+                <a:p>
+                  <a14:m>
+                    <m:oMathPara xmlns:m="http://schemas.openxmlformats.org/officeDocument/2006/math">
+                      <m:oMathParaPr>
+                        <m:jc m:val="centerGroup"/>
+                      </m:oMathParaPr>
+                      <m:oMath xmlns:m="http://schemas.openxmlformats.org/officeDocument/2006/math">
+                        <m:sSub>
+                          <m:sSubPr>
+                            <m:ctrlPr>
+                              <a:rPr lang="en-US" sz="1000" i="1" dirty="0" smtClean="0">
+                                <a:latin typeface="Cambria Math" panose="02040503050406030204" pitchFamily="18" charset="0"/>
+                              </a:rPr>
+                            </m:ctrlPr>
+                          </m:sSubPr>
+                          <m:e>
+                            <m:r>
+                              <a:rPr lang="en-US" sz="1000" b="0" i="1" dirty="0" smtClean="0">
+                                <a:latin typeface="Cambria Math" panose="02040503050406030204" pitchFamily="18" charset="0"/>
+                              </a:rPr>
+                              <m:t>𝐴</m:t>
+                            </m:r>
+                          </m:e>
+                          <m:sub>
+                            <m:r>
+                              <a:rPr lang="en-US" sz="1000" b="0" i="1" dirty="0" smtClean="0">
+                                <a:latin typeface="Cambria Math" panose="02040503050406030204" pitchFamily="18" charset="0"/>
+                              </a:rPr>
+                              <m:t>4</m:t>
+                            </m:r>
+                          </m:sub>
+                        </m:sSub>
+                      </m:oMath>
+                    </m:oMathPara>
+                  </a14:m>
+                  <a:endParaRPr lang="en-US" sz="1000" dirty="0"/>
+                </a:p>
+              </p:txBody>
+            </p:sp>
+          </mc:Choice>
+          <mc:Fallback>
+            <p:sp>
+              <p:nvSpPr>
+                <p:cNvPr id="5" name="TextBox 4">
+                  <a:extLst>
+                    <a:ext uri="{FF2B5EF4-FFF2-40B4-BE49-F238E27FC236}">
+                      <a16:creationId xmlns:a16="http://schemas.microsoft.com/office/drawing/2014/main" id="{85229FE9-113D-003C-4245-1CF4E8476747}"/>
+                    </a:ext>
+                  </a:extLst>
+                </p:cNvPr>
+                <p:cNvSpPr txBox="1">
+                  <a:spLocks noRot="1" noChangeAspect="1" noMove="1" noResize="1" noEditPoints="1" noAdjustHandles="1" noChangeArrowheads="1" noChangeShapeType="1" noTextEdit="1"/>
+                </p:cNvSpPr>
+                <p:nvPr/>
+              </p:nvSpPr>
+              <p:spPr>
+                <a:xfrm>
+                  <a:off x="1159378" y="1225390"/>
+                  <a:ext cx="355097" cy="246221"/>
+                </a:xfrm>
+                <a:prstGeom prst="rect">
+                  <a:avLst/>
+                </a:prstGeom>
+                <a:blipFill>
+                  <a:blip r:embed="rId2"/>
+                  <a:stretch>
+                    <a:fillRect/>
+                  </a:stretch>
+                </a:blipFill>
+              </p:spPr>
+              <p:txBody>
+                <a:bodyPr/>
+                <a:lstStyle/>
+                <a:p>
+                  <a:r>
+                    <a:rPr lang="en-US">
+                      <a:noFill/>
+                    </a:rPr>
+                    <a:t> </a:t>
+                  </a:r>
+                </a:p>
+              </p:txBody>
+            </p:sp>
+          </mc:Fallback>
+        </mc:AlternateContent>
+        <p:sp>
+          <p:nvSpPr>
+            <p:cNvPr id="6" name="Oval 5">
+              <a:extLst>
+                <a:ext uri="{FF2B5EF4-FFF2-40B4-BE49-F238E27FC236}">
+                  <a16:creationId xmlns:a16="http://schemas.microsoft.com/office/drawing/2014/main" id="{B895BCB8-868A-5D8D-C545-0F3468C1C0B4}"/>
+                </a:ext>
+              </a:extLst>
+            </p:cNvPr>
+            <p:cNvSpPr/>
+            <p:nvPr/>
+          </p:nvSpPr>
+          <p:spPr>
+            <a:xfrm>
+              <a:off x="2224826" y="1149190"/>
+              <a:ext cx="395287" cy="390525"/>
+            </a:xfrm>
+            <a:prstGeom prst="ellipse">
+              <a:avLst/>
+            </a:prstGeom>
+            <a:noFill/>
+          </p:spPr>
+          <p:style>
+            <a:lnRef idx="2">
+              <a:schemeClr val="accent1">
+                <a:shade val="50000"/>
+              </a:schemeClr>
+            </a:lnRef>
+            <a:fillRef idx="1">
+              <a:schemeClr val="accent1"/>
+            </a:fillRef>
+            <a:effectRef idx="0">
+              <a:schemeClr val="accent1"/>
+            </a:effectRef>
+            <a:fontRef idx="minor">
+              <a:schemeClr val="lt1"/>
+            </a:fontRef>
+          </p:style>
+          <p:txBody>
+            <a:bodyPr rtlCol="0" anchor="ctr"/>
+            <a:lstStyle/>
+            <a:p>
+              <a:pPr algn="ctr"/>
+              <a:endParaRPr lang="en-US"/>
+            </a:p>
+          </p:txBody>
+        </p:sp>
+        <mc:AlternateContent xmlns:mc="http://schemas.openxmlformats.org/markup-compatibility/2006">
+          <mc:Choice xmlns:a14="http://schemas.microsoft.com/office/drawing/2010/main" Requires="a14">
+            <p:sp>
+              <p:nvSpPr>
+                <p:cNvPr id="7" name="TextBox 6">
+                  <a:extLst>
+                    <a:ext uri="{FF2B5EF4-FFF2-40B4-BE49-F238E27FC236}">
+                      <a16:creationId xmlns:a16="http://schemas.microsoft.com/office/drawing/2014/main" id="{E0CAF917-5936-E877-B8FE-D7BD3F863476}"/>
+                    </a:ext>
+                  </a:extLst>
+                </p:cNvPr>
+                <p:cNvSpPr txBox="1"/>
+                <p:nvPr/>
+              </p:nvSpPr>
+              <p:spPr>
+                <a:xfrm>
+                  <a:off x="2265016" y="1209435"/>
+                  <a:ext cx="355097" cy="246221"/>
+                </a:xfrm>
+                <a:prstGeom prst="rect">
+                  <a:avLst/>
+                </a:prstGeom>
+                <a:noFill/>
+              </p:spPr>
+              <p:txBody>
+                <a:bodyPr wrap="none" rtlCol="0">
+                  <a:spAutoFit/>
+                </a:bodyPr>
+                <a:lstStyle/>
+                <a:p>
+                  <a14:m>
+                    <m:oMathPara xmlns:m="http://schemas.openxmlformats.org/officeDocument/2006/math">
+                      <m:oMathParaPr>
+                        <m:jc m:val="centerGroup"/>
+                      </m:oMathParaPr>
+                      <m:oMath xmlns:m="http://schemas.openxmlformats.org/officeDocument/2006/math">
+                        <m:sSub>
+                          <m:sSubPr>
+                            <m:ctrlPr>
+                              <a:rPr lang="en-US" sz="1000" i="1" dirty="0" smtClean="0">
+                                <a:latin typeface="Cambria Math" panose="02040503050406030204" pitchFamily="18" charset="0"/>
+                              </a:rPr>
+                            </m:ctrlPr>
+                          </m:sSubPr>
+                          <m:e>
+                            <m:r>
+                              <a:rPr lang="en-US" sz="1000" b="0" i="1" dirty="0" smtClean="0">
+                                <a:latin typeface="Cambria Math" panose="02040503050406030204" pitchFamily="18" charset="0"/>
+                              </a:rPr>
+                              <m:t>𝐴</m:t>
+                            </m:r>
+                          </m:e>
+                          <m:sub>
+                            <m:r>
+                              <a:rPr lang="en-US" sz="1000" b="0" i="1" dirty="0" smtClean="0">
+                                <a:latin typeface="Cambria Math" panose="02040503050406030204" pitchFamily="18" charset="0"/>
+                              </a:rPr>
+                              <m:t>3</m:t>
+                            </m:r>
+                          </m:sub>
+                        </m:sSub>
+                      </m:oMath>
+                    </m:oMathPara>
+                  </a14:m>
+                  <a:endParaRPr lang="en-US" sz="1000" dirty="0"/>
+                </a:p>
+              </p:txBody>
+            </p:sp>
+          </mc:Choice>
+          <mc:Fallback>
+            <p:sp>
+              <p:nvSpPr>
+                <p:cNvPr id="7" name="TextBox 6">
+                  <a:extLst>
+                    <a:ext uri="{FF2B5EF4-FFF2-40B4-BE49-F238E27FC236}">
+                      <a16:creationId xmlns:a16="http://schemas.microsoft.com/office/drawing/2014/main" id="{E0CAF917-5936-E877-B8FE-D7BD3F863476}"/>
+                    </a:ext>
+                  </a:extLst>
+                </p:cNvPr>
+                <p:cNvSpPr txBox="1">
+                  <a:spLocks noRot="1" noChangeAspect="1" noMove="1" noResize="1" noEditPoints="1" noAdjustHandles="1" noChangeArrowheads="1" noChangeShapeType="1" noTextEdit="1"/>
+                </p:cNvSpPr>
+                <p:nvPr/>
+              </p:nvSpPr>
+              <p:spPr>
+                <a:xfrm>
+                  <a:off x="2265016" y="1209435"/>
+                  <a:ext cx="355097" cy="246221"/>
+                </a:xfrm>
+                <a:prstGeom prst="rect">
+                  <a:avLst/>
+                </a:prstGeom>
+                <a:blipFill>
+                  <a:blip r:embed="rId3"/>
+                  <a:stretch>
+                    <a:fillRect/>
+                  </a:stretch>
+                </a:blipFill>
+              </p:spPr>
+              <p:txBody>
+                <a:bodyPr/>
+                <a:lstStyle/>
+                <a:p>
+                  <a:r>
+                    <a:rPr lang="en-US">
+                      <a:noFill/>
+                    </a:rPr>
+                    <a:t> </a:t>
+                  </a:r>
+                </a:p>
+              </p:txBody>
+            </p:sp>
+          </mc:Fallback>
+        </mc:AlternateContent>
+        <p:sp>
+          <p:nvSpPr>
+            <p:cNvPr id="8" name="Oval 7">
+              <a:extLst>
+                <a:ext uri="{FF2B5EF4-FFF2-40B4-BE49-F238E27FC236}">
+                  <a16:creationId xmlns:a16="http://schemas.microsoft.com/office/drawing/2014/main" id="{764D4C59-776F-1BB2-94E8-8C715BDE1EEF}"/>
+                </a:ext>
+              </a:extLst>
+            </p:cNvPr>
+            <p:cNvSpPr/>
+            <p:nvPr/>
+          </p:nvSpPr>
+          <p:spPr>
+            <a:xfrm>
+              <a:off x="1671638" y="1871663"/>
+              <a:ext cx="395287" cy="390525"/>
+            </a:xfrm>
+            <a:prstGeom prst="ellipse">
+              <a:avLst/>
+            </a:prstGeom>
+            <a:noFill/>
+          </p:spPr>
+          <p:style>
+            <a:lnRef idx="2">
+              <a:schemeClr val="accent1">
+                <a:shade val="50000"/>
+              </a:schemeClr>
+            </a:lnRef>
+            <a:fillRef idx="1">
+              <a:schemeClr val="accent1"/>
+            </a:fillRef>
+            <a:effectRef idx="0">
+              <a:schemeClr val="accent1"/>
+            </a:effectRef>
+            <a:fontRef idx="minor">
+              <a:schemeClr val="lt1"/>
+            </a:fontRef>
+          </p:style>
+          <p:txBody>
+            <a:bodyPr rtlCol="0" anchor="ctr"/>
+            <a:lstStyle/>
+            <a:p>
+              <a:pPr algn="ctr"/>
+              <a:endParaRPr lang="en-US"/>
+            </a:p>
+          </p:txBody>
+        </p:sp>
+        <mc:AlternateContent xmlns:mc="http://schemas.openxmlformats.org/markup-compatibility/2006">
+          <mc:Choice xmlns:a14="http://schemas.microsoft.com/office/drawing/2010/main" Requires="a14">
+            <p:sp>
+              <p:nvSpPr>
+                <p:cNvPr id="9" name="TextBox 8">
+                  <a:extLst>
+                    <a:ext uri="{FF2B5EF4-FFF2-40B4-BE49-F238E27FC236}">
+                      <a16:creationId xmlns:a16="http://schemas.microsoft.com/office/drawing/2014/main" id="{EFD66162-CE10-CF27-1F0A-3636B00A4A28}"/>
+                    </a:ext>
+                  </a:extLst>
+                </p:cNvPr>
+                <p:cNvSpPr txBox="1"/>
+                <p:nvPr/>
+              </p:nvSpPr>
+              <p:spPr>
+                <a:xfrm>
+                  <a:off x="1711828" y="1931908"/>
+                  <a:ext cx="355097" cy="246221"/>
+                </a:xfrm>
+                <a:prstGeom prst="rect">
+                  <a:avLst/>
+                </a:prstGeom>
+                <a:noFill/>
+              </p:spPr>
+              <p:txBody>
+                <a:bodyPr wrap="none" rtlCol="0">
+                  <a:spAutoFit/>
+                </a:bodyPr>
+                <a:lstStyle/>
+                <a:p>
+                  <a14:m>
+                    <m:oMathPara xmlns:m="http://schemas.openxmlformats.org/officeDocument/2006/math">
+                      <m:oMathParaPr>
+                        <m:jc m:val="centerGroup"/>
+                      </m:oMathParaPr>
+                      <m:oMath xmlns:m="http://schemas.openxmlformats.org/officeDocument/2006/math">
+                        <m:sSub>
+                          <m:sSubPr>
+                            <m:ctrlPr>
+                              <a:rPr lang="en-US" sz="1000" i="1" dirty="0" smtClean="0">
+                                <a:latin typeface="Cambria Math" panose="02040503050406030204" pitchFamily="18" charset="0"/>
+                              </a:rPr>
+                            </m:ctrlPr>
+                          </m:sSubPr>
+                          <m:e>
+                            <m:r>
+                              <a:rPr lang="en-US" sz="1000" b="0" i="1" dirty="0" smtClean="0">
+                                <a:latin typeface="Cambria Math" panose="02040503050406030204" pitchFamily="18" charset="0"/>
+                              </a:rPr>
+                              <m:t>𝐴</m:t>
+                            </m:r>
+                          </m:e>
+                          <m:sub>
+                            <m:r>
+                              <a:rPr lang="en-US" sz="1000" b="0" i="1" dirty="0" smtClean="0">
+                                <a:latin typeface="Cambria Math" panose="02040503050406030204" pitchFamily="18" charset="0"/>
+                              </a:rPr>
+                              <m:t>2</m:t>
+                            </m:r>
+                          </m:sub>
+                        </m:sSub>
+                      </m:oMath>
+                    </m:oMathPara>
+                  </a14:m>
+                  <a:endParaRPr lang="en-US" sz="1000" dirty="0"/>
+                </a:p>
+              </p:txBody>
+            </p:sp>
+          </mc:Choice>
+          <mc:Fallback>
+            <p:sp>
+              <p:nvSpPr>
+                <p:cNvPr id="9" name="TextBox 8">
+                  <a:extLst>
+                    <a:ext uri="{FF2B5EF4-FFF2-40B4-BE49-F238E27FC236}">
+                      <a16:creationId xmlns:a16="http://schemas.microsoft.com/office/drawing/2014/main" id="{EFD66162-CE10-CF27-1F0A-3636B00A4A28}"/>
+                    </a:ext>
+                  </a:extLst>
+                </p:cNvPr>
+                <p:cNvSpPr txBox="1">
+                  <a:spLocks noRot="1" noChangeAspect="1" noMove="1" noResize="1" noEditPoints="1" noAdjustHandles="1" noChangeArrowheads="1" noChangeShapeType="1" noTextEdit="1"/>
+                </p:cNvSpPr>
+                <p:nvPr/>
+              </p:nvSpPr>
+              <p:spPr>
+                <a:xfrm>
+                  <a:off x="1711828" y="1931908"/>
+                  <a:ext cx="355097" cy="246221"/>
+                </a:xfrm>
+                <a:prstGeom prst="rect">
+                  <a:avLst/>
+                </a:prstGeom>
+                <a:blipFill>
+                  <a:blip r:embed="rId4"/>
+                  <a:stretch>
+                    <a:fillRect/>
+                  </a:stretch>
+                </a:blipFill>
+              </p:spPr>
+              <p:txBody>
+                <a:bodyPr/>
+                <a:lstStyle/>
+                <a:p>
+                  <a:r>
+                    <a:rPr lang="en-US">
+                      <a:noFill/>
+                    </a:rPr>
+                    <a:t> </a:t>
+                  </a:r>
+                </a:p>
+              </p:txBody>
+            </p:sp>
+          </mc:Fallback>
+        </mc:AlternateContent>
+        <p:sp>
+          <p:nvSpPr>
+            <p:cNvPr id="10" name="Oval 9">
+              <a:extLst>
+                <a:ext uri="{FF2B5EF4-FFF2-40B4-BE49-F238E27FC236}">
+                  <a16:creationId xmlns:a16="http://schemas.microsoft.com/office/drawing/2014/main" id="{EBDA7F77-ED07-A168-AACC-A6B6B62618BB}"/>
+                </a:ext>
+              </a:extLst>
+            </p:cNvPr>
+            <p:cNvSpPr/>
+            <p:nvPr/>
+          </p:nvSpPr>
+          <p:spPr>
+            <a:xfrm>
+              <a:off x="1671638" y="2676525"/>
+              <a:ext cx="395287" cy="390525"/>
+            </a:xfrm>
+            <a:prstGeom prst="ellipse">
+              <a:avLst/>
+            </a:prstGeom>
+            <a:noFill/>
+          </p:spPr>
+          <p:style>
+            <a:lnRef idx="2">
+              <a:schemeClr val="accent1">
+                <a:shade val="50000"/>
+              </a:schemeClr>
+            </a:lnRef>
+            <a:fillRef idx="1">
+              <a:schemeClr val="accent1"/>
+            </a:fillRef>
+            <a:effectRef idx="0">
+              <a:schemeClr val="accent1"/>
+            </a:effectRef>
+            <a:fontRef idx="minor">
+              <a:schemeClr val="lt1"/>
+            </a:fontRef>
+          </p:style>
+          <p:txBody>
+            <a:bodyPr rtlCol="0" anchor="ctr"/>
+            <a:lstStyle/>
+            <a:p>
+              <a:pPr algn="ctr"/>
+              <a:endParaRPr lang="en-US"/>
+            </a:p>
+          </p:txBody>
+        </p:sp>
+        <mc:AlternateContent xmlns:mc="http://schemas.openxmlformats.org/markup-compatibility/2006">
+          <mc:Choice xmlns:a14="http://schemas.microsoft.com/office/drawing/2010/main" Requires="a14">
+            <p:sp>
+              <p:nvSpPr>
+                <p:cNvPr id="11" name="TextBox 10">
+                  <a:extLst>
+                    <a:ext uri="{FF2B5EF4-FFF2-40B4-BE49-F238E27FC236}">
+                      <a16:creationId xmlns:a16="http://schemas.microsoft.com/office/drawing/2014/main" id="{2D230E6D-09E9-7CC9-E41C-3E4544F03957}"/>
+                    </a:ext>
+                  </a:extLst>
+                </p:cNvPr>
+                <p:cNvSpPr txBox="1"/>
+                <p:nvPr/>
+              </p:nvSpPr>
+              <p:spPr>
+                <a:xfrm>
+                  <a:off x="1711828" y="2736770"/>
+                  <a:ext cx="355097" cy="246221"/>
+                </a:xfrm>
+                <a:prstGeom prst="rect">
+                  <a:avLst/>
+                </a:prstGeom>
+                <a:noFill/>
+              </p:spPr>
+              <p:txBody>
+                <a:bodyPr wrap="none" rtlCol="0">
+                  <a:spAutoFit/>
+                </a:bodyPr>
+                <a:lstStyle/>
+                <a:p>
+                  <a14:m>
+                    <m:oMathPara xmlns:m="http://schemas.openxmlformats.org/officeDocument/2006/math">
+                      <m:oMathParaPr>
+                        <m:jc m:val="centerGroup"/>
+                      </m:oMathParaPr>
+                      <m:oMath xmlns:m="http://schemas.openxmlformats.org/officeDocument/2006/math">
+                        <m:sSub>
+                          <m:sSubPr>
+                            <m:ctrlPr>
+                              <a:rPr lang="en-US" sz="1000" i="1" dirty="0" smtClean="0">
+                                <a:latin typeface="Cambria Math" panose="02040503050406030204" pitchFamily="18" charset="0"/>
+                              </a:rPr>
+                            </m:ctrlPr>
+                          </m:sSubPr>
+                          <m:e>
+                            <m:r>
+                              <a:rPr lang="en-US" sz="1000" b="0" i="1" dirty="0" smtClean="0">
+                                <a:latin typeface="Cambria Math" panose="02040503050406030204" pitchFamily="18" charset="0"/>
+                              </a:rPr>
+                              <m:t>𝐴</m:t>
+                            </m:r>
+                          </m:e>
+                          <m:sub>
+                            <m:r>
+                              <a:rPr lang="en-US" sz="1000" b="0" i="1" dirty="0" smtClean="0">
+                                <a:latin typeface="Cambria Math" panose="02040503050406030204" pitchFamily="18" charset="0"/>
+                              </a:rPr>
+                              <m:t>1</m:t>
+                            </m:r>
+                          </m:sub>
+                        </m:sSub>
+                      </m:oMath>
+                    </m:oMathPara>
+                  </a14:m>
+                  <a:endParaRPr lang="en-US" sz="1000" dirty="0"/>
+                </a:p>
+              </p:txBody>
+            </p:sp>
+          </mc:Choice>
+          <mc:Fallback>
+            <p:sp>
+              <p:nvSpPr>
+                <p:cNvPr id="11" name="TextBox 10">
+                  <a:extLst>
+                    <a:ext uri="{FF2B5EF4-FFF2-40B4-BE49-F238E27FC236}">
+                      <a16:creationId xmlns:a16="http://schemas.microsoft.com/office/drawing/2014/main" id="{2D230E6D-09E9-7CC9-E41C-3E4544F03957}"/>
+                    </a:ext>
+                  </a:extLst>
+                </p:cNvPr>
+                <p:cNvSpPr txBox="1">
+                  <a:spLocks noRot="1" noChangeAspect="1" noMove="1" noResize="1" noEditPoints="1" noAdjustHandles="1" noChangeArrowheads="1" noChangeShapeType="1" noTextEdit="1"/>
+                </p:cNvSpPr>
+                <p:nvPr/>
+              </p:nvSpPr>
+              <p:spPr>
+                <a:xfrm>
+                  <a:off x="1711828" y="2736770"/>
+                  <a:ext cx="355097" cy="246221"/>
+                </a:xfrm>
+                <a:prstGeom prst="rect">
+                  <a:avLst/>
+                </a:prstGeom>
+                <a:blipFill>
+                  <a:blip r:embed="rId5"/>
+                  <a:stretch>
+                    <a:fillRect/>
+                  </a:stretch>
+                </a:blipFill>
+              </p:spPr>
+              <p:txBody>
+                <a:bodyPr/>
+                <a:lstStyle/>
+                <a:p>
+                  <a:r>
+                    <a:rPr lang="en-US">
+                      <a:noFill/>
+                    </a:rPr>
+                    <a:t> </a:t>
+                  </a:r>
+                </a:p>
+              </p:txBody>
+            </p:sp>
+          </mc:Fallback>
+        </mc:AlternateContent>
+        <p:cxnSp>
+          <p:nvCxnSpPr>
+            <p:cNvPr id="13" name="Straight Arrow Connector 12">
+              <a:extLst>
+                <a:ext uri="{FF2B5EF4-FFF2-40B4-BE49-F238E27FC236}">
+                  <a16:creationId xmlns:a16="http://schemas.microsoft.com/office/drawing/2014/main" id="{50D4AE6D-10AC-82AA-DEEF-780942F18FDC}"/>
+                </a:ext>
+              </a:extLst>
+            </p:cNvPr>
+            <p:cNvCxnSpPr>
+              <a:stCxn id="10" idx="0"/>
+              <a:endCxn id="8" idx="4"/>
+            </p:cNvCxnSpPr>
+            <p:nvPr/>
+          </p:nvCxnSpPr>
+          <p:spPr>
+            <a:xfrm flipV="1">
+              <a:off x="1869282" y="2262188"/>
+              <a:ext cx="0" cy="414337"/>
+            </a:xfrm>
+            <a:prstGeom prst="straightConnector1">
+              <a:avLst/>
+            </a:prstGeom>
+            <a:ln>
+              <a:tailEnd type="triangle"/>
+            </a:ln>
+          </p:spPr>
+          <p:style>
+            <a:lnRef idx="1">
+              <a:schemeClr val="accent1"/>
+            </a:lnRef>
+            <a:fillRef idx="0">
+              <a:schemeClr val="accent1"/>
+            </a:fillRef>
+            <a:effectRef idx="0">
+              <a:schemeClr val="accent1"/>
+            </a:effectRef>
+            <a:fontRef idx="minor">
+              <a:schemeClr val="tx1"/>
+            </a:fontRef>
+          </p:style>
+        </p:cxnSp>
+        <p:cxnSp>
+          <p:nvCxnSpPr>
+            <p:cNvPr id="15" name="Straight Arrow Connector 14">
+              <a:extLst>
+                <a:ext uri="{FF2B5EF4-FFF2-40B4-BE49-F238E27FC236}">
+                  <a16:creationId xmlns:a16="http://schemas.microsoft.com/office/drawing/2014/main" id="{8EBE79A9-9000-E77A-180A-96C51202028F}"/>
+                </a:ext>
+              </a:extLst>
+            </p:cNvPr>
+            <p:cNvCxnSpPr>
+              <a:stCxn id="8" idx="0"/>
+              <a:endCxn id="4" idx="5"/>
+            </p:cNvCxnSpPr>
+            <p:nvPr/>
+          </p:nvCxnSpPr>
+          <p:spPr>
+            <a:xfrm flipH="1" flipV="1">
+              <a:off x="1456587" y="1498479"/>
+              <a:ext cx="412695" cy="373184"/>
+            </a:xfrm>
+            <a:prstGeom prst="straightConnector1">
+              <a:avLst/>
+            </a:prstGeom>
+            <a:ln>
+              <a:tailEnd type="triangle"/>
+            </a:ln>
+          </p:spPr>
+          <p:style>
+            <a:lnRef idx="1">
+              <a:schemeClr val="accent1"/>
+            </a:lnRef>
+            <a:fillRef idx="0">
+              <a:schemeClr val="accent1"/>
+            </a:fillRef>
+            <a:effectRef idx="0">
+              <a:schemeClr val="accent1"/>
+            </a:effectRef>
+            <a:fontRef idx="minor">
+              <a:schemeClr val="tx1"/>
+            </a:fontRef>
+          </p:style>
+        </p:cxnSp>
+        <p:cxnSp>
+          <p:nvCxnSpPr>
+            <p:cNvPr id="17" name="Straight Arrow Connector 16">
+              <a:extLst>
+                <a:ext uri="{FF2B5EF4-FFF2-40B4-BE49-F238E27FC236}">
+                  <a16:creationId xmlns:a16="http://schemas.microsoft.com/office/drawing/2014/main" id="{AF194EAA-B5E7-49AD-3E57-C36E2D247848}"/>
+                </a:ext>
+              </a:extLst>
+            </p:cNvPr>
+            <p:cNvCxnSpPr>
+              <a:stCxn id="8" idx="0"/>
+              <a:endCxn id="6" idx="3"/>
+            </p:cNvCxnSpPr>
+            <p:nvPr/>
+          </p:nvCxnSpPr>
+          <p:spPr>
+            <a:xfrm flipV="1">
+              <a:off x="1869282" y="1482524"/>
+              <a:ext cx="413432" cy="389139"/>
+            </a:xfrm>
+            <a:prstGeom prst="straightConnector1">
+              <a:avLst/>
+            </a:prstGeom>
+            <a:ln>
+              <a:tailEnd type="triangle"/>
+            </a:ln>
+          </p:spPr>
+          <p:style>
+            <a:lnRef idx="1">
+              <a:schemeClr val="accent1"/>
+            </a:lnRef>
+            <a:fillRef idx="0">
+              <a:schemeClr val="accent1"/>
+            </a:fillRef>
+            <a:effectRef idx="0">
+              <a:schemeClr val="accent1"/>
+            </a:effectRef>
+            <a:fontRef idx="minor">
+              <a:schemeClr val="tx1"/>
+            </a:fontRef>
+          </p:style>
+        </p:cxnSp>
+      </p:grpSp>
+      <p:grpSp>
+        <p:nvGrpSpPr>
+          <p:cNvPr id="42" name="Group 41">
+            <a:extLst>
+              <a:ext uri="{FF2B5EF4-FFF2-40B4-BE49-F238E27FC236}">
+                <a16:creationId xmlns:a16="http://schemas.microsoft.com/office/drawing/2014/main" id="{1910A051-88AA-1D71-04FF-09A285D80D3F}"/>
+              </a:ext>
+            </a:extLst>
+          </p:cNvPr>
+          <p:cNvGrpSpPr/>
+          <p:nvPr/>
+        </p:nvGrpSpPr>
+        <p:grpSpPr>
+          <a:xfrm>
+            <a:off x="3306677" y="1118906"/>
+            <a:ext cx="2228660" cy="1995051"/>
+            <a:chOff x="3306677" y="1118906"/>
+            <a:chExt cx="2228660" cy="1995051"/>
+          </a:xfrm>
+        </p:grpSpPr>
+        <p:sp>
+          <p:nvSpPr>
+            <p:cNvPr id="20" name="Oval 19">
+              <a:extLst>
+                <a:ext uri="{FF2B5EF4-FFF2-40B4-BE49-F238E27FC236}">
+                  <a16:creationId xmlns:a16="http://schemas.microsoft.com/office/drawing/2014/main" id="{7B2BEE51-C678-D360-4455-F434438CDB3D}"/>
+                </a:ext>
+              </a:extLst>
+            </p:cNvPr>
+            <p:cNvSpPr/>
+            <p:nvPr/>
+          </p:nvSpPr>
+          <p:spPr>
+            <a:xfrm>
+              <a:off x="5140050" y="1118906"/>
+              <a:ext cx="395287" cy="390525"/>
+            </a:xfrm>
+            <a:prstGeom prst="ellipse">
+              <a:avLst/>
+            </a:prstGeom>
+            <a:noFill/>
+          </p:spPr>
+          <p:style>
+            <a:lnRef idx="2">
+              <a:schemeClr val="accent1">
+                <a:shade val="50000"/>
+              </a:schemeClr>
+            </a:lnRef>
+            <a:fillRef idx="1">
+              <a:schemeClr val="accent1"/>
+            </a:fillRef>
+            <a:effectRef idx="0">
+              <a:schemeClr val="accent1"/>
+            </a:effectRef>
+            <a:fontRef idx="minor">
+              <a:schemeClr val="lt1"/>
+            </a:fontRef>
+          </p:style>
+          <p:txBody>
+            <a:bodyPr rtlCol="0" anchor="ctr"/>
+            <a:lstStyle/>
+            <a:p>
+              <a:pPr algn="ctr"/>
+              <a:endParaRPr lang="en-US"/>
+            </a:p>
+          </p:txBody>
+        </p:sp>
+        <mc:AlternateContent xmlns:mc="http://schemas.openxmlformats.org/markup-compatibility/2006">
+          <mc:Choice xmlns:a14="http://schemas.microsoft.com/office/drawing/2010/main" Requires="a14">
+            <p:sp>
+              <p:nvSpPr>
+                <p:cNvPr id="21" name="TextBox 20">
+                  <a:extLst>
+                    <a:ext uri="{FF2B5EF4-FFF2-40B4-BE49-F238E27FC236}">
+                      <a16:creationId xmlns:a16="http://schemas.microsoft.com/office/drawing/2014/main" id="{566F468E-1FA2-7095-3548-598F8EE2FE89}"/>
+                    </a:ext>
+                  </a:extLst>
+                </p:cNvPr>
+                <p:cNvSpPr txBox="1"/>
+                <p:nvPr/>
+              </p:nvSpPr>
+              <p:spPr>
+                <a:xfrm>
+                  <a:off x="5180240" y="1179151"/>
+                  <a:ext cx="355097" cy="246221"/>
+                </a:xfrm>
+                <a:prstGeom prst="rect">
+                  <a:avLst/>
+                </a:prstGeom>
+                <a:noFill/>
+              </p:spPr>
+              <p:txBody>
+                <a:bodyPr wrap="none" rtlCol="0">
+                  <a:spAutoFit/>
+                </a:bodyPr>
+                <a:lstStyle/>
+                <a:p>
+                  <a14:m>
+                    <m:oMathPara xmlns:m="http://schemas.openxmlformats.org/officeDocument/2006/math">
+                      <m:oMathParaPr>
+                        <m:jc m:val="centerGroup"/>
+                      </m:oMathParaPr>
+                      <m:oMath xmlns:m="http://schemas.openxmlformats.org/officeDocument/2006/math">
+                        <m:sSub>
+                          <m:sSubPr>
+                            <m:ctrlPr>
+                              <a:rPr lang="en-US" sz="1000" i="1" dirty="0" smtClean="0">
+                                <a:latin typeface="Cambria Math" panose="02040503050406030204" pitchFamily="18" charset="0"/>
+                              </a:rPr>
+                            </m:ctrlPr>
+                          </m:sSubPr>
+                          <m:e>
+                            <m:r>
+                              <a:rPr lang="en-US" sz="1000" b="0" i="1" dirty="0" smtClean="0">
+                                <a:latin typeface="Cambria Math" panose="02040503050406030204" pitchFamily="18" charset="0"/>
+                              </a:rPr>
+                              <m:t>𝐴</m:t>
+                            </m:r>
+                          </m:e>
+                          <m:sub>
+                            <m:r>
+                              <a:rPr lang="en-US" sz="1000" b="0" i="1" dirty="0" smtClean="0">
+                                <a:latin typeface="Cambria Math" panose="02040503050406030204" pitchFamily="18" charset="0"/>
+                              </a:rPr>
+                              <m:t>4</m:t>
+                            </m:r>
+                          </m:sub>
+                        </m:sSub>
+                      </m:oMath>
+                    </m:oMathPara>
+                  </a14:m>
+                  <a:endParaRPr lang="en-US" sz="1000" dirty="0"/>
+                </a:p>
+              </p:txBody>
+            </p:sp>
+          </mc:Choice>
+          <mc:Fallback>
+            <p:sp>
+              <p:nvSpPr>
+                <p:cNvPr id="21" name="TextBox 20">
+                  <a:extLst>
+                    <a:ext uri="{FF2B5EF4-FFF2-40B4-BE49-F238E27FC236}">
+                      <a16:creationId xmlns:a16="http://schemas.microsoft.com/office/drawing/2014/main" id="{566F468E-1FA2-7095-3548-598F8EE2FE89}"/>
+                    </a:ext>
+                  </a:extLst>
+                </p:cNvPr>
+                <p:cNvSpPr txBox="1">
+                  <a:spLocks noRot="1" noChangeAspect="1" noMove="1" noResize="1" noEditPoints="1" noAdjustHandles="1" noChangeArrowheads="1" noChangeShapeType="1" noTextEdit="1"/>
+                </p:cNvSpPr>
+                <p:nvPr/>
+              </p:nvSpPr>
+              <p:spPr>
+                <a:xfrm>
+                  <a:off x="5180240" y="1179151"/>
+                  <a:ext cx="355097" cy="246221"/>
+                </a:xfrm>
+                <a:prstGeom prst="rect">
+                  <a:avLst/>
+                </a:prstGeom>
+                <a:blipFill>
+                  <a:blip r:embed="rId6"/>
+                  <a:stretch>
+                    <a:fillRect/>
+                  </a:stretch>
+                </a:blipFill>
+              </p:spPr>
+              <p:txBody>
+                <a:bodyPr/>
+                <a:lstStyle/>
+                <a:p>
+                  <a:r>
+                    <a:rPr lang="en-US">
+                      <a:noFill/>
+                    </a:rPr>
+                    <a:t> </a:t>
+                  </a:r>
+                </a:p>
+              </p:txBody>
+            </p:sp>
+          </mc:Fallback>
+        </mc:AlternateContent>
+        <p:sp>
+          <p:nvSpPr>
+            <p:cNvPr id="22" name="Oval 21">
+              <a:extLst>
+                <a:ext uri="{FF2B5EF4-FFF2-40B4-BE49-F238E27FC236}">
+                  <a16:creationId xmlns:a16="http://schemas.microsoft.com/office/drawing/2014/main" id="{D92D6BFD-9E67-D4D6-97E4-59AE6F697D8D}"/>
+                </a:ext>
+              </a:extLst>
+            </p:cNvPr>
+            <p:cNvSpPr/>
+            <p:nvPr/>
+          </p:nvSpPr>
+          <p:spPr>
+            <a:xfrm>
+              <a:off x="4563213" y="1676400"/>
+              <a:ext cx="395287" cy="390525"/>
+            </a:xfrm>
+            <a:prstGeom prst="ellipse">
+              <a:avLst/>
+            </a:prstGeom>
+            <a:noFill/>
+          </p:spPr>
+          <p:style>
+            <a:lnRef idx="2">
+              <a:schemeClr val="accent1">
+                <a:shade val="50000"/>
+              </a:schemeClr>
+            </a:lnRef>
+            <a:fillRef idx="1">
+              <a:schemeClr val="accent1"/>
+            </a:fillRef>
+            <a:effectRef idx="0">
+              <a:schemeClr val="accent1"/>
+            </a:effectRef>
+            <a:fontRef idx="minor">
+              <a:schemeClr val="lt1"/>
+            </a:fontRef>
+          </p:style>
+          <p:txBody>
+            <a:bodyPr rtlCol="0" anchor="ctr"/>
+            <a:lstStyle/>
+            <a:p>
+              <a:pPr algn="ctr"/>
+              <a:endParaRPr lang="en-US"/>
+            </a:p>
+          </p:txBody>
+        </p:sp>
+        <mc:AlternateContent xmlns:mc="http://schemas.openxmlformats.org/markup-compatibility/2006">
+          <mc:Choice xmlns:a14="http://schemas.microsoft.com/office/drawing/2010/main" Requires="a14">
+            <p:sp>
+              <p:nvSpPr>
+                <p:cNvPr id="23" name="TextBox 22">
+                  <a:extLst>
+                    <a:ext uri="{FF2B5EF4-FFF2-40B4-BE49-F238E27FC236}">
+                      <a16:creationId xmlns:a16="http://schemas.microsoft.com/office/drawing/2014/main" id="{27988E8A-16F2-10D5-3607-50D39EFC4F01}"/>
+                    </a:ext>
+                  </a:extLst>
+                </p:cNvPr>
+                <p:cNvSpPr txBox="1"/>
+                <p:nvPr/>
+              </p:nvSpPr>
+              <p:spPr>
+                <a:xfrm>
+                  <a:off x="4603403" y="1736645"/>
+                  <a:ext cx="355097" cy="246221"/>
+                </a:xfrm>
+                <a:prstGeom prst="rect">
+                  <a:avLst/>
+                </a:prstGeom>
+                <a:noFill/>
+              </p:spPr>
+              <p:txBody>
+                <a:bodyPr wrap="none" rtlCol="0">
+                  <a:spAutoFit/>
+                </a:bodyPr>
+                <a:lstStyle/>
+                <a:p>
+                  <a14:m>
+                    <m:oMathPara xmlns:m="http://schemas.openxmlformats.org/officeDocument/2006/math">
+                      <m:oMathParaPr>
+                        <m:jc m:val="centerGroup"/>
+                      </m:oMathParaPr>
+                      <m:oMath xmlns:m="http://schemas.openxmlformats.org/officeDocument/2006/math">
+                        <m:sSub>
+                          <m:sSubPr>
+                            <m:ctrlPr>
+                              <a:rPr lang="en-US" sz="1000" i="1" dirty="0" smtClean="0">
+                                <a:latin typeface="Cambria Math" panose="02040503050406030204" pitchFamily="18" charset="0"/>
+                              </a:rPr>
+                            </m:ctrlPr>
+                          </m:sSubPr>
+                          <m:e>
+                            <m:r>
+                              <a:rPr lang="en-US" sz="1000" b="0" i="1" dirty="0" smtClean="0">
+                                <a:latin typeface="Cambria Math" panose="02040503050406030204" pitchFamily="18" charset="0"/>
+                              </a:rPr>
+                              <m:t>𝐴</m:t>
+                            </m:r>
+                          </m:e>
+                          <m:sub>
+                            <m:r>
+                              <a:rPr lang="en-US" sz="1000" b="0" i="1" dirty="0" smtClean="0">
+                                <a:latin typeface="Cambria Math" panose="02040503050406030204" pitchFamily="18" charset="0"/>
+                              </a:rPr>
+                              <m:t>3</m:t>
+                            </m:r>
+                          </m:sub>
+                        </m:sSub>
+                      </m:oMath>
+                    </m:oMathPara>
+                  </a14:m>
+                  <a:endParaRPr lang="en-US" sz="1000" dirty="0"/>
+                </a:p>
+              </p:txBody>
+            </p:sp>
+          </mc:Choice>
+          <mc:Fallback>
+            <p:sp>
+              <p:nvSpPr>
+                <p:cNvPr id="23" name="TextBox 22">
+                  <a:extLst>
+                    <a:ext uri="{FF2B5EF4-FFF2-40B4-BE49-F238E27FC236}">
+                      <a16:creationId xmlns:a16="http://schemas.microsoft.com/office/drawing/2014/main" id="{27988E8A-16F2-10D5-3607-50D39EFC4F01}"/>
+                    </a:ext>
+                  </a:extLst>
+                </p:cNvPr>
+                <p:cNvSpPr txBox="1">
+                  <a:spLocks noRot="1" noChangeAspect="1" noMove="1" noResize="1" noEditPoints="1" noAdjustHandles="1" noChangeArrowheads="1" noChangeShapeType="1" noTextEdit="1"/>
+                </p:cNvSpPr>
+                <p:nvPr/>
+              </p:nvSpPr>
+              <p:spPr>
+                <a:xfrm>
+                  <a:off x="4603403" y="1736645"/>
+                  <a:ext cx="355097" cy="246221"/>
+                </a:xfrm>
+                <a:prstGeom prst="rect">
+                  <a:avLst/>
+                </a:prstGeom>
+                <a:blipFill>
+                  <a:blip r:embed="rId7"/>
+                  <a:stretch>
+                    <a:fillRect/>
+                  </a:stretch>
+                </a:blipFill>
+              </p:spPr>
+              <p:txBody>
+                <a:bodyPr/>
+                <a:lstStyle/>
+                <a:p>
+                  <a:r>
+                    <a:rPr lang="en-US">
+                      <a:noFill/>
+                    </a:rPr>
+                    <a:t> </a:t>
+                  </a:r>
+                </a:p>
+              </p:txBody>
+            </p:sp>
+          </mc:Fallback>
+        </mc:AlternateContent>
+        <p:sp>
+          <p:nvSpPr>
+            <p:cNvPr id="24" name="Oval 23">
+              <a:extLst>
+                <a:ext uri="{FF2B5EF4-FFF2-40B4-BE49-F238E27FC236}">
+                  <a16:creationId xmlns:a16="http://schemas.microsoft.com/office/drawing/2014/main" id="{C9F0A726-636D-C6E8-2639-92E41E3AB548}"/>
+                </a:ext>
+              </a:extLst>
+            </p:cNvPr>
+            <p:cNvSpPr/>
+            <p:nvPr/>
+          </p:nvSpPr>
+          <p:spPr>
+            <a:xfrm>
+              <a:off x="3932043" y="2194796"/>
+              <a:ext cx="395287" cy="390525"/>
+            </a:xfrm>
+            <a:prstGeom prst="ellipse">
+              <a:avLst/>
+            </a:prstGeom>
+            <a:noFill/>
+          </p:spPr>
+          <p:style>
+            <a:lnRef idx="2">
+              <a:schemeClr val="accent1">
+                <a:shade val="50000"/>
+              </a:schemeClr>
+            </a:lnRef>
+            <a:fillRef idx="1">
+              <a:schemeClr val="accent1"/>
+            </a:fillRef>
+            <a:effectRef idx="0">
+              <a:schemeClr val="accent1"/>
+            </a:effectRef>
+            <a:fontRef idx="minor">
+              <a:schemeClr val="lt1"/>
+            </a:fontRef>
+          </p:style>
+          <p:txBody>
+            <a:bodyPr rtlCol="0" anchor="ctr"/>
+            <a:lstStyle/>
+            <a:p>
+              <a:pPr algn="ctr"/>
+              <a:endParaRPr lang="en-US"/>
+            </a:p>
+          </p:txBody>
+        </p:sp>
+        <mc:AlternateContent xmlns:mc="http://schemas.openxmlformats.org/markup-compatibility/2006">
+          <mc:Choice xmlns:a14="http://schemas.microsoft.com/office/drawing/2010/main" Requires="a14">
+            <p:sp>
+              <p:nvSpPr>
+                <p:cNvPr id="25" name="TextBox 24">
+                  <a:extLst>
+                    <a:ext uri="{FF2B5EF4-FFF2-40B4-BE49-F238E27FC236}">
+                      <a16:creationId xmlns:a16="http://schemas.microsoft.com/office/drawing/2014/main" id="{799E6DBB-97AA-1266-37E5-ADEA29BB08C5}"/>
+                    </a:ext>
+                  </a:extLst>
+                </p:cNvPr>
+                <p:cNvSpPr txBox="1"/>
+                <p:nvPr/>
+              </p:nvSpPr>
+              <p:spPr>
+                <a:xfrm>
+                  <a:off x="3972233" y="2255041"/>
+                  <a:ext cx="355097" cy="246221"/>
+                </a:xfrm>
+                <a:prstGeom prst="rect">
+                  <a:avLst/>
+                </a:prstGeom>
+                <a:noFill/>
+              </p:spPr>
+              <p:txBody>
+                <a:bodyPr wrap="none" rtlCol="0">
+                  <a:spAutoFit/>
+                </a:bodyPr>
+                <a:lstStyle/>
+                <a:p>
+                  <a14:m>
+                    <m:oMathPara xmlns:m="http://schemas.openxmlformats.org/officeDocument/2006/math">
+                      <m:oMathParaPr>
+                        <m:jc m:val="centerGroup"/>
+                      </m:oMathParaPr>
+                      <m:oMath xmlns:m="http://schemas.openxmlformats.org/officeDocument/2006/math">
+                        <m:sSub>
+                          <m:sSubPr>
+                            <m:ctrlPr>
+                              <a:rPr lang="en-US" sz="1000" i="1" dirty="0" smtClean="0">
+                                <a:latin typeface="Cambria Math" panose="02040503050406030204" pitchFamily="18" charset="0"/>
+                              </a:rPr>
+                            </m:ctrlPr>
+                          </m:sSubPr>
+                          <m:e>
+                            <m:r>
+                              <a:rPr lang="en-US" sz="1000" b="0" i="1" dirty="0" smtClean="0">
+                                <a:latin typeface="Cambria Math" panose="02040503050406030204" pitchFamily="18" charset="0"/>
+                              </a:rPr>
+                              <m:t>𝐴</m:t>
+                            </m:r>
+                          </m:e>
+                          <m:sub>
+                            <m:r>
+                              <a:rPr lang="en-US" sz="1000" b="0" i="1" dirty="0" smtClean="0">
+                                <a:latin typeface="Cambria Math" panose="02040503050406030204" pitchFamily="18" charset="0"/>
+                              </a:rPr>
+                              <m:t>2</m:t>
+                            </m:r>
+                          </m:sub>
+                        </m:sSub>
+                      </m:oMath>
+                    </m:oMathPara>
+                  </a14:m>
+                  <a:endParaRPr lang="en-US" sz="1000" dirty="0"/>
+                </a:p>
+              </p:txBody>
+            </p:sp>
+          </mc:Choice>
+          <mc:Fallback>
+            <p:sp>
+              <p:nvSpPr>
+                <p:cNvPr id="25" name="TextBox 24">
+                  <a:extLst>
+                    <a:ext uri="{FF2B5EF4-FFF2-40B4-BE49-F238E27FC236}">
+                      <a16:creationId xmlns:a16="http://schemas.microsoft.com/office/drawing/2014/main" id="{799E6DBB-97AA-1266-37E5-ADEA29BB08C5}"/>
+                    </a:ext>
+                  </a:extLst>
+                </p:cNvPr>
+                <p:cNvSpPr txBox="1">
+                  <a:spLocks noRot="1" noChangeAspect="1" noMove="1" noResize="1" noEditPoints="1" noAdjustHandles="1" noChangeArrowheads="1" noChangeShapeType="1" noTextEdit="1"/>
+                </p:cNvSpPr>
+                <p:nvPr/>
+              </p:nvSpPr>
+              <p:spPr>
+                <a:xfrm>
+                  <a:off x="3972233" y="2255041"/>
+                  <a:ext cx="355097" cy="246221"/>
+                </a:xfrm>
+                <a:prstGeom prst="rect">
+                  <a:avLst/>
+                </a:prstGeom>
+                <a:blipFill>
+                  <a:blip r:embed="rId8"/>
+                  <a:stretch>
+                    <a:fillRect/>
+                  </a:stretch>
+                </a:blipFill>
+              </p:spPr>
+              <p:txBody>
+                <a:bodyPr/>
+                <a:lstStyle/>
+                <a:p>
+                  <a:r>
+                    <a:rPr lang="en-US">
+                      <a:noFill/>
+                    </a:rPr>
+                    <a:t> </a:t>
+                  </a:r>
+                </a:p>
+              </p:txBody>
+            </p:sp>
+          </mc:Fallback>
+        </mc:AlternateContent>
+        <p:sp>
+          <p:nvSpPr>
+            <p:cNvPr id="26" name="Oval 25">
+              <a:extLst>
+                <a:ext uri="{FF2B5EF4-FFF2-40B4-BE49-F238E27FC236}">
+                  <a16:creationId xmlns:a16="http://schemas.microsoft.com/office/drawing/2014/main" id="{BADACF39-57A0-0106-F979-C04B918904AC}"/>
+                </a:ext>
+              </a:extLst>
+            </p:cNvPr>
+            <p:cNvSpPr/>
+            <p:nvPr/>
+          </p:nvSpPr>
+          <p:spPr>
+            <a:xfrm>
+              <a:off x="3306677" y="2723432"/>
+              <a:ext cx="395287" cy="390525"/>
+            </a:xfrm>
+            <a:prstGeom prst="ellipse">
+              <a:avLst/>
+            </a:prstGeom>
+            <a:noFill/>
+          </p:spPr>
+          <p:style>
+            <a:lnRef idx="2">
+              <a:schemeClr val="accent1">
+                <a:shade val="50000"/>
+              </a:schemeClr>
+            </a:lnRef>
+            <a:fillRef idx="1">
+              <a:schemeClr val="accent1"/>
+            </a:fillRef>
+            <a:effectRef idx="0">
+              <a:schemeClr val="accent1"/>
+            </a:effectRef>
+            <a:fontRef idx="minor">
+              <a:schemeClr val="lt1"/>
+            </a:fontRef>
+          </p:style>
+          <p:txBody>
+            <a:bodyPr rtlCol="0" anchor="ctr"/>
+            <a:lstStyle/>
+            <a:p>
+              <a:pPr algn="ctr"/>
+              <a:endParaRPr lang="en-US"/>
+            </a:p>
+          </p:txBody>
+        </p:sp>
+        <mc:AlternateContent xmlns:mc="http://schemas.openxmlformats.org/markup-compatibility/2006">
+          <mc:Choice xmlns:a14="http://schemas.microsoft.com/office/drawing/2010/main" Requires="a14">
+            <p:sp>
+              <p:nvSpPr>
+                <p:cNvPr id="27" name="TextBox 26">
+                  <a:extLst>
+                    <a:ext uri="{FF2B5EF4-FFF2-40B4-BE49-F238E27FC236}">
+                      <a16:creationId xmlns:a16="http://schemas.microsoft.com/office/drawing/2014/main" id="{C3D33122-EF9C-FE2B-C775-E517307AA6EC}"/>
+                    </a:ext>
+                  </a:extLst>
+                </p:cNvPr>
+                <p:cNvSpPr txBox="1"/>
+                <p:nvPr/>
+              </p:nvSpPr>
+              <p:spPr>
+                <a:xfrm>
+                  <a:off x="3346867" y="2783677"/>
+                  <a:ext cx="355097" cy="246221"/>
+                </a:xfrm>
+                <a:prstGeom prst="rect">
+                  <a:avLst/>
+                </a:prstGeom>
+                <a:noFill/>
+              </p:spPr>
+              <p:txBody>
+                <a:bodyPr wrap="none" rtlCol="0">
+                  <a:spAutoFit/>
+                </a:bodyPr>
+                <a:lstStyle/>
+                <a:p>
+                  <a14:m>
+                    <m:oMathPara xmlns:m="http://schemas.openxmlformats.org/officeDocument/2006/math">
+                      <m:oMathParaPr>
+                        <m:jc m:val="centerGroup"/>
+                      </m:oMathParaPr>
+                      <m:oMath xmlns:m="http://schemas.openxmlformats.org/officeDocument/2006/math">
+                        <m:sSub>
+                          <m:sSubPr>
+                            <m:ctrlPr>
+                              <a:rPr lang="en-US" sz="1000" i="1" dirty="0" smtClean="0">
+                                <a:latin typeface="Cambria Math" panose="02040503050406030204" pitchFamily="18" charset="0"/>
+                              </a:rPr>
+                            </m:ctrlPr>
+                          </m:sSubPr>
+                          <m:e>
+                            <m:r>
+                              <a:rPr lang="en-US" sz="1000" b="0" i="1" dirty="0" smtClean="0">
+                                <a:latin typeface="Cambria Math" panose="02040503050406030204" pitchFamily="18" charset="0"/>
+                              </a:rPr>
+                              <m:t>𝐴</m:t>
+                            </m:r>
+                          </m:e>
+                          <m:sub>
+                            <m:r>
+                              <a:rPr lang="en-US" sz="1000" b="0" i="1" dirty="0" smtClean="0">
+                                <a:latin typeface="Cambria Math" panose="02040503050406030204" pitchFamily="18" charset="0"/>
+                              </a:rPr>
+                              <m:t>1</m:t>
+                            </m:r>
+                          </m:sub>
+                        </m:sSub>
+                      </m:oMath>
+                    </m:oMathPara>
+                  </a14:m>
+                  <a:endParaRPr lang="en-US" sz="1000" dirty="0"/>
+                </a:p>
+              </p:txBody>
+            </p:sp>
+          </mc:Choice>
+          <mc:Fallback>
+            <p:sp>
+              <p:nvSpPr>
+                <p:cNvPr id="27" name="TextBox 26">
+                  <a:extLst>
+                    <a:ext uri="{FF2B5EF4-FFF2-40B4-BE49-F238E27FC236}">
+                      <a16:creationId xmlns:a16="http://schemas.microsoft.com/office/drawing/2014/main" id="{C3D33122-EF9C-FE2B-C775-E517307AA6EC}"/>
+                    </a:ext>
+                  </a:extLst>
+                </p:cNvPr>
+                <p:cNvSpPr txBox="1">
+                  <a:spLocks noRot="1" noChangeAspect="1" noMove="1" noResize="1" noEditPoints="1" noAdjustHandles="1" noChangeArrowheads="1" noChangeShapeType="1" noTextEdit="1"/>
+                </p:cNvSpPr>
+                <p:nvPr/>
+              </p:nvSpPr>
+              <p:spPr>
+                <a:xfrm>
+                  <a:off x="3346867" y="2783677"/>
+                  <a:ext cx="355097" cy="246221"/>
+                </a:xfrm>
+                <a:prstGeom prst="rect">
+                  <a:avLst/>
+                </a:prstGeom>
+                <a:blipFill>
+                  <a:blip r:embed="rId9"/>
+                  <a:stretch>
+                    <a:fillRect/>
+                  </a:stretch>
+                </a:blipFill>
+              </p:spPr>
+              <p:txBody>
+                <a:bodyPr/>
+                <a:lstStyle/>
+                <a:p>
+                  <a:r>
+                    <a:rPr lang="en-US">
+                      <a:noFill/>
+                    </a:rPr>
+                    <a:t> </a:t>
+                  </a:r>
+                </a:p>
+              </p:txBody>
+            </p:sp>
+          </mc:Fallback>
+        </mc:AlternateContent>
+        <p:cxnSp>
+          <p:nvCxnSpPr>
+            <p:cNvPr id="35" name="Straight Arrow Connector 34">
+              <a:extLst>
+                <a:ext uri="{FF2B5EF4-FFF2-40B4-BE49-F238E27FC236}">
+                  <a16:creationId xmlns:a16="http://schemas.microsoft.com/office/drawing/2014/main" id="{64C2E536-14B8-91F1-5115-508455AE05F6}"/>
+                </a:ext>
+              </a:extLst>
+            </p:cNvPr>
+            <p:cNvCxnSpPr>
+              <a:cxnSpLocks/>
+            </p:cNvCxnSpPr>
+            <p:nvPr/>
+          </p:nvCxnSpPr>
+          <p:spPr>
+            <a:xfrm flipV="1">
+              <a:off x="4895250" y="1456841"/>
+              <a:ext cx="308050" cy="273089"/>
+            </a:xfrm>
+            <a:prstGeom prst="straightConnector1">
+              <a:avLst/>
+            </a:prstGeom>
+            <a:ln>
+              <a:tailEnd type="triangle"/>
+            </a:ln>
+          </p:spPr>
+          <p:style>
+            <a:lnRef idx="1">
+              <a:schemeClr val="accent1"/>
+            </a:lnRef>
+            <a:fillRef idx="0">
+              <a:schemeClr val="accent1"/>
+            </a:fillRef>
+            <a:effectRef idx="0">
+              <a:schemeClr val="accent1"/>
+            </a:effectRef>
+            <a:fontRef idx="minor">
+              <a:schemeClr val="tx1"/>
+            </a:fontRef>
+          </p:style>
+        </p:cxnSp>
+        <p:cxnSp>
+          <p:nvCxnSpPr>
+            <p:cNvPr id="36" name="Straight Arrow Connector 35">
+              <a:extLst>
+                <a:ext uri="{FF2B5EF4-FFF2-40B4-BE49-F238E27FC236}">
+                  <a16:creationId xmlns:a16="http://schemas.microsoft.com/office/drawing/2014/main" id="{45123F7F-7197-B3AB-0964-D683631249B4}"/>
+                </a:ext>
+              </a:extLst>
+            </p:cNvPr>
+            <p:cNvCxnSpPr>
+              <a:cxnSpLocks/>
+            </p:cNvCxnSpPr>
+            <p:nvPr/>
+          </p:nvCxnSpPr>
+          <p:spPr>
+            <a:xfrm flipV="1">
+              <a:off x="4287312" y="1992875"/>
+              <a:ext cx="319071" cy="269080"/>
+            </a:xfrm>
+            <a:prstGeom prst="straightConnector1">
+              <a:avLst/>
+            </a:prstGeom>
+            <a:ln>
+              <a:tailEnd type="triangle"/>
+            </a:ln>
+          </p:spPr>
+          <p:style>
+            <a:lnRef idx="1">
+              <a:schemeClr val="accent1"/>
+            </a:lnRef>
+            <a:fillRef idx="0">
+              <a:schemeClr val="accent1"/>
+            </a:fillRef>
+            <a:effectRef idx="0">
+              <a:schemeClr val="accent1"/>
+            </a:effectRef>
+            <a:fontRef idx="minor">
+              <a:schemeClr val="tx1"/>
+            </a:fontRef>
+          </p:style>
+        </p:cxnSp>
+        <p:cxnSp>
+          <p:nvCxnSpPr>
+            <p:cNvPr id="37" name="Straight Arrow Connector 36">
+              <a:extLst>
+                <a:ext uri="{FF2B5EF4-FFF2-40B4-BE49-F238E27FC236}">
+                  <a16:creationId xmlns:a16="http://schemas.microsoft.com/office/drawing/2014/main" id="{60BAA903-A5C1-230B-0E95-1DDD8F771F8E}"/>
+                </a:ext>
+              </a:extLst>
+            </p:cNvPr>
+            <p:cNvCxnSpPr>
+              <a:cxnSpLocks/>
+            </p:cNvCxnSpPr>
+            <p:nvPr/>
+          </p:nvCxnSpPr>
+          <p:spPr>
+            <a:xfrm flipV="1">
+              <a:off x="3650615" y="2509180"/>
+              <a:ext cx="332777" cy="285631"/>
+            </a:xfrm>
+            <a:prstGeom prst="straightConnector1">
+              <a:avLst/>
+            </a:prstGeom>
+            <a:ln>
+              <a:tailEnd type="triangle"/>
+            </a:ln>
+          </p:spPr>
+          <p:style>
+            <a:lnRef idx="1">
+              <a:schemeClr val="accent1"/>
+            </a:lnRef>
+            <a:fillRef idx="0">
+              <a:schemeClr val="accent1"/>
+            </a:fillRef>
+            <a:effectRef idx="0">
+              <a:schemeClr val="accent1"/>
+            </a:effectRef>
+            <a:fontRef idx="minor">
+              <a:schemeClr val="tx1"/>
+            </a:fontRef>
+          </p:style>
+        </p:cxnSp>
+      </p:grpSp>
+    </p:spTree>
+    <p:extLst>
+      <p:ext uri="{BB962C8B-B14F-4D97-AF65-F5344CB8AC3E}">
+        <p14:creationId xmlns:p14="http://schemas.microsoft.com/office/powerpoint/2010/main" val="1732233408"/>
+      </p:ext>
+    </p:extLst>
+  </p:cSld>
+  <p:clrMapOvr>
+    <a:masterClrMapping/>
+  </p:clrMapOvr>
+</p:sld>
+</file>
+
 <file path=ppt/theme/theme1.xml><?xml version="1.0" encoding="utf-8"?>
 <a:theme xmlns:a="http://schemas.openxmlformats.org/drawingml/2006/main" name="Office Theme">
   <a:themeElements>

--- a/docs/RootCauseAnalysisforFulfillmentSplittingDecisions.pptx
+++ b/docs/RootCauseAnalysisforFulfillmentSplittingDecisions.pptx
@@ -262,7 +262,7 @@
           <a:p>
             <a:fld id="{2787EA05-ED44-0A4C-AF18-F871CD66EDDF}" type="datetimeFigureOut">
               <a:rPr lang="en-US" smtClean="0"/>
-              <a:t>8/28/23</a:t>
+              <a:t>9/10/23</a:t>
             </a:fld>
             <a:endParaRPr lang="en-US"/>
           </a:p>
@@ -460,7 +460,7 @@
           <a:p>
             <a:fld id="{2787EA05-ED44-0A4C-AF18-F871CD66EDDF}" type="datetimeFigureOut">
               <a:rPr lang="en-US" smtClean="0"/>
-              <a:t>8/28/23</a:t>
+              <a:t>9/10/23</a:t>
             </a:fld>
             <a:endParaRPr lang="en-US"/>
           </a:p>
@@ -668,7 +668,7 @@
           <a:p>
             <a:fld id="{2787EA05-ED44-0A4C-AF18-F871CD66EDDF}" type="datetimeFigureOut">
               <a:rPr lang="en-US" smtClean="0"/>
-              <a:t>8/28/23</a:t>
+              <a:t>9/10/23</a:t>
             </a:fld>
             <a:endParaRPr lang="en-US"/>
           </a:p>
@@ -866,7 +866,7 @@
           <a:p>
             <a:fld id="{2787EA05-ED44-0A4C-AF18-F871CD66EDDF}" type="datetimeFigureOut">
               <a:rPr lang="en-US" smtClean="0"/>
-              <a:t>8/28/23</a:t>
+              <a:t>9/10/23</a:t>
             </a:fld>
             <a:endParaRPr lang="en-US"/>
           </a:p>
@@ -1141,7 +1141,7 @@
           <a:p>
             <a:fld id="{2787EA05-ED44-0A4C-AF18-F871CD66EDDF}" type="datetimeFigureOut">
               <a:rPr lang="en-US" smtClean="0"/>
-              <a:t>8/28/23</a:t>
+              <a:t>9/10/23</a:t>
             </a:fld>
             <a:endParaRPr lang="en-US"/>
           </a:p>
@@ -1406,7 +1406,7 @@
           <a:p>
             <a:fld id="{2787EA05-ED44-0A4C-AF18-F871CD66EDDF}" type="datetimeFigureOut">
               <a:rPr lang="en-US" smtClean="0"/>
-              <a:t>8/28/23</a:t>
+              <a:t>9/10/23</a:t>
             </a:fld>
             <a:endParaRPr lang="en-US"/>
           </a:p>
@@ -1818,7 +1818,7 @@
           <a:p>
             <a:fld id="{2787EA05-ED44-0A4C-AF18-F871CD66EDDF}" type="datetimeFigureOut">
               <a:rPr lang="en-US" smtClean="0"/>
-              <a:t>8/28/23</a:t>
+              <a:t>9/10/23</a:t>
             </a:fld>
             <a:endParaRPr lang="en-US"/>
           </a:p>
@@ -1959,7 +1959,7 @@
           <a:p>
             <a:fld id="{2787EA05-ED44-0A4C-AF18-F871CD66EDDF}" type="datetimeFigureOut">
               <a:rPr lang="en-US" smtClean="0"/>
-              <a:t>8/28/23</a:t>
+              <a:t>9/10/23</a:t>
             </a:fld>
             <a:endParaRPr lang="en-US"/>
           </a:p>
@@ -2072,7 +2072,7 @@
           <a:p>
             <a:fld id="{2787EA05-ED44-0A4C-AF18-F871CD66EDDF}" type="datetimeFigureOut">
               <a:rPr lang="en-US" smtClean="0"/>
-              <a:t>8/28/23</a:t>
+              <a:t>9/10/23</a:t>
             </a:fld>
             <a:endParaRPr lang="en-US"/>
           </a:p>
@@ -2383,7 +2383,7 @@
           <a:p>
             <a:fld id="{2787EA05-ED44-0A4C-AF18-F871CD66EDDF}" type="datetimeFigureOut">
               <a:rPr lang="en-US" smtClean="0"/>
-              <a:t>8/28/23</a:t>
+              <a:t>9/10/23</a:t>
             </a:fld>
             <a:endParaRPr lang="en-US"/>
           </a:p>
@@ -2671,7 +2671,7 @@
           <a:p>
             <a:fld id="{2787EA05-ED44-0A4C-AF18-F871CD66EDDF}" type="datetimeFigureOut">
               <a:rPr lang="en-US" smtClean="0"/>
-              <a:t>8/28/23</a:t>
+              <a:t>9/10/23</a:t>
             </a:fld>
             <a:endParaRPr lang="en-US"/>
           </a:p>
@@ -2912,7 +2912,7 @@
           <a:p>
             <a:fld id="{2787EA05-ED44-0A4C-AF18-F871CD66EDDF}" type="datetimeFigureOut">
               <a:rPr lang="en-US" smtClean="0"/>
-              <a:t>8/28/23</a:t>
+              <a:t>9/10/23</a:t>
             </a:fld>
             <a:endParaRPr lang="en-US"/>
           </a:p>
@@ -6809,8 +6809,8 @@
               </a:p>
             </p:txBody>
           </p:sp>
-          <mc:AlternateContent xmlns:mc="http://schemas.openxmlformats.org/markup-compatibility/2006">
-            <mc:Choice xmlns:a14="http://schemas.microsoft.com/office/drawing/2010/main" Requires="a14">
+          <mc:AlternateContent xmlns:mc="http://schemas.openxmlformats.org/markup-compatibility/2006" xmlns:a14="http://schemas.microsoft.com/office/drawing/2010/main">
+            <mc:Choice Requires="a14">
               <p:sp>
                 <p:nvSpPr>
                   <p:cNvPr id="3" name="TextBox 2">
@@ -6925,7 +6925,7 @@
                 </p:txBody>
               </p:sp>
             </mc:Choice>
-            <mc:Fallback>
+            <mc:Fallback xmlns="">
               <p:sp>
                 <p:nvSpPr>
                   <p:cNvPr id="3" name="TextBox 2">
@@ -7043,8 +7043,8 @@
               </a:p>
             </p:txBody>
           </p:sp>
-          <mc:AlternateContent xmlns:mc="http://schemas.openxmlformats.org/markup-compatibility/2006">
-            <mc:Choice xmlns:a14="http://schemas.microsoft.com/office/drawing/2010/main" Requires="a14">
+          <mc:AlternateContent xmlns:mc="http://schemas.openxmlformats.org/markup-compatibility/2006" xmlns:a14="http://schemas.microsoft.com/office/drawing/2010/main">
+            <mc:Choice Requires="a14">
               <p:sp>
                 <p:nvSpPr>
                   <p:cNvPr id="25" name="TextBox 24">
@@ -7159,7 +7159,7 @@
                 </p:txBody>
               </p:sp>
             </mc:Choice>
-            <mc:Fallback>
+            <mc:Fallback xmlns="">
               <p:sp>
                 <p:nvSpPr>
                   <p:cNvPr id="25" name="TextBox 24">
@@ -7277,8 +7277,8 @@
               </a:p>
             </p:txBody>
           </p:sp>
-          <mc:AlternateContent xmlns:mc="http://schemas.openxmlformats.org/markup-compatibility/2006">
-            <mc:Choice xmlns:a14="http://schemas.microsoft.com/office/drawing/2010/main" Requires="a14">
+          <mc:AlternateContent xmlns:mc="http://schemas.openxmlformats.org/markup-compatibility/2006" xmlns:a14="http://schemas.microsoft.com/office/drawing/2010/main">
+            <mc:Choice Requires="a14">
               <p:sp>
                 <p:nvSpPr>
                   <p:cNvPr id="28" name="TextBox 27">
@@ -7393,7 +7393,7 @@
                 </p:txBody>
               </p:sp>
             </mc:Choice>
-            <mc:Fallback>
+            <mc:Fallback xmlns="">
               <p:sp>
                 <p:nvSpPr>
                   <p:cNvPr id="28" name="TextBox 27">
@@ -7511,8 +7511,8 @@
               </a:p>
             </p:txBody>
           </p:sp>
-          <mc:AlternateContent xmlns:mc="http://schemas.openxmlformats.org/markup-compatibility/2006">
-            <mc:Choice xmlns:a14="http://schemas.microsoft.com/office/drawing/2010/main" Requires="a14">
+          <mc:AlternateContent xmlns:mc="http://schemas.openxmlformats.org/markup-compatibility/2006" xmlns:a14="http://schemas.microsoft.com/office/drawing/2010/main">
+            <mc:Choice Requires="a14">
               <p:sp>
                 <p:nvSpPr>
                   <p:cNvPr id="31" name="TextBox 30">
@@ -7627,7 +7627,7 @@
                 </p:txBody>
               </p:sp>
             </mc:Choice>
-            <mc:Fallback>
+            <mc:Fallback xmlns="">
               <p:sp>
                 <p:nvSpPr>
                   <p:cNvPr id="31" name="TextBox 30">
@@ -7745,8 +7745,8 @@
               </a:p>
             </p:txBody>
           </p:sp>
-          <mc:AlternateContent xmlns:mc="http://schemas.openxmlformats.org/markup-compatibility/2006">
-            <mc:Choice xmlns:a14="http://schemas.microsoft.com/office/drawing/2010/main" Requires="a14">
+          <mc:AlternateContent xmlns:mc="http://schemas.openxmlformats.org/markup-compatibility/2006" xmlns:a14="http://schemas.microsoft.com/office/drawing/2010/main">
+            <mc:Choice Requires="a14">
               <p:sp>
                 <p:nvSpPr>
                   <p:cNvPr id="34" name="TextBox 33">
@@ -7861,7 +7861,7 @@
                 </p:txBody>
               </p:sp>
             </mc:Choice>
-            <mc:Fallback>
+            <mc:Fallback xmlns="">
               <p:sp>
                 <p:nvSpPr>
                   <p:cNvPr id="34" name="TextBox 33">
@@ -7979,8 +7979,8 @@
               </a:p>
             </p:txBody>
           </p:sp>
-          <mc:AlternateContent xmlns:mc="http://schemas.openxmlformats.org/markup-compatibility/2006">
-            <mc:Choice xmlns:a14="http://schemas.microsoft.com/office/drawing/2010/main" Requires="a14">
+          <mc:AlternateContent xmlns:mc="http://schemas.openxmlformats.org/markup-compatibility/2006" xmlns:a14="http://schemas.microsoft.com/office/drawing/2010/main">
+            <mc:Choice Requires="a14">
               <p:sp>
                 <p:nvSpPr>
                   <p:cNvPr id="37" name="TextBox 36">
@@ -8095,7 +8095,7 @@
                 </p:txBody>
               </p:sp>
             </mc:Choice>
-            <mc:Fallback>
+            <mc:Fallback xmlns="">
               <p:sp>
                 <p:nvSpPr>
                   <p:cNvPr id="37" name="TextBox 36">
@@ -8213,8 +8213,8 @@
               </a:p>
             </p:txBody>
           </p:sp>
-          <mc:AlternateContent xmlns:mc="http://schemas.openxmlformats.org/markup-compatibility/2006">
-            <mc:Choice xmlns:a14="http://schemas.microsoft.com/office/drawing/2010/main" Requires="a14">
+          <mc:AlternateContent xmlns:mc="http://schemas.openxmlformats.org/markup-compatibility/2006" xmlns:a14="http://schemas.microsoft.com/office/drawing/2010/main">
+            <mc:Choice Requires="a14">
               <p:sp>
                 <p:nvSpPr>
                   <p:cNvPr id="40" name="TextBox 39">
@@ -8329,7 +8329,7 @@
                 </p:txBody>
               </p:sp>
             </mc:Choice>
-            <mc:Fallback>
+            <mc:Fallback xmlns="">
               <p:sp>
                 <p:nvSpPr>
                   <p:cNvPr id="40" name="TextBox 39">
@@ -8447,8 +8447,8 @@
               </a:p>
             </p:txBody>
           </p:sp>
-          <mc:AlternateContent xmlns:mc="http://schemas.openxmlformats.org/markup-compatibility/2006">
-            <mc:Choice xmlns:a14="http://schemas.microsoft.com/office/drawing/2010/main" Requires="a14">
+          <mc:AlternateContent xmlns:mc="http://schemas.openxmlformats.org/markup-compatibility/2006" xmlns:a14="http://schemas.microsoft.com/office/drawing/2010/main">
+            <mc:Choice Requires="a14">
               <p:sp>
                 <p:nvSpPr>
                   <p:cNvPr id="43" name="TextBox 42">
@@ -8563,7 +8563,7 @@
                 </p:txBody>
               </p:sp>
             </mc:Choice>
-            <mc:Fallback>
+            <mc:Fallback xmlns="">
               <p:sp>
                 <p:nvSpPr>
                   <p:cNvPr id="43" name="TextBox 42">
@@ -8681,8 +8681,8 @@
               </a:p>
             </p:txBody>
           </p:sp>
-          <mc:AlternateContent xmlns:mc="http://schemas.openxmlformats.org/markup-compatibility/2006">
-            <mc:Choice xmlns:a14="http://schemas.microsoft.com/office/drawing/2010/main" Requires="a14">
+          <mc:AlternateContent xmlns:mc="http://schemas.openxmlformats.org/markup-compatibility/2006" xmlns:a14="http://schemas.microsoft.com/office/drawing/2010/main">
+            <mc:Choice Requires="a14">
               <p:sp>
                 <p:nvSpPr>
                   <p:cNvPr id="46" name="TextBox 45">
@@ -8797,7 +8797,7 @@
                 </p:txBody>
               </p:sp>
             </mc:Choice>
-            <mc:Fallback>
+            <mc:Fallback xmlns="">
               <p:sp>
                 <p:nvSpPr>
                   <p:cNvPr id="46" name="TextBox 45">
@@ -8915,8 +8915,8 @@
               </a:p>
             </p:txBody>
           </p:sp>
-          <mc:AlternateContent xmlns:mc="http://schemas.openxmlformats.org/markup-compatibility/2006">
-            <mc:Choice xmlns:a14="http://schemas.microsoft.com/office/drawing/2010/main" Requires="a14">
+          <mc:AlternateContent xmlns:mc="http://schemas.openxmlformats.org/markup-compatibility/2006" xmlns:a14="http://schemas.microsoft.com/office/drawing/2010/main">
+            <mc:Choice Requires="a14">
               <p:sp>
                 <p:nvSpPr>
                   <p:cNvPr id="49" name="TextBox 48">
@@ -9031,7 +9031,7 @@
                 </p:txBody>
               </p:sp>
             </mc:Choice>
-            <mc:Fallback>
+            <mc:Fallback xmlns="">
               <p:sp>
                 <p:nvSpPr>
                   <p:cNvPr id="49" name="TextBox 48">
@@ -9149,8 +9149,8 @@
               </a:p>
             </p:txBody>
           </p:sp>
-          <mc:AlternateContent xmlns:mc="http://schemas.openxmlformats.org/markup-compatibility/2006">
-            <mc:Choice xmlns:a14="http://schemas.microsoft.com/office/drawing/2010/main" Requires="a14">
+          <mc:AlternateContent xmlns:mc="http://schemas.openxmlformats.org/markup-compatibility/2006" xmlns:a14="http://schemas.microsoft.com/office/drawing/2010/main">
+            <mc:Choice Requires="a14">
               <p:sp>
                 <p:nvSpPr>
                   <p:cNvPr id="61" name="TextBox 60">
@@ -9265,7 +9265,7 @@
                 </p:txBody>
               </p:sp>
             </mc:Choice>
-            <mc:Fallback>
+            <mc:Fallback xmlns="">
               <p:sp>
                 <p:nvSpPr>
                   <p:cNvPr id="61" name="TextBox 60">
@@ -9383,8 +9383,8 @@
               </a:p>
             </p:txBody>
           </p:sp>
-          <mc:AlternateContent xmlns:mc="http://schemas.openxmlformats.org/markup-compatibility/2006">
-            <mc:Choice xmlns:a14="http://schemas.microsoft.com/office/drawing/2010/main" Requires="a14">
+          <mc:AlternateContent xmlns:mc="http://schemas.openxmlformats.org/markup-compatibility/2006" xmlns:a14="http://schemas.microsoft.com/office/drawing/2010/main">
+            <mc:Choice Requires="a14">
               <p:sp>
                 <p:nvSpPr>
                   <p:cNvPr id="64" name="TextBox 63">
@@ -9499,7 +9499,7 @@
                 </p:txBody>
               </p:sp>
             </mc:Choice>
-            <mc:Fallback>
+            <mc:Fallback xmlns="">
               <p:sp>
                 <p:nvSpPr>
                   <p:cNvPr id="64" name="TextBox 63">
@@ -9617,8 +9617,8 @@
               </a:p>
             </p:txBody>
           </p:sp>
-          <mc:AlternateContent xmlns:mc="http://schemas.openxmlformats.org/markup-compatibility/2006">
-            <mc:Choice xmlns:a14="http://schemas.microsoft.com/office/drawing/2010/main" Requires="a14">
+          <mc:AlternateContent xmlns:mc="http://schemas.openxmlformats.org/markup-compatibility/2006" xmlns:a14="http://schemas.microsoft.com/office/drawing/2010/main">
+            <mc:Choice Requires="a14">
               <p:sp>
                 <p:nvSpPr>
                   <p:cNvPr id="67" name="TextBox 66">
@@ -9733,7 +9733,7 @@
                 </p:txBody>
               </p:sp>
             </mc:Choice>
-            <mc:Fallback>
+            <mc:Fallback xmlns="">
               <p:sp>
                 <p:nvSpPr>
                   <p:cNvPr id="67" name="TextBox 66">
@@ -13193,8 +13193,8 @@
                 </a:p>
               </p:txBody>
             </p:sp>
-            <mc:AlternateContent xmlns:mc="http://schemas.openxmlformats.org/markup-compatibility/2006">
-              <mc:Choice xmlns:a14="http://schemas.microsoft.com/office/drawing/2010/main" Requires="a14">
+            <mc:AlternateContent xmlns:mc="http://schemas.openxmlformats.org/markup-compatibility/2006" xmlns:a14="http://schemas.microsoft.com/office/drawing/2010/main">
+              <mc:Choice Requires="a14">
                 <p:sp>
                   <p:nvSpPr>
                     <p:cNvPr id="22" name="TextBox 5">
@@ -13296,7 +13296,7 @@
                   </p:txBody>
                 </p:sp>
               </mc:Choice>
-              <mc:Fallback>
+              <mc:Fallback xmlns="">
                 <p:sp>
                   <p:nvSpPr>
                     <p:cNvPr id="22" name="TextBox 5">
@@ -13342,8 +13342,8 @@
               </mc:Fallback>
             </mc:AlternateContent>
           </p:grpSp>
-          <mc:AlternateContent xmlns:mc="http://schemas.openxmlformats.org/markup-compatibility/2006">
-            <mc:Choice xmlns:a14="http://schemas.microsoft.com/office/drawing/2010/main" Requires="a14">
+          <mc:AlternateContent xmlns:mc="http://schemas.openxmlformats.org/markup-compatibility/2006" xmlns:a14="http://schemas.microsoft.com/office/drawing/2010/main">
+            <mc:Choice Requires="a14">
               <p:sp>
                 <p:nvSpPr>
                   <p:cNvPr id="20" name="TextBox 6">
@@ -13463,7 +13463,7 @@
                 </p:txBody>
               </p:sp>
             </mc:Choice>
-            <mc:Fallback>
+            <mc:Fallback xmlns="">
               <p:sp>
                 <p:nvSpPr>
                   <p:cNvPr id="20" name="TextBox 6">
@@ -13580,8 +13580,8 @@
               </a:p>
             </p:txBody>
           </p:sp>
-          <mc:AlternateContent xmlns:mc="http://schemas.openxmlformats.org/markup-compatibility/2006">
-            <mc:Choice xmlns:a14="http://schemas.microsoft.com/office/drawing/2010/main" Requires="a14">
+          <mc:AlternateContent xmlns:mc="http://schemas.openxmlformats.org/markup-compatibility/2006" xmlns:a14="http://schemas.microsoft.com/office/drawing/2010/main">
+            <mc:Choice Requires="a14">
               <p:sp>
                 <p:nvSpPr>
                   <p:cNvPr id="18" name="TextBox 10">
@@ -13683,7 +13683,7 @@
                 </p:txBody>
               </p:sp>
             </mc:Choice>
-            <mc:Fallback>
+            <mc:Fallback xmlns="">
               <p:sp>
                 <p:nvSpPr>
                   <p:cNvPr id="18" name="TextBox 10">
@@ -13800,8 +13800,8 @@
               </a:p>
             </p:txBody>
           </p:sp>
-          <mc:AlternateContent xmlns:mc="http://schemas.openxmlformats.org/markup-compatibility/2006">
-            <mc:Choice xmlns:a14="http://schemas.microsoft.com/office/drawing/2010/main" Requires="a14">
+          <mc:AlternateContent xmlns:mc="http://schemas.openxmlformats.org/markup-compatibility/2006" xmlns:a14="http://schemas.microsoft.com/office/drawing/2010/main">
+            <mc:Choice Requires="a14">
               <p:sp>
                 <p:nvSpPr>
                   <p:cNvPr id="16" name="TextBox 13">
@@ -13903,7 +13903,7 @@
                 </p:txBody>
               </p:sp>
             </mc:Choice>
-            <mc:Fallback>
+            <mc:Fallback xmlns="">
               <p:sp>
                 <p:nvSpPr>
                   <p:cNvPr id="16" name="TextBox 13">
@@ -14020,8 +14020,8 @@
               </a:p>
             </p:txBody>
           </p:sp>
-          <mc:AlternateContent xmlns:mc="http://schemas.openxmlformats.org/markup-compatibility/2006">
-            <mc:Choice xmlns:a14="http://schemas.microsoft.com/office/drawing/2010/main" Requires="a14">
+          <mc:AlternateContent xmlns:mc="http://schemas.openxmlformats.org/markup-compatibility/2006" xmlns:a14="http://schemas.microsoft.com/office/drawing/2010/main">
+            <mc:Choice Requires="a14">
               <p:sp>
                 <p:nvSpPr>
                   <p:cNvPr id="14" name="TextBox 16">
@@ -14123,7 +14123,7 @@
                 </p:txBody>
               </p:sp>
             </mc:Choice>
-            <mc:Fallback>
+            <mc:Fallback xmlns="">
               <p:sp>
                 <p:nvSpPr>
                   <p:cNvPr id="14" name="TextBox 16">
@@ -14169,8 +14169,8 @@
             </mc:Fallback>
           </mc:AlternateContent>
         </p:grpSp>
-        <mc:AlternateContent xmlns:mc="http://schemas.openxmlformats.org/markup-compatibility/2006">
-          <mc:Choice xmlns:a14="http://schemas.microsoft.com/office/drawing/2010/main" Requires="a14">
+        <mc:AlternateContent xmlns:mc="http://schemas.openxmlformats.org/markup-compatibility/2006" xmlns:a14="http://schemas.microsoft.com/office/drawing/2010/main">
+          <mc:Choice Requires="a14">
             <p:sp>
               <p:nvSpPr>
                 <p:cNvPr id="7" name="TextBox 17">
@@ -14199,6 +14199,7 @@
                 </a:bodyPr>
                 <a:lstStyle/>
                 <a:p>
+                  <a:pPr/>
                   <a14:m>
                     <m:oMathPara xmlns:m="http://schemas.openxmlformats.org/officeDocument/2006/math">
                       <m:oMathParaPr>
@@ -14315,7 +14316,7 @@
               </p:txBody>
             </p:sp>
           </mc:Choice>
-          <mc:Fallback>
+          <mc:Fallback xmlns="">
             <p:sp>
               <p:nvSpPr>
                 <p:cNvPr id="7" name="TextBox 17">
@@ -14360,8 +14361,8 @@
             </p:sp>
           </mc:Fallback>
         </mc:AlternateContent>
-        <mc:AlternateContent xmlns:mc="http://schemas.openxmlformats.org/markup-compatibility/2006">
-          <mc:Choice xmlns:a14="http://schemas.microsoft.com/office/drawing/2010/main" Requires="a14">
+        <mc:AlternateContent xmlns:mc="http://schemas.openxmlformats.org/markup-compatibility/2006" xmlns:a14="http://schemas.microsoft.com/office/drawing/2010/main">
+          <mc:Choice Requires="a14">
             <p:sp>
               <p:nvSpPr>
                 <p:cNvPr id="8" name="TextBox 18">
@@ -14390,6 +14391,7 @@
                 </a:bodyPr>
                 <a:lstStyle/>
                 <a:p>
+                  <a:pPr/>
                   <a14:m>
                     <m:oMathPara xmlns:m="http://schemas.openxmlformats.org/officeDocument/2006/math">
                       <m:oMathParaPr>
@@ -14506,7 +14508,7 @@
               </p:txBody>
             </p:sp>
           </mc:Choice>
-          <mc:Fallback>
+          <mc:Fallback xmlns="">
             <p:sp>
               <p:nvSpPr>
                 <p:cNvPr id="8" name="TextBox 18">
@@ -14551,8 +14553,8 @@
             </p:sp>
           </mc:Fallback>
         </mc:AlternateContent>
-        <mc:AlternateContent xmlns:mc="http://schemas.openxmlformats.org/markup-compatibility/2006">
-          <mc:Choice xmlns:a14="http://schemas.microsoft.com/office/drawing/2010/main" Requires="a14">
+        <mc:AlternateContent xmlns:mc="http://schemas.openxmlformats.org/markup-compatibility/2006" xmlns:a14="http://schemas.microsoft.com/office/drawing/2010/main">
+          <mc:Choice Requires="a14">
             <p:sp>
               <p:nvSpPr>
                 <p:cNvPr id="9" name="TextBox 19">
@@ -14581,6 +14583,7 @@
                 </a:bodyPr>
                 <a:lstStyle/>
                 <a:p>
+                  <a:pPr/>
                   <a14:m>
                     <m:oMathPara xmlns:m="http://schemas.openxmlformats.org/officeDocument/2006/math">
                       <m:oMathParaPr>
@@ -14697,7 +14700,7 @@
               </p:txBody>
             </p:sp>
           </mc:Choice>
-          <mc:Fallback>
+          <mc:Fallback xmlns="">
             <p:sp>
               <p:nvSpPr>
                 <p:cNvPr id="9" name="TextBox 19">
@@ -15329,8 +15332,8 @@
               </a:p>
             </p:txBody>
           </p:sp>
-          <mc:AlternateContent xmlns:mc="http://schemas.openxmlformats.org/markup-compatibility/2006">
-            <mc:Choice xmlns:a14="http://schemas.microsoft.com/office/drawing/2010/main" Requires="a14">
+          <mc:AlternateContent xmlns:mc="http://schemas.openxmlformats.org/markup-compatibility/2006" xmlns:a14="http://schemas.microsoft.com/office/drawing/2010/main">
+            <mc:Choice Requires="a14">
               <p:sp>
                 <p:nvSpPr>
                   <p:cNvPr id="65" name="TextBox 2">
@@ -15489,7 +15492,7 @@
                 </p:txBody>
               </p:sp>
             </mc:Choice>
-            <mc:Fallback>
+            <mc:Fallback xmlns="">
               <p:sp>
                 <p:nvSpPr>
                   <p:cNvPr id="65" name="TextBox 2">
@@ -15606,8 +15609,8 @@
               </a:p>
             </p:txBody>
           </p:sp>
-          <mc:AlternateContent xmlns:mc="http://schemas.openxmlformats.org/markup-compatibility/2006">
-            <mc:Choice xmlns:a14="http://schemas.microsoft.com/office/drawing/2010/main" Requires="a14">
+          <mc:AlternateContent xmlns:mc="http://schemas.openxmlformats.org/markup-compatibility/2006" xmlns:a14="http://schemas.microsoft.com/office/drawing/2010/main">
+            <mc:Choice Requires="a14">
               <p:sp>
                 <p:nvSpPr>
                   <p:cNvPr id="63" name="TextBox 24">
@@ -15766,7 +15769,7 @@
                 </p:txBody>
               </p:sp>
             </mc:Choice>
-            <mc:Fallback>
+            <mc:Fallback xmlns="">
               <p:sp>
                 <p:nvSpPr>
                   <p:cNvPr id="63" name="TextBox 24">
@@ -15883,8 +15886,8 @@
               </a:p>
             </p:txBody>
           </p:sp>
-          <mc:AlternateContent xmlns:mc="http://schemas.openxmlformats.org/markup-compatibility/2006">
-            <mc:Choice xmlns:a14="http://schemas.microsoft.com/office/drawing/2010/main" Requires="a14">
+          <mc:AlternateContent xmlns:mc="http://schemas.openxmlformats.org/markup-compatibility/2006" xmlns:a14="http://schemas.microsoft.com/office/drawing/2010/main">
+            <mc:Choice Requires="a14">
               <p:sp>
                 <p:nvSpPr>
                   <p:cNvPr id="61" name="TextBox 27">
@@ -16043,7 +16046,7 @@
                 </p:txBody>
               </p:sp>
             </mc:Choice>
-            <mc:Fallback>
+            <mc:Fallback xmlns="">
               <p:sp>
                 <p:nvSpPr>
                   <p:cNvPr id="61" name="TextBox 27">
@@ -16160,8 +16163,8 @@
               </a:p>
             </p:txBody>
           </p:sp>
-          <mc:AlternateContent xmlns:mc="http://schemas.openxmlformats.org/markup-compatibility/2006">
-            <mc:Choice xmlns:a14="http://schemas.microsoft.com/office/drawing/2010/main" Requires="a14">
+          <mc:AlternateContent xmlns:mc="http://schemas.openxmlformats.org/markup-compatibility/2006" xmlns:a14="http://schemas.microsoft.com/office/drawing/2010/main">
+            <mc:Choice Requires="a14">
               <p:sp>
                 <p:nvSpPr>
                   <p:cNvPr id="59" name="TextBox 30">
@@ -16320,7 +16323,7 @@
                 </p:txBody>
               </p:sp>
             </mc:Choice>
-            <mc:Fallback>
+            <mc:Fallback xmlns="">
               <p:sp>
                 <p:nvSpPr>
                   <p:cNvPr id="59" name="TextBox 30">
@@ -16437,8 +16440,8 @@
               </a:p>
             </p:txBody>
           </p:sp>
-          <mc:AlternateContent xmlns:mc="http://schemas.openxmlformats.org/markup-compatibility/2006">
-            <mc:Choice xmlns:a14="http://schemas.microsoft.com/office/drawing/2010/main" Requires="a14">
+          <mc:AlternateContent xmlns:mc="http://schemas.openxmlformats.org/markup-compatibility/2006" xmlns:a14="http://schemas.microsoft.com/office/drawing/2010/main">
+            <mc:Choice Requires="a14">
               <p:sp>
                 <p:nvSpPr>
                   <p:cNvPr id="57" name="TextBox 33">
@@ -16597,7 +16600,7 @@
                 </p:txBody>
               </p:sp>
             </mc:Choice>
-            <mc:Fallback>
+            <mc:Fallback xmlns="">
               <p:sp>
                 <p:nvSpPr>
                   <p:cNvPr id="57" name="TextBox 33">
@@ -16714,8 +16717,8 @@
               </a:p>
             </p:txBody>
           </p:sp>
-          <mc:AlternateContent xmlns:mc="http://schemas.openxmlformats.org/markup-compatibility/2006">
-            <mc:Choice xmlns:a14="http://schemas.microsoft.com/office/drawing/2010/main" Requires="a14">
+          <mc:AlternateContent xmlns:mc="http://schemas.openxmlformats.org/markup-compatibility/2006" xmlns:a14="http://schemas.microsoft.com/office/drawing/2010/main">
+            <mc:Choice Requires="a14">
               <p:sp>
                 <p:nvSpPr>
                   <p:cNvPr id="55" name="TextBox 36">
@@ -16874,7 +16877,7 @@
                 </p:txBody>
               </p:sp>
             </mc:Choice>
-            <mc:Fallback>
+            <mc:Fallback xmlns="">
               <p:sp>
                 <p:nvSpPr>
                   <p:cNvPr id="55" name="TextBox 36">
@@ -16991,8 +16994,8 @@
               </a:p>
             </p:txBody>
           </p:sp>
-          <mc:AlternateContent xmlns:mc="http://schemas.openxmlformats.org/markup-compatibility/2006">
-            <mc:Choice xmlns:a14="http://schemas.microsoft.com/office/drawing/2010/main" Requires="a14">
+          <mc:AlternateContent xmlns:mc="http://schemas.openxmlformats.org/markup-compatibility/2006" xmlns:a14="http://schemas.microsoft.com/office/drawing/2010/main">
+            <mc:Choice Requires="a14">
               <p:sp>
                 <p:nvSpPr>
                   <p:cNvPr id="53" name="TextBox 39">
@@ -17151,7 +17154,7 @@
                 </p:txBody>
               </p:sp>
             </mc:Choice>
-            <mc:Fallback>
+            <mc:Fallback xmlns="">
               <p:sp>
                 <p:nvSpPr>
                   <p:cNvPr id="53" name="TextBox 39">
@@ -17268,8 +17271,8 @@
               </a:p>
             </p:txBody>
           </p:sp>
-          <mc:AlternateContent xmlns:mc="http://schemas.openxmlformats.org/markup-compatibility/2006">
-            <mc:Choice xmlns:a14="http://schemas.microsoft.com/office/drawing/2010/main" Requires="a14">
+          <mc:AlternateContent xmlns:mc="http://schemas.openxmlformats.org/markup-compatibility/2006" xmlns:a14="http://schemas.microsoft.com/office/drawing/2010/main">
+            <mc:Choice Requires="a14">
               <p:sp>
                 <p:nvSpPr>
                   <p:cNvPr id="51" name="TextBox 42">
@@ -17428,7 +17431,7 @@
                 </p:txBody>
               </p:sp>
             </mc:Choice>
-            <mc:Fallback>
+            <mc:Fallback xmlns="">
               <p:sp>
                 <p:nvSpPr>
                   <p:cNvPr id="51" name="TextBox 42">
@@ -17545,8 +17548,8 @@
               </a:p>
             </p:txBody>
           </p:sp>
-          <mc:AlternateContent xmlns:mc="http://schemas.openxmlformats.org/markup-compatibility/2006">
-            <mc:Choice xmlns:a14="http://schemas.microsoft.com/office/drawing/2010/main" Requires="a14">
+          <mc:AlternateContent xmlns:mc="http://schemas.openxmlformats.org/markup-compatibility/2006" xmlns:a14="http://schemas.microsoft.com/office/drawing/2010/main">
+            <mc:Choice Requires="a14">
               <p:sp>
                 <p:nvSpPr>
                   <p:cNvPr id="49" name="TextBox 45">
@@ -17705,7 +17708,7 @@
                 </p:txBody>
               </p:sp>
             </mc:Choice>
-            <mc:Fallback>
+            <mc:Fallback xmlns="">
               <p:sp>
                 <p:nvSpPr>
                   <p:cNvPr id="49" name="TextBox 45">
@@ -17822,8 +17825,8 @@
               </a:p>
             </p:txBody>
           </p:sp>
-          <mc:AlternateContent xmlns:mc="http://schemas.openxmlformats.org/markup-compatibility/2006">
-            <mc:Choice xmlns:a14="http://schemas.microsoft.com/office/drawing/2010/main" Requires="a14">
+          <mc:AlternateContent xmlns:mc="http://schemas.openxmlformats.org/markup-compatibility/2006" xmlns:a14="http://schemas.microsoft.com/office/drawing/2010/main">
+            <mc:Choice Requires="a14">
               <p:sp>
                 <p:nvSpPr>
                   <p:cNvPr id="47" name="TextBox 48">
@@ -17982,7 +17985,7 @@
                 </p:txBody>
               </p:sp>
             </mc:Choice>
-            <mc:Fallback>
+            <mc:Fallback xmlns="">
               <p:sp>
                 <p:nvSpPr>
                   <p:cNvPr id="47" name="TextBox 48">
@@ -18099,8 +18102,8 @@
               </a:p>
             </p:txBody>
           </p:sp>
-          <mc:AlternateContent xmlns:mc="http://schemas.openxmlformats.org/markup-compatibility/2006">
-            <mc:Choice xmlns:a14="http://schemas.microsoft.com/office/drawing/2010/main" Requires="a14">
+          <mc:AlternateContent xmlns:mc="http://schemas.openxmlformats.org/markup-compatibility/2006" xmlns:a14="http://schemas.microsoft.com/office/drawing/2010/main">
+            <mc:Choice Requires="a14">
               <p:sp>
                 <p:nvSpPr>
                   <p:cNvPr id="45" name="TextBox 60">
@@ -18259,7 +18262,7 @@
                 </p:txBody>
               </p:sp>
             </mc:Choice>
-            <mc:Fallback>
+            <mc:Fallback xmlns="">
               <p:sp>
                 <p:nvSpPr>
                   <p:cNvPr id="45" name="TextBox 60">
@@ -18376,8 +18379,8 @@
               </a:p>
             </p:txBody>
           </p:sp>
-          <mc:AlternateContent xmlns:mc="http://schemas.openxmlformats.org/markup-compatibility/2006">
-            <mc:Choice xmlns:a14="http://schemas.microsoft.com/office/drawing/2010/main" Requires="a14">
+          <mc:AlternateContent xmlns:mc="http://schemas.openxmlformats.org/markup-compatibility/2006" xmlns:a14="http://schemas.microsoft.com/office/drawing/2010/main">
+            <mc:Choice Requires="a14">
               <p:sp>
                 <p:nvSpPr>
                   <p:cNvPr id="43" name="TextBox 63">
@@ -18536,7 +18539,7 @@
                 </p:txBody>
               </p:sp>
             </mc:Choice>
-            <mc:Fallback>
+            <mc:Fallback xmlns="">
               <p:sp>
                 <p:nvSpPr>
                   <p:cNvPr id="43" name="TextBox 63">
@@ -18653,8 +18656,8 @@
               </a:p>
             </p:txBody>
           </p:sp>
-          <mc:AlternateContent xmlns:mc="http://schemas.openxmlformats.org/markup-compatibility/2006">
-            <mc:Choice xmlns:a14="http://schemas.microsoft.com/office/drawing/2010/main" Requires="a14">
+          <mc:AlternateContent xmlns:mc="http://schemas.openxmlformats.org/markup-compatibility/2006" xmlns:a14="http://schemas.microsoft.com/office/drawing/2010/main">
+            <mc:Choice Requires="a14">
               <p:sp>
                 <p:nvSpPr>
                   <p:cNvPr id="41" name="TextBox 66">
@@ -18813,7 +18816,7 @@
                 </p:txBody>
               </p:sp>
             </mc:Choice>
-            <mc:Fallback>
+            <mc:Fallback xmlns="">
               <p:sp>
                 <p:nvSpPr>
                   <p:cNvPr id="41" name="TextBox 66">
@@ -20766,8 +20769,8 @@
             </a:p>
           </p:txBody>
         </p:sp>
-        <mc:AlternateContent xmlns:mc="http://schemas.openxmlformats.org/markup-compatibility/2006">
-          <mc:Choice xmlns:a14="http://schemas.microsoft.com/office/drawing/2010/main" Requires="a14">
+        <mc:AlternateContent xmlns:mc="http://schemas.openxmlformats.org/markup-compatibility/2006" xmlns:a14="http://schemas.microsoft.com/office/drawing/2010/main">
+          <mc:Choice Requires="a14">
             <p:sp>
               <p:nvSpPr>
                 <p:cNvPr id="5" name="TextBox 4">
@@ -20796,6 +20799,7 @@
                 </a:bodyPr>
                 <a:lstStyle/>
                 <a:p>
+                  <a:pPr/>
                   <a14:m>
                     <m:oMathPara xmlns:m="http://schemas.openxmlformats.org/officeDocument/2006/math">
                       <m:oMathParaPr>
@@ -20835,7 +20839,7 @@
               </p:txBody>
             </p:sp>
           </mc:Choice>
-          <mc:Fallback>
+          <mc:Fallback xmlns="">
             <p:sp>
               <p:nvSpPr>
                 <p:cNvPr id="5" name="TextBox 4">
@@ -20927,8 +20931,8 @@
             </a:p>
           </p:txBody>
         </p:sp>
-        <mc:AlternateContent xmlns:mc="http://schemas.openxmlformats.org/markup-compatibility/2006">
-          <mc:Choice xmlns:a14="http://schemas.microsoft.com/office/drawing/2010/main" Requires="a14">
+        <mc:AlternateContent xmlns:mc="http://schemas.openxmlformats.org/markup-compatibility/2006" xmlns:a14="http://schemas.microsoft.com/office/drawing/2010/main">
+          <mc:Choice Requires="a14">
             <p:sp>
               <p:nvSpPr>
                 <p:cNvPr id="7" name="TextBox 6">
@@ -20957,6 +20961,7 @@
                 </a:bodyPr>
                 <a:lstStyle/>
                 <a:p>
+                  <a:pPr/>
                   <a14:m>
                     <m:oMathPara xmlns:m="http://schemas.openxmlformats.org/officeDocument/2006/math">
                       <m:oMathParaPr>
@@ -20996,7 +21001,7 @@
               </p:txBody>
             </p:sp>
           </mc:Choice>
-          <mc:Fallback>
+          <mc:Fallback xmlns="">
             <p:sp>
               <p:nvSpPr>
                 <p:cNvPr id="7" name="TextBox 6">
@@ -21088,8 +21093,8 @@
             </a:p>
           </p:txBody>
         </p:sp>
-        <mc:AlternateContent xmlns:mc="http://schemas.openxmlformats.org/markup-compatibility/2006">
-          <mc:Choice xmlns:a14="http://schemas.microsoft.com/office/drawing/2010/main" Requires="a14">
+        <mc:AlternateContent xmlns:mc="http://schemas.openxmlformats.org/markup-compatibility/2006" xmlns:a14="http://schemas.microsoft.com/office/drawing/2010/main">
+          <mc:Choice Requires="a14">
             <p:sp>
               <p:nvSpPr>
                 <p:cNvPr id="9" name="TextBox 8">
@@ -21118,6 +21123,7 @@
                 </a:bodyPr>
                 <a:lstStyle/>
                 <a:p>
+                  <a:pPr/>
                   <a14:m>
                     <m:oMathPara xmlns:m="http://schemas.openxmlformats.org/officeDocument/2006/math">
                       <m:oMathParaPr>
@@ -21157,7 +21163,7 @@
               </p:txBody>
             </p:sp>
           </mc:Choice>
-          <mc:Fallback>
+          <mc:Fallback xmlns="">
             <p:sp>
               <p:nvSpPr>
                 <p:cNvPr id="9" name="TextBox 8">
@@ -21249,8 +21255,8 @@
             </a:p>
           </p:txBody>
         </p:sp>
-        <mc:AlternateContent xmlns:mc="http://schemas.openxmlformats.org/markup-compatibility/2006">
-          <mc:Choice xmlns:a14="http://schemas.microsoft.com/office/drawing/2010/main" Requires="a14">
+        <mc:AlternateContent xmlns:mc="http://schemas.openxmlformats.org/markup-compatibility/2006" xmlns:a14="http://schemas.microsoft.com/office/drawing/2010/main">
+          <mc:Choice Requires="a14">
             <p:sp>
               <p:nvSpPr>
                 <p:cNvPr id="11" name="TextBox 10">
@@ -21279,6 +21285,7 @@
                 </a:bodyPr>
                 <a:lstStyle/>
                 <a:p>
+                  <a:pPr/>
                   <a14:m>
                     <m:oMathPara xmlns:m="http://schemas.openxmlformats.org/officeDocument/2006/math">
                       <m:oMathParaPr>
@@ -21318,7 +21325,7 @@
               </p:txBody>
             </p:sp>
           </mc:Choice>
-          <mc:Fallback>
+          <mc:Fallback xmlns="">
             <p:sp>
               <p:nvSpPr>
                 <p:cNvPr id="11" name="TextBox 10">
@@ -21557,8 +21564,8 @@
             </a:p>
           </p:txBody>
         </p:sp>
-        <mc:AlternateContent xmlns:mc="http://schemas.openxmlformats.org/markup-compatibility/2006">
-          <mc:Choice xmlns:a14="http://schemas.microsoft.com/office/drawing/2010/main" Requires="a14">
+        <mc:AlternateContent xmlns:mc="http://schemas.openxmlformats.org/markup-compatibility/2006" xmlns:a14="http://schemas.microsoft.com/office/drawing/2010/main">
+          <mc:Choice Requires="a14">
             <p:sp>
               <p:nvSpPr>
                 <p:cNvPr id="21" name="TextBox 20">
@@ -21587,6 +21594,7 @@
                 </a:bodyPr>
                 <a:lstStyle/>
                 <a:p>
+                  <a:pPr/>
                   <a14:m>
                     <m:oMathPara xmlns:m="http://schemas.openxmlformats.org/officeDocument/2006/math">
                       <m:oMathParaPr>
@@ -21626,7 +21634,7 @@
               </p:txBody>
             </p:sp>
           </mc:Choice>
-          <mc:Fallback>
+          <mc:Fallback xmlns="">
             <p:sp>
               <p:nvSpPr>
                 <p:cNvPr id="21" name="TextBox 20">
@@ -21718,8 +21726,8 @@
             </a:p>
           </p:txBody>
         </p:sp>
-        <mc:AlternateContent xmlns:mc="http://schemas.openxmlformats.org/markup-compatibility/2006">
-          <mc:Choice xmlns:a14="http://schemas.microsoft.com/office/drawing/2010/main" Requires="a14">
+        <mc:AlternateContent xmlns:mc="http://schemas.openxmlformats.org/markup-compatibility/2006" xmlns:a14="http://schemas.microsoft.com/office/drawing/2010/main">
+          <mc:Choice Requires="a14">
             <p:sp>
               <p:nvSpPr>
                 <p:cNvPr id="23" name="TextBox 22">
@@ -21748,6 +21756,7 @@
                 </a:bodyPr>
                 <a:lstStyle/>
                 <a:p>
+                  <a:pPr/>
                   <a14:m>
                     <m:oMathPara xmlns:m="http://schemas.openxmlformats.org/officeDocument/2006/math">
                       <m:oMathParaPr>
@@ -21787,7 +21796,7 @@
               </p:txBody>
             </p:sp>
           </mc:Choice>
-          <mc:Fallback>
+          <mc:Fallback xmlns="">
             <p:sp>
               <p:nvSpPr>
                 <p:cNvPr id="23" name="TextBox 22">
@@ -21879,8 +21888,8 @@
             </a:p>
           </p:txBody>
         </p:sp>
-        <mc:AlternateContent xmlns:mc="http://schemas.openxmlformats.org/markup-compatibility/2006">
-          <mc:Choice xmlns:a14="http://schemas.microsoft.com/office/drawing/2010/main" Requires="a14">
+        <mc:AlternateContent xmlns:mc="http://schemas.openxmlformats.org/markup-compatibility/2006" xmlns:a14="http://schemas.microsoft.com/office/drawing/2010/main">
+          <mc:Choice Requires="a14">
             <p:sp>
               <p:nvSpPr>
                 <p:cNvPr id="25" name="TextBox 24">
@@ -21909,6 +21918,7 @@
                 </a:bodyPr>
                 <a:lstStyle/>
                 <a:p>
+                  <a:pPr/>
                   <a14:m>
                     <m:oMathPara xmlns:m="http://schemas.openxmlformats.org/officeDocument/2006/math">
                       <m:oMathParaPr>
@@ -21948,7 +21958,7 @@
               </p:txBody>
             </p:sp>
           </mc:Choice>
-          <mc:Fallback>
+          <mc:Fallback xmlns="">
             <p:sp>
               <p:nvSpPr>
                 <p:cNvPr id="25" name="TextBox 24">
@@ -22040,8 +22050,8 @@
             </a:p>
           </p:txBody>
         </p:sp>
-        <mc:AlternateContent xmlns:mc="http://schemas.openxmlformats.org/markup-compatibility/2006">
-          <mc:Choice xmlns:a14="http://schemas.microsoft.com/office/drawing/2010/main" Requires="a14">
+        <mc:AlternateContent xmlns:mc="http://schemas.openxmlformats.org/markup-compatibility/2006" xmlns:a14="http://schemas.microsoft.com/office/drawing/2010/main">
+          <mc:Choice Requires="a14">
             <p:sp>
               <p:nvSpPr>
                 <p:cNvPr id="27" name="TextBox 26">
@@ -22070,6 +22080,7 @@
                 </a:bodyPr>
                 <a:lstStyle/>
                 <a:p>
+                  <a:pPr/>
                   <a14:m>
                     <m:oMathPara xmlns:m="http://schemas.openxmlformats.org/officeDocument/2006/math">
                       <m:oMathParaPr>
@@ -22109,7 +22120,7 @@
               </p:txBody>
             </p:sp>
           </mc:Choice>
-          <mc:Fallback>
+          <mc:Fallback xmlns="">
             <p:sp>
               <p:nvSpPr>
                 <p:cNvPr id="27" name="TextBox 26">
@@ -22277,6 +22288,2504 @@
             </a:fontRef>
           </p:style>
         </p:cxnSp>
+      </p:grpSp>
+      <p:grpSp>
+        <p:nvGrpSpPr>
+          <p:cNvPr id="69" name="Group 68">
+            <a:extLst>
+              <a:ext uri="{FF2B5EF4-FFF2-40B4-BE49-F238E27FC236}">
+                <a16:creationId xmlns:a16="http://schemas.microsoft.com/office/drawing/2014/main" id="{3C402864-7BCE-10F8-FB16-9A282790F9B7}"/>
+              </a:ext>
+            </a:extLst>
+          </p:cNvPr>
+          <p:cNvGrpSpPr/>
+          <p:nvPr/>
+        </p:nvGrpSpPr>
+        <p:grpSpPr>
+          <a:xfrm>
+            <a:off x="6609440" y="828148"/>
+            <a:ext cx="2037135" cy="2803948"/>
+            <a:chOff x="6609440" y="828148"/>
+            <a:chExt cx="2037135" cy="2803948"/>
+          </a:xfrm>
+        </p:grpSpPr>
+        <p:grpSp>
+          <p:nvGrpSpPr>
+            <p:cNvPr id="59" name="Group 58">
+              <a:extLst>
+                <a:ext uri="{FF2B5EF4-FFF2-40B4-BE49-F238E27FC236}">
+                  <a16:creationId xmlns:a16="http://schemas.microsoft.com/office/drawing/2014/main" id="{F6D92689-1DA3-1AFA-F866-C2F4B748BEBD}"/>
+                </a:ext>
+              </a:extLst>
+            </p:cNvPr>
+            <p:cNvGrpSpPr/>
+            <p:nvPr/>
+          </p:nvGrpSpPr>
+          <p:grpSpPr>
+            <a:xfrm>
+              <a:off x="6609440" y="828148"/>
+              <a:ext cx="1953581" cy="2796540"/>
+              <a:chOff x="6609440" y="828148"/>
+              <a:chExt cx="1953581" cy="2796540"/>
+            </a:xfrm>
+          </p:grpSpPr>
+          <p:sp>
+            <p:nvSpPr>
+              <p:cNvPr id="2" name="Oval 1">
+                <a:extLst>
+                  <a:ext uri="{FF2B5EF4-FFF2-40B4-BE49-F238E27FC236}">
+                    <a16:creationId xmlns:a16="http://schemas.microsoft.com/office/drawing/2014/main" id="{E59BB9AD-DE13-FAA7-7763-060489006DB5}"/>
+                  </a:ext>
+                </a:extLst>
+              </p:cNvPr>
+              <p:cNvSpPr/>
+              <p:nvPr/>
+            </p:nvSpPr>
+            <p:spPr>
+              <a:xfrm>
+                <a:off x="7356200" y="1014172"/>
+                <a:ext cx="395287" cy="390525"/>
+              </a:xfrm>
+              <a:prstGeom prst="ellipse">
+                <a:avLst/>
+              </a:prstGeom>
+              <a:noFill/>
+            </p:spPr>
+            <p:style>
+              <a:lnRef idx="2">
+                <a:schemeClr val="accent1">
+                  <a:shade val="50000"/>
+                </a:schemeClr>
+              </a:lnRef>
+              <a:fillRef idx="1">
+                <a:schemeClr val="accent1"/>
+              </a:fillRef>
+              <a:effectRef idx="0">
+                <a:schemeClr val="accent1"/>
+              </a:effectRef>
+              <a:fontRef idx="minor">
+                <a:schemeClr val="lt1"/>
+              </a:fontRef>
+            </p:style>
+            <p:txBody>
+              <a:bodyPr rtlCol="0" anchor="ctr"/>
+              <a:lstStyle/>
+              <a:p>
+                <a:pPr algn="ctr"/>
+                <a:endParaRPr lang="en-US"/>
+              </a:p>
+            </p:txBody>
+          </p:sp>
+          <mc:AlternateContent xmlns:mc="http://schemas.openxmlformats.org/markup-compatibility/2006">
+            <mc:Choice xmlns:a14="http://schemas.microsoft.com/office/drawing/2010/main" Requires="a14">
+              <p:sp>
+                <p:nvSpPr>
+                  <p:cNvPr id="3" name="TextBox 2">
+                    <a:extLst>
+                      <a:ext uri="{FF2B5EF4-FFF2-40B4-BE49-F238E27FC236}">
+                        <a16:creationId xmlns:a16="http://schemas.microsoft.com/office/drawing/2014/main" id="{B79D9FA0-3974-42F2-7D6B-4B1AE9AC1657}"/>
+                      </a:ext>
+                    </a:extLst>
+                  </p:cNvPr>
+                  <p:cNvSpPr txBox="1"/>
+                  <p:nvPr/>
+                </p:nvSpPr>
+                <p:spPr>
+                  <a:xfrm>
+                    <a:off x="7356200" y="1021853"/>
+                    <a:ext cx="397032" cy="338554"/>
+                  </a:xfrm>
+                  <a:prstGeom prst="rect">
+                    <a:avLst/>
+                  </a:prstGeom>
+                  <a:noFill/>
+                </p:spPr>
+                <p:txBody>
+                  <a:bodyPr wrap="none" rtlCol="0">
+                    <a:spAutoFit/>
+                  </a:bodyPr>
+                  <a:lstStyle/>
+                  <a:p>
+                    <a:pPr/>
+                    <a14:m>
+                      <m:oMathPara xmlns:m="http://schemas.openxmlformats.org/officeDocument/2006/math">
+                        <m:oMathParaPr>
+                          <m:jc m:val="centerGroup"/>
+                        </m:oMathParaPr>
+                        <m:oMath xmlns:m="http://schemas.openxmlformats.org/officeDocument/2006/math">
+                          <m:r>
+                            <a:rPr lang="en-US" sz="800" i="1" dirty="0" smtClean="0">
+                              <a:latin typeface="Cambria Math" panose="02040503050406030204" pitchFamily="18" charset="0"/>
+                            </a:rPr>
+                            <m:t>1</m:t>
+                          </m:r>
+                        </m:oMath>
+                      </m:oMathPara>
+                    </a14:m>
+                    <a:endParaRPr lang="en-US" sz="800" dirty="0"/>
+                  </a:p>
+                  <a:p>
+                    <a:pPr/>
+                    <a14:m>
+                      <m:oMath xmlns:m="http://schemas.openxmlformats.org/officeDocument/2006/math">
+                        <m:r>
+                          <a:rPr lang="en-US" sz="800" i="1" dirty="0" smtClean="0">
+                            <a:latin typeface="Cambria Math" panose="02040503050406030204" pitchFamily="18" charset="0"/>
+                          </a:rPr>
+                          <m:t>𝑆</m:t>
+                        </m:r>
+                      </m:oMath>
+                    </a14:m>
+                    <a:r>
+                      <a:rPr lang="en-US" sz="800" dirty="0"/>
+                      <a:t>,</a:t>
+                    </a:r>
+                    <a14:m>
+                      <m:oMath xmlns:m="http://schemas.openxmlformats.org/officeDocument/2006/math">
+                        <m:r>
+                          <a:rPr lang="en-US" sz="800" i="1" dirty="0" smtClean="0">
+                            <a:latin typeface="Cambria Math" panose="02040503050406030204" pitchFamily="18" charset="0"/>
+                            <a:ea typeface="Cambria Math" panose="02040503050406030204" pitchFamily="18" charset="0"/>
+                          </a:rPr>
+                          <m:t>¬</m:t>
+                        </m:r>
+                        <m:r>
+                          <a:rPr lang="en-US" sz="800" b="0" i="1" dirty="0" smtClean="0">
+                            <a:latin typeface="Cambria Math" panose="02040503050406030204" pitchFamily="18" charset="0"/>
+                            <a:ea typeface="Cambria Math" panose="02040503050406030204" pitchFamily="18" charset="0"/>
+                          </a:rPr>
+                          <m:t>𝐽</m:t>
+                        </m:r>
+                      </m:oMath>
+                    </a14:m>
+                    <a:endParaRPr lang="en-US" sz="800" dirty="0"/>
+                  </a:p>
+                </p:txBody>
+              </p:sp>
+            </mc:Choice>
+            <mc:Fallback>
+              <p:sp>
+                <p:nvSpPr>
+                  <p:cNvPr id="3" name="TextBox 2">
+                    <a:extLst>
+                      <a:ext uri="{FF2B5EF4-FFF2-40B4-BE49-F238E27FC236}">
+                        <a16:creationId xmlns:a16="http://schemas.microsoft.com/office/drawing/2014/main" id="{B79D9FA0-3974-42F2-7D6B-4B1AE9AC1657}"/>
+                      </a:ext>
+                    </a:extLst>
+                  </p:cNvPr>
+                  <p:cNvSpPr txBox="1">
+                    <a:spLocks noRot="1" noChangeAspect="1" noMove="1" noResize="1" noEditPoints="1" noAdjustHandles="1" noChangeArrowheads="1" noChangeShapeType="1" noTextEdit="1"/>
+                  </p:cNvSpPr>
+                  <p:nvPr/>
+                </p:nvSpPr>
+                <p:spPr>
+                  <a:xfrm>
+                    <a:off x="7356200" y="1021853"/>
+                    <a:ext cx="397032" cy="338554"/>
+                  </a:xfrm>
+                  <a:prstGeom prst="rect">
+                    <a:avLst/>
+                  </a:prstGeom>
+                  <a:blipFill>
+                    <a:blip r:embed="rId10"/>
+                    <a:stretch>
+                      <a:fillRect b="-3571"/>
+                    </a:stretch>
+                  </a:blipFill>
+                </p:spPr>
+                <p:txBody>
+                  <a:bodyPr/>
+                  <a:lstStyle/>
+                  <a:p>
+                    <a:r>
+                      <a:rPr lang="en-US">
+                        <a:noFill/>
+                      </a:rPr>
+                      <a:t> </a:t>
+                    </a:r>
+                  </a:p>
+                </p:txBody>
+              </p:sp>
+            </mc:Fallback>
+          </mc:AlternateContent>
+          <p:sp>
+            <p:nvSpPr>
+              <p:cNvPr id="12" name="Oval 11">
+                <a:extLst>
+                  <a:ext uri="{FF2B5EF4-FFF2-40B4-BE49-F238E27FC236}">
+                    <a16:creationId xmlns:a16="http://schemas.microsoft.com/office/drawing/2014/main" id="{C9C3B1AA-4A4E-46AA-C1EF-34315C2BD09F}"/>
+                  </a:ext>
+                </a:extLst>
+              </p:cNvPr>
+              <p:cNvSpPr/>
+              <p:nvPr/>
+            </p:nvSpPr>
+            <p:spPr>
+              <a:xfrm>
+                <a:off x="6740250" y="1726675"/>
+                <a:ext cx="395287" cy="390525"/>
+              </a:xfrm>
+              <a:prstGeom prst="ellipse">
+                <a:avLst/>
+              </a:prstGeom>
+              <a:noFill/>
+            </p:spPr>
+            <p:style>
+              <a:lnRef idx="2">
+                <a:schemeClr val="accent1">
+                  <a:shade val="50000"/>
+                </a:schemeClr>
+              </a:lnRef>
+              <a:fillRef idx="1">
+                <a:schemeClr val="accent1"/>
+              </a:fillRef>
+              <a:effectRef idx="0">
+                <a:schemeClr val="accent1"/>
+              </a:effectRef>
+              <a:fontRef idx="minor">
+                <a:schemeClr val="lt1"/>
+              </a:fontRef>
+            </p:style>
+            <p:txBody>
+              <a:bodyPr rtlCol="0" anchor="ctr"/>
+              <a:lstStyle/>
+              <a:p>
+                <a:pPr algn="ctr"/>
+                <a:endParaRPr lang="en-US"/>
+              </a:p>
+            </p:txBody>
+          </p:sp>
+          <mc:AlternateContent xmlns:mc="http://schemas.openxmlformats.org/markup-compatibility/2006">
+            <mc:Choice xmlns:a14="http://schemas.microsoft.com/office/drawing/2010/main" Requires="a14">
+              <p:sp>
+                <p:nvSpPr>
+                  <p:cNvPr id="14" name="TextBox 13">
+                    <a:extLst>
+                      <a:ext uri="{FF2B5EF4-FFF2-40B4-BE49-F238E27FC236}">
+                        <a16:creationId xmlns:a16="http://schemas.microsoft.com/office/drawing/2014/main" id="{D299BC61-642C-C488-CEF8-139C530BFFE2}"/>
+                      </a:ext>
+                    </a:extLst>
+                  </p:cNvPr>
+                  <p:cNvSpPr txBox="1"/>
+                  <p:nvPr/>
+                </p:nvSpPr>
+                <p:spPr>
+                  <a:xfrm>
+                    <a:off x="6740250" y="1736645"/>
+                    <a:ext cx="362421" cy="338554"/>
+                  </a:xfrm>
+                  <a:prstGeom prst="rect">
+                    <a:avLst/>
+                  </a:prstGeom>
+                  <a:noFill/>
+                </p:spPr>
+                <p:txBody>
+                  <a:bodyPr wrap="square" rtlCol="0">
+                    <a:spAutoFit/>
+                  </a:bodyPr>
+                  <a:lstStyle/>
+                  <a:p>
+                    <a:pPr/>
+                    <a14:m>
+                      <m:oMath xmlns:m="http://schemas.openxmlformats.org/officeDocument/2006/math">
+                        <m:r>
+                          <a:rPr lang="en-US" sz="800" b="0" i="1" smtClean="0">
+                            <a:latin typeface="Cambria Math" panose="02040503050406030204" pitchFamily="18" charset="0"/>
+                          </a:rPr>
+                          <m:t>   2</m:t>
+                        </m:r>
+                      </m:oMath>
+                    </a14:m>
+                    <a:r>
+                      <a:rPr lang="en-US" sz="800" dirty="0"/>
+                      <a:t> </a:t>
+                    </a:r>
+                  </a:p>
+                  <a:p>
+                    <a:pPr/>
+                    <a14:m>
+                      <m:oMathPara xmlns:m="http://schemas.openxmlformats.org/officeDocument/2006/math">
+                        <m:oMathParaPr>
+                          <m:jc m:val="centerGroup"/>
+                        </m:oMathParaPr>
+                        <m:oMath xmlns:m="http://schemas.openxmlformats.org/officeDocument/2006/math">
+                          <m:r>
+                            <a:rPr lang="en-US" sz="800" b="0" i="1" smtClean="0">
+                              <a:latin typeface="Cambria Math" panose="02040503050406030204" pitchFamily="18" charset="0"/>
+                            </a:rPr>
+                            <m:t>𝐽</m:t>
+                          </m:r>
+                          <m:r>
+                            <a:rPr lang="en-US" sz="800" b="0" i="1" smtClean="0">
+                              <a:latin typeface="Cambria Math" panose="02040503050406030204" pitchFamily="18" charset="0"/>
+                            </a:rPr>
+                            <m:t>, ¬</m:t>
+                          </m:r>
+                          <m:r>
+                            <a:rPr lang="en-US" sz="800" b="0" i="1" smtClean="0">
+                              <a:latin typeface="Cambria Math" panose="02040503050406030204" pitchFamily="18" charset="0"/>
+                              <a:ea typeface="Cambria Math" panose="02040503050406030204" pitchFamily="18" charset="0"/>
+                            </a:rPr>
+                            <m:t>𝑁</m:t>
+                          </m:r>
+                        </m:oMath>
+                      </m:oMathPara>
+                    </a14:m>
+                    <a:endParaRPr lang="en-US" sz="800" dirty="0"/>
+                  </a:p>
+                </p:txBody>
+              </p:sp>
+            </mc:Choice>
+            <mc:Fallback>
+              <p:sp>
+                <p:nvSpPr>
+                  <p:cNvPr id="14" name="TextBox 13">
+                    <a:extLst>
+                      <a:ext uri="{FF2B5EF4-FFF2-40B4-BE49-F238E27FC236}">
+                        <a16:creationId xmlns:a16="http://schemas.microsoft.com/office/drawing/2014/main" id="{D299BC61-642C-C488-CEF8-139C530BFFE2}"/>
+                      </a:ext>
+                    </a:extLst>
+                  </p:cNvPr>
+                  <p:cNvSpPr txBox="1">
+                    <a:spLocks noRot="1" noChangeAspect="1" noMove="1" noResize="1" noEditPoints="1" noAdjustHandles="1" noChangeArrowheads="1" noChangeShapeType="1" noTextEdit="1"/>
+                  </p:cNvSpPr>
+                  <p:nvPr/>
+                </p:nvSpPr>
+                <p:spPr>
+                  <a:xfrm>
+                    <a:off x="6740250" y="1736645"/>
+                    <a:ext cx="362421" cy="338554"/>
+                  </a:xfrm>
+                  <a:prstGeom prst="rect">
+                    <a:avLst/>
+                  </a:prstGeom>
+                  <a:blipFill>
+                    <a:blip r:embed="rId11"/>
+                    <a:stretch>
+                      <a:fillRect/>
+                    </a:stretch>
+                  </a:blipFill>
+                </p:spPr>
+                <p:txBody>
+                  <a:bodyPr/>
+                  <a:lstStyle/>
+                  <a:p>
+                    <a:r>
+                      <a:rPr lang="en-US">
+                        <a:noFill/>
+                      </a:rPr>
+                      <a:t> </a:t>
+                    </a:r>
+                  </a:p>
+                </p:txBody>
+              </p:sp>
+            </mc:Fallback>
+          </mc:AlternateContent>
+          <p:sp>
+            <p:nvSpPr>
+              <p:cNvPr id="16" name="Oval 15">
+                <a:extLst>
+                  <a:ext uri="{FF2B5EF4-FFF2-40B4-BE49-F238E27FC236}">
+                    <a16:creationId xmlns:a16="http://schemas.microsoft.com/office/drawing/2014/main" id="{1D888812-CDAE-6F25-B525-8D0E5910432D}"/>
+                  </a:ext>
+                </a:extLst>
+              </p:cNvPr>
+              <p:cNvSpPr/>
+              <p:nvPr/>
+            </p:nvSpPr>
+            <p:spPr>
+              <a:xfrm>
+                <a:off x="8010250" y="1752661"/>
+                <a:ext cx="395287" cy="390525"/>
+              </a:xfrm>
+              <a:prstGeom prst="ellipse">
+                <a:avLst/>
+              </a:prstGeom>
+              <a:noFill/>
+            </p:spPr>
+            <p:style>
+              <a:lnRef idx="2">
+                <a:schemeClr val="accent1">
+                  <a:shade val="50000"/>
+                </a:schemeClr>
+              </a:lnRef>
+              <a:fillRef idx="1">
+                <a:schemeClr val="accent1"/>
+              </a:fillRef>
+              <a:effectRef idx="0">
+                <a:schemeClr val="accent1"/>
+              </a:effectRef>
+              <a:fontRef idx="minor">
+                <a:schemeClr val="lt1"/>
+              </a:fontRef>
+            </p:style>
+            <p:txBody>
+              <a:bodyPr rtlCol="0" anchor="ctr"/>
+              <a:lstStyle/>
+              <a:p>
+                <a:pPr algn="ctr"/>
+                <a:endParaRPr lang="en-US"/>
+              </a:p>
+            </p:txBody>
+          </p:sp>
+          <mc:AlternateContent xmlns:mc="http://schemas.openxmlformats.org/markup-compatibility/2006">
+            <mc:Choice xmlns:a14="http://schemas.microsoft.com/office/drawing/2010/main" Requires="a14">
+              <p:sp>
+                <p:nvSpPr>
+                  <p:cNvPr id="18" name="TextBox 17">
+                    <a:extLst>
+                      <a:ext uri="{FF2B5EF4-FFF2-40B4-BE49-F238E27FC236}">
+                        <a16:creationId xmlns:a16="http://schemas.microsoft.com/office/drawing/2014/main" id="{79A95CB4-7426-0976-4E21-0D16A1B95AFA}"/>
+                      </a:ext>
+                    </a:extLst>
+                  </p:cNvPr>
+                  <p:cNvSpPr txBox="1"/>
+                  <p:nvPr/>
+                </p:nvSpPr>
+                <p:spPr>
+                  <a:xfrm>
+                    <a:off x="8010251" y="1762631"/>
+                    <a:ext cx="371750" cy="338554"/>
+                  </a:xfrm>
+                  <a:prstGeom prst="rect">
+                    <a:avLst/>
+                  </a:prstGeom>
+                  <a:noFill/>
+                </p:spPr>
+                <p:txBody>
+                  <a:bodyPr wrap="square" rtlCol="0">
+                    <a:spAutoFit/>
+                  </a:bodyPr>
+                  <a:lstStyle/>
+                  <a:p>
+                    <a:pPr/>
+                    <a14:m>
+                      <m:oMath xmlns:m="http://schemas.openxmlformats.org/officeDocument/2006/math">
+                        <m:r>
+                          <a:rPr lang="en-US" sz="800" b="0" i="1" smtClean="0">
+                            <a:latin typeface="Cambria Math" panose="02040503050406030204" pitchFamily="18" charset="0"/>
+                          </a:rPr>
+                          <m:t>   3</m:t>
+                        </m:r>
+                      </m:oMath>
+                    </a14:m>
+                    <a:r>
+                      <a:rPr lang="en-US" sz="800" dirty="0"/>
+                      <a:t> </a:t>
+                    </a:r>
+                  </a:p>
+                  <a:p>
+                    <a:pPr/>
+                    <a14:m>
+                      <m:oMathPara xmlns:m="http://schemas.openxmlformats.org/officeDocument/2006/math">
+                        <m:oMathParaPr>
+                          <m:jc m:val="centerGroup"/>
+                        </m:oMathParaPr>
+                        <m:oMath xmlns:m="http://schemas.openxmlformats.org/officeDocument/2006/math">
+                          <m:r>
+                            <a:rPr lang="en-US" sz="800" b="0" i="1" smtClean="0">
+                              <a:latin typeface="Cambria Math" panose="02040503050406030204" pitchFamily="18" charset="0"/>
+                            </a:rPr>
+                            <m:t>𝐽</m:t>
+                          </m:r>
+                          <m:r>
+                            <a:rPr lang="en-US" sz="800" b="0" i="1" smtClean="0">
+                              <a:latin typeface="Cambria Math" panose="02040503050406030204" pitchFamily="18" charset="0"/>
+                            </a:rPr>
+                            <m:t>,</m:t>
+                          </m:r>
+                          <m:r>
+                            <a:rPr lang="en-US" sz="800" b="0" i="1" smtClean="0">
+                              <a:latin typeface="Cambria Math" panose="02040503050406030204" pitchFamily="18" charset="0"/>
+                            </a:rPr>
+                            <m:t>𝑁</m:t>
+                          </m:r>
+                        </m:oMath>
+                      </m:oMathPara>
+                    </a14:m>
+                    <a:endParaRPr lang="en-US" sz="800" dirty="0"/>
+                  </a:p>
+                </p:txBody>
+              </p:sp>
+            </mc:Choice>
+            <mc:Fallback>
+              <p:sp>
+                <p:nvSpPr>
+                  <p:cNvPr id="18" name="TextBox 17">
+                    <a:extLst>
+                      <a:ext uri="{FF2B5EF4-FFF2-40B4-BE49-F238E27FC236}">
+                        <a16:creationId xmlns:a16="http://schemas.microsoft.com/office/drawing/2014/main" id="{79A95CB4-7426-0976-4E21-0D16A1B95AFA}"/>
+                      </a:ext>
+                    </a:extLst>
+                  </p:cNvPr>
+                  <p:cNvSpPr txBox="1">
+                    <a:spLocks noRot="1" noChangeAspect="1" noMove="1" noResize="1" noEditPoints="1" noAdjustHandles="1" noChangeArrowheads="1" noChangeShapeType="1" noTextEdit="1"/>
+                  </p:cNvSpPr>
+                  <p:nvPr/>
+                </p:nvSpPr>
+                <p:spPr>
+                  <a:xfrm>
+                    <a:off x="8010251" y="1762631"/>
+                    <a:ext cx="371750" cy="338554"/>
+                  </a:xfrm>
+                  <a:prstGeom prst="rect">
+                    <a:avLst/>
+                  </a:prstGeom>
+                  <a:blipFill>
+                    <a:blip r:embed="rId12"/>
+                    <a:stretch>
+                      <a:fillRect/>
+                    </a:stretch>
+                  </a:blipFill>
+                </p:spPr>
+                <p:txBody>
+                  <a:bodyPr/>
+                  <a:lstStyle/>
+                  <a:p>
+                    <a:r>
+                      <a:rPr lang="en-US">
+                        <a:noFill/>
+                      </a:rPr>
+                      <a:t> </a:t>
+                    </a:r>
+                  </a:p>
+                </p:txBody>
+              </p:sp>
+            </mc:Fallback>
+          </mc:AlternateContent>
+          <p:sp>
+            <p:nvSpPr>
+              <p:cNvPr id="19" name="Oval 18">
+                <a:extLst>
+                  <a:ext uri="{FF2B5EF4-FFF2-40B4-BE49-F238E27FC236}">
+                    <a16:creationId xmlns:a16="http://schemas.microsoft.com/office/drawing/2014/main" id="{1BF2D0EC-FDF6-7FC2-0DD9-17C9C0936B7D}"/>
+                  </a:ext>
+                </a:extLst>
+              </p:cNvPr>
+              <p:cNvSpPr/>
+              <p:nvPr/>
+            </p:nvSpPr>
+            <p:spPr>
+              <a:xfrm>
+                <a:off x="6756682" y="2636458"/>
+                <a:ext cx="395287" cy="390525"/>
+              </a:xfrm>
+              <a:prstGeom prst="ellipse">
+                <a:avLst/>
+              </a:prstGeom>
+              <a:noFill/>
+            </p:spPr>
+            <p:style>
+              <a:lnRef idx="2">
+                <a:schemeClr val="accent1">
+                  <a:shade val="50000"/>
+                </a:schemeClr>
+              </a:lnRef>
+              <a:fillRef idx="1">
+                <a:schemeClr val="accent1"/>
+              </a:fillRef>
+              <a:effectRef idx="0">
+                <a:schemeClr val="accent1"/>
+              </a:effectRef>
+              <a:fontRef idx="minor">
+                <a:schemeClr val="lt1"/>
+              </a:fontRef>
+            </p:style>
+            <p:txBody>
+              <a:bodyPr rtlCol="0" anchor="ctr"/>
+              <a:lstStyle/>
+              <a:p>
+                <a:pPr algn="ctr"/>
+                <a:endParaRPr lang="en-US"/>
+              </a:p>
+            </p:txBody>
+          </p:sp>
+          <mc:AlternateContent xmlns:mc="http://schemas.openxmlformats.org/markup-compatibility/2006">
+            <mc:Choice xmlns:a14="http://schemas.microsoft.com/office/drawing/2010/main" Requires="a14">
+              <p:sp>
+                <p:nvSpPr>
+                  <p:cNvPr id="28" name="TextBox 27">
+                    <a:extLst>
+                      <a:ext uri="{FF2B5EF4-FFF2-40B4-BE49-F238E27FC236}">
+                        <a16:creationId xmlns:a16="http://schemas.microsoft.com/office/drawing/2014/main" id="{ED60EA71-9123-5C31-48E9-A044244E0789}"/>
+                      </a:ext>
+                    </a:extLst>
+                  </p:cNvPr>
+                  <p:cNvSpPr txBox="1"/>
+                  <p:nvPr/>
+                </p:nvSpPr>
+                <p:spPr>
+                  <a:xfrm>
+                    <a:off x="6756682" y="2651995"/>
+                    <a:ext cx="362421" cy="338554"/>
+                  </a:xfrm>
+                  <a:prstGeom prst="rect">
+                    <a:avLst/>
+                  </a:prstGeom>
+                  <a:noFill/>
+                </p:spPr>
+                <p:txBody>
+                  <a:bodyPr wrap="square" rtlCol="0">
+                    <a:spAutoFit/>
+                  </a:bodyPr>
+                  <a:lstStyle/>
+                  <a:p>
+                    <a:pPr/>
+                    <a14:m>
+                      <m:oMath xmlns:m="http://schemas.openxmlformats.org/officeDocument/2006/math">
+                        <m:r>
+                          <a:rPr lang="en-US" sz="800" b="0" i="1" smtClean="0">
+                            <a:latin typeface="Cambria Math" panose="02040503050406030204" pitchFamily="18" charset="0"/>
+                          </a:rPr>
+                          <m:t>   4</m:t>
+                        </m:r>
+                      </m:oMath>
+                    </a14:m>
+                    <a:r>
+                      <a:rPr lang="en-US" sz="800" dirty="0"/>
+                      <a:t> </a:t>
+                    </a:r>
+                  </a:p>
+                  <a:p>
+                    <a:pPr/>
+                    <a14:m>
+                      <m:oMathPara xmlns:m="http://schemas.openxmlformats.org/officeDocument/2006/math">
+                        <m:oMathParaPr>
+                          <m:jc m:val="centerGroup"/>
+                        </m:oMathParaPr>
+                        <m:oMath xmlns:m="http://schemas.openxmlformats.org/officeDocument/2006/math">
+                          <m:r>
+                            <a:rPr lang="en-US" sz="800" b="0" i="1" smtClean="0">
+                              <a:latin typeface="Cambria Math" panose="02040503050406030204" pitchFamily="18" charset="0"/>
+                            </a:rPr>
+                            <m:t>𝐷</m:t>
+                          </m:r>
+                        </m:oMath>
+                      </m:oMathPara>
+                    </a14:m>
+                    <a:endParaRPr lang="en-US" sz="800" dirty="0"/>
+                  </a:p>
+                </p:txBody>
+              </p:sp>
+            </mc:Choice>
+            <mc:Fallback>
+              <p:sp>
+                <p:nvSpPr>
+                  <p:cNvPr id="28" name="TextBox 27">
+                    <a:extLst>
+                      <a:ext uri="{FF2B5EF4-FFF2-40B4-BE49-F238E27FC236}">
+                        <a16:creationId xmlns:a16="http://schemas.microsoft.com/office/drawing/2014/main" id="{ED60EA71-9123-5C31-48E9-A044244E0789}"/>
+                      </a:ext>
+                    </a:extLst>
+                  </p:cNvPr>
+                  <p:cNvSpPr txBox="1">
+                    <a:spLocks noRot="1" noChangeAspect="1" noMove="1" noResize="1" noEditPoints="1" noAdjustHandles="1" noChangeArrowheads="1" noChangeShapeType="1" noTextEdit="1"/>
+                  </p:cNvSpPr>
+                  <p:nvPr/>
+                </p:nvSpPr>
+                <p:spPr>
+                  <a:xfrm>
+                    <a:off x="6756682" y="2651995"/>
+                    <a:ext cx="362421" cy="338554"/>
+                  </a:xfrm>
+                  <a:prstGeom prst="rect">
+                    <a:avLst/>
+                  </a:prstGeom>
+                  <a:blipFill>
+                    <a:blip r:embed="rId13"/>
+                    <a:stretch>
+                      <a:fillRect/>
+                    </a:stretch>
+                  </a:blipFill>
+                </p:spPr>
+                <p:txBody>
+                  <a:bodyPr/>
+                  <a:lstStyle/>
+                  <a:p>
+                    <a:r>
+                      <a:rPr lang="en-US">
+                        <a:noFill/>
+                      </a:rPr>
+                      <a:t> </a:t>
+                    </a:r>
+                  </a:p>
+                </p:txBody>
+              </p:sp>
+            </mc:Fallback>
+          </mc:AlternateContent>
+          <p:sp>
+            <p:nvSpPr>
+              <p:cNvPr id="29" name="Oval 28">
+                <a:extLst>
+                  <a:ext uri="{FF2B5EF4-FFF2-40B4-BE49-F238E27FC236}">
+                    <a16:creationId xmlns:a16="http://schemas.microsoft.com/office/drawing/2014/main" id="{02556F28-7225-4AB8-59B4-D9B3C7974E26}"/>
+                  </a:ext>
+                </a:extLst>
+              </p:cNvPr>
+              <p:cNvSpPr/>
+              <p:nvPr/>
+            </p:nvSpPr>
+            <p:spPr>
+              <a:xfrm>
+                <a:off x="8014915" y="2660988"/>
+                <a:ext cx="395287" cy="390525"/>
+              </a:xfrm>
+              <a:prstGeom prst="ellipse">
+                <a:avLst/>
+              </a:prstGeom>
+              <a:noFill/>
+            </p:spPr>
+            <p:style>
+              <a:lnRef idx="2">
+                <a:schemeClr val="accent1">
+                  <a:shade val="50000"/>
+                </a:schemeClr>
+              </a:lnRef>
+              <a:fillRef idx="1">
+                <a:schemeClr val="accent1"/>
+              </a:fillRef>
+              <a:effectRef idx="0">
+                <a:schemeClr val="accent1"/>
+              </a:effectRef>
+              <a:fontRef idx="minor">
+                <a:schemeClr val="lt1"/>
+              </a:fontRef>
+            </p:style>
+            <p:txBody>
+              <a:bodyPr rtlCol="0" anchor="ctr"/>
+              <a:lstStyle/>
+              <a:p>
+                <a:pPr algn="ctr"/>
+                <a:endParaRPr lang="en-US"/>
+              </a:p>
+            </p:txBody>
+          </p:sp>
+          <mc:AlternateContent xmlns:mc="http://schemas.openxmlformats.org/markup-compatibility/2006">
+            <mc:Choice xmlns:a14="http://schemas.microsoft.com/office/drawing/2010/main" Requires="a14">
+              <p:sp>
+                <p:nvSpPr>
+                  <p:cNvPr id="30" name="TextBox 29">
+                    <a:extLst>
+                      <a:ext uri="{FF2B5EF4-FFF2-40B4-BE49-F238E27FC236}">
+                        <a16:creationId xmlns:a16="http://schemas.microsoft.com/office/drawing/2014/main" id="{3A3002B6-B526-D9DA-1D61-0F3C5BA1E1EE}"/>
+                      </a:ext>
+                    </a:extLst>
+                  </p:cNvPr>
+                  <p:cNvSpPr txBox="1"/>
+                  <p:nvPr/>
+                </p:nvSpPr>
+                <p:spPr>
+                  <a:xfrm>
+                    <a:off x="8014915" y="2676525"/>
+                    <a:ext cx="362421" cy="338554"/>
+                  </a:xfrm>
+                  <a:prstGeom prst="rect">
+                    <a:avLst/>
+                  </a:prstGeom>
+                  <a:noFill/>
+                </p:spPr>
+                <p:txBody>
+                  <a:bodyPr wrap="square" rtlCol="0">
+                    <a:spAutoFit/>
+                  </a:bodyPr>
+                  <a:lstStyle/>
+                  <a:p>
+                    <a:pPr/>
+                    <a14:m>
+                      <m:oMath xmlns:m="http://schemas.openxmlformats.org/officeDocument/2006/math">
+                        <m:r>
+                          <a:rPr lang="en-US" sz="800" b="0" i="1" smtClean="0">
+                            <a:latin typeface="Cambria Math" panose="02040503050406030204" pitchFamily="18" charset="0"/>
+                          </a:rPr>
+                          <m:t>   5</m:t>
+                        </m:r>
+                      </m:oMath>
+                    </a14:m>
+                    <a:r>
+                      <a:rPr lang="en-US" sz="800" dirty="0"/>
+                      <a:t> </a:t>
+                    </a:r>
+                  </a:p>
+                  <a:p>
+                    <a:pPr/>
+                    <a14:m>
+                      <m:oMathPara xmlns:m="http://schemas.openxmlformats.org/officeDocument/2006/math">
+                        <m:oMathParaPr>
+                          <m:jc m:val="centerGroup"/>
+                        </m:oMathParaPr>
+                        <m:oMath xmlns:m="http://schemas.openxmlformats.org/officeDocument/2006/math">
+                          <m:r>
+                            <a:rPr lang="en-US" sz="800" b="0" i="1" smtClean="0">
+                              <a:latin typeface="Cambria Math" panose="02040503050406030204" pitchFamily="18" charset="0"/>
+                              <a:ea typeface="Cambria Math" panose="02040503050406030204" pitchFamily="18" charset="0"/>
+                            </a:rPr>
+                            <m:t>¬</m:t>
+                          </m:r>
+                          <m:r>
+                            <a:rPr lang="en-US" sz="800" b="0" i="1" smtClean="0">
+                              <a:latin typeface="Cambria Math" panose="02040503050406030204" pitchFamily="18" charset="0"/>
+                            </a:rPr>
+                            <m:t>𝐷</m:t>
+                          </m:r>
+                        </m:oMath>
+                      </m:oMathPara>
+                    </a14:m>
+                    <a:endParaRPr lang="en-US" sz="800" dirty="0"/>
+                  </a:p>
+                </p:txBody>
+              </p:sp>
+            </mc:Choice>
+            <mc:Fallback>
+              <p:sp>
+                <p:nvSpPr>
+                  <p:cNvPr id="30" name="TextBox 29">
+                    <a:extLst>
+                      <a:ext uri="{FF2B5EF4-FFF2-40B4-BE49-F238E27FC236}">
+                        <a16:creationId xmlns:a16="http://schemas.microsoft.com/office/drawing/2014/main" id="{3A3002B6-B526-D9DA-1D61-0F3C5BA1E1EE}"/>
+                      </a:ext>
+                    </a:extLst>
+                  </p:cNvPr>
+                  <p:cNvSpPr txBox="1">
+                    <a:spLocks noRot="1" noChangeAspect="1" noMove="1" noResize="1" noEditPoints="1" noAdjustHandles="1" noChangeArrowheads="1" noChangeShapeType="1" noTextEdit="1"/>
+                  </p:cNvSpPr>
+                  <p:nvPr/>
+                </p:nvSpPr>
+                <p:spPr>
+                  <a:xfrm>
+                    <a:off x="8014915" y="2676525"/>
+                    <a:ext cx="362421" cy="338554"/>
+                  </a:xfrm>
+                  <a:prstGeom prst="rect">
+                    <a:avLst/>
+                  </a:prstGeom>
+                  <a:blipFill>
+                    <a:blip r:embed="rId14"/>
+                    <a:stretch>
+                      <a:fillRect/>
+                    </a:stretch>
+                  </a:blipFill>
+                </p:spPr>
+                <p:txBody>
+                  <a:bodyPr/>
+                  <a:lstStyle/>
+                  <a:p>
+                    <a:r>
+                      <a:rPr lang="en-US">
+                        <a:noFill/>
+                      </a:rPr>
+                      <a:t> </a:t>
+                    </a:r>
+                  </a:p>
+                </p:txBody>
+              </p:sp>
+            </mc:Fallback>
+          </mc:AlternateContent>
+          <p:sp>
+            <p:nvSpPr>
+              <p:cNvPr id="34" name="Freeform 33">
+                <a:extLst>
+                  <a:ext uri="{FF2B5EF4-FFF2-40B4-BE49-F238E27FC236}">
+                    <a16:creationId xmlns:a16="http://schemas.microsoft.com/office/drawing/2014/main" id="{5BEB149E-5C63-5C6B-9F94-923409ABADA6}"/>
+                  </a:ext>
+                </a:extLst>
+              </p:cNvPr>
+              <p:cNvSpPr/>
+              <p:nvPr/>
+            </p:nvSpPr>
+            <p:spPr>
+              <a:xfrm>
+                <a:off x="6609440" y="2944815"/>
+                <a:ext cx="700926" cy="645320"/>
+              </a:xfrm>
+              <a:custGeom>
+                <a:avLst/>
+                <a:gdLst>
+                  <a:gd name="connsiteX0" fmla="*/ 463901 w 700926"/>
+                  <a:gd name="connsiteY0" fmla="*/ 47879 h 645320"/>
+                  <a:gd name="connsiteX1" fmla="*/ 698851 w 700926"/>
+                  <a:gd name="connsiteY1" fmla="*/ 330454 h 645320"/>
+                  <a:gd name="connsiteX2" fmla="*/ 555976 w 700926"/>
+                  <a:gd name="connsiteY2" fmla="*/ 603504 h 645320"/>
+                  <a:gd name="connsiteX3" fmla="*/ 181326 w 700926"/>
+                  <a:gd name="connsiteY3" fmla="*/ 616204 h 645320"/>
+                  <a:gd name="connsiteX4" fmla="*/ 351 w 700926"/>
+                  <a:gd name="connsiteY4" fmla="*/ 330454 h 645320"/>
+                  <a:gd name="connsiteX5" fmla="*/ 136876 w 700926"/>
+                  <a:gd name="connsiteY5" fmla="*/ 79629 h 645320"/>
+                  <a:gd name="connsiteX6" fmla="*/ 194026 w 700926"/>
+                  <a:gd name="connsiteY6" fmla="*/ 6604 h 645320"/>
+                  <a:gd name="connsiteX7" fmla="*/ 200376 w 700926"/>
+                  <a:gd name="connsiteY7" fmla="*/ 3429 h 645320"/>
+                </a:gdLst>
+                <a:ahLst/>
+                <a:cxnLst>
+                  <a:cxn ang="0">
+                    <a:pos x="connsiteX0" y="connsiteY0"/>
+                  </a:cxn>
+                  <a:cxn ang="0">
+                    <a:pos x="connsiteX1" y="connsiteY1"/>
+                  </a:cxn>
+                  <a:cxn ang="0">
+                    <a:pos x="connsiteX2" y="connsiteY2"/>
+                  </a:cxn>
+                  <a:cxn ang="0">
+                    <a:pos x="connsiteX3" y="connsiteY3"/>
+                  </a:cxn>
+                  <a:cxn ang="0">
+                    <a:pos x="connsiteX4" y="connsiteY4"/>
+                  </a:cxn>
+                  <a:cxn ang="0">
+                    <a:pos x="connsiteX5" y="connsiteY5"/>
+                  </a:cxn>
+                  <a:cxn ang="0">
+                    <a:pos x="connsiteX6" y="connsiteY6"/>
+                  </a:cxn>
+                  <a:cxn ang="0">
+                    <a:pos x="connsiteX7" y="connsiteY7"/>
+                  </a:cxn>
+                </a:cxnLst>
+                <a:rect l="l" t="t" r="r" b="b"/>
+                <a:pathLst>
+                  <a:path w="700926" h="645320">
+                    <a:moveTo>
+                      <a:pt x="463901" y="47879"/>
+                    </a:moveTo>
+                    <a:cubicBezTo>
+                      <a:pt x="573703" y="142864"/>
+                      <a:pt x="683505" y="237850"/>
+                      <a:pt x="698851" y="330454"/>
+                    </a:cubicBezTo>
+                    <a:cubicBezTo>
+                      <a:pt x="714197" y="423058"/>
+                      <a:pt x="642230" y="555879"/>
+                      <a:pt x="555976" y="603504"/>
+                    </a:cubicBezTo>
+                    <a:cubicBezTo>
+                      <a:pt x="469722" y="651129"/>
+                      <a:pt x="273930" y="661712"/>
+                      <a:pt x="181326" y="616204"/>
+                    </a:cubicBezTo>
+                    <a:cubicBezTo>
+                      <a:pt x="88722" y="570696"/>
+                      <a:pt x="7759" y="419883"/>
+                      <a:pt x="351" y="330454"/>
+                    </a:cubicBezTo>
+                    <a:cubicBezTo>
+                      <a:pt x="-7057" y="241025"/>
+                      <a:pt x="104597" y="133604"/>
+                      <a:pt x="136876" y="79629"/>
+                    </a:cubicBezTo>
+                    <a:cubicBezTo>
+                      <a:pt x="169155" y="25654"/>
+                      <a:pt x="194026" y="6604"/>
+                      <a:pt x="194026" y="6604"/>
+                    </a:cubicBezTo>
+                    <a:cubicBezTo>
+                      <a:pt x="204609" y="-6096"/>
+                      <a:pt x="200376" y="3429"/>
+                      <a:pt x="200376" y="3429"/>
+                    </a:cubicBezTo>
+                  </a:path>
+                </a:pathLst>
+              </a:custGeom>
+              <a:noFill/>
+              <a:ln w="6350">
+                <a:headEnd type="none" w="sm" len="sm"/>
+                <a:tailEnd type="triangle" w="sm" len="sm"/>
+              </a:ln>
+            </p:spPr>
+            <p:style>
+              <a:lnRef idx="2">
+                <a:schemeClr val="accent1">
+                  <a:shade val="15000"/>
+                </a:schemeClr>
+              </a:lnRef>
+              <a:fillRef idx="1">
+                <a:schemeClr val="accent1"/>
+              </a:fillRef>
+              <a:effectRef idx="0">
+                <a:schemeClr val="accent1"/>
+              </a:effectRef>
+              <a:fontRef idx="minor">
+                <a:schemeClr val="lt1"/>
+              </a:fontRef>
+            </p:style>
+            <p:txBody>
+              <a:bodyPr rtlCol="0" anchor="ctr"/>
+              <a:lstStyle/>
+              <a:p>
+                <a:pPr algn="ctr"/>
+                <a:endParaRPr lang="en-US"/>
+              </a:p>
+            </p:txBody>
+          </p:sp>
+          <p:sp>
+            <p:nvSpPr>
+              <p:cNvPr id="38" name="Freeform 37">
+                <a:extLst>
+                  <a:ext uri="{FF2B5EF4-FFF2-40B4-BE49-F238E27FC236}">
+                    <a16:creationId xmlns:a16="http://schemas.microsoft.com/office/drawing/2014/main" id="{354A3666-961A-1E09-FD88-F4F16B522210}"/>
+                  </a:ext>
+                </a:extLst>
+              </p:cNvPr>
+              <p:cNvSpPr/>
+              <p:nvPr/>
+            </p:nvSpPr>
+            <p:spPr>
+              <a:xfrm>
+                <a:off x="7862095" y="2979368"/>
+                <a:ext cx="700926" cy="645320"/>
+              </a:xfrm>
+              <a:custGeom>
+                <a:avLst/>
+                <a:gdLst>
+                  <a:gd name="connsiteX0" fmla="*/ 463901 w 700926"/>
+                  <a:gd name="connsiteY0" fmla="*/ 47879 h 645320"/>
+                  <a:gd name="connsiteX1" fmla="*/ 698851 w 700926"/>
+                  <a:gd name="connsiteY1" fmla="*/ 330454 h 645320"/>
+                  <a:gd name="connsiteX2" fmla="*/ 555976 w 700926"/>
+                  <a:gd name="connsiteY2" fmla="*/ 603504 h 645320"/>
+                  <a:gd name="connsiteX3" fmla="*/ 181326 w 700926"/>
+                  <a:gd name="connsiteY3" fmla="*/ 616204 h 645320"/>
+                  <a:gd name="connsiteX4" fmla="*/ 351 w 700926"/>
+                  <a:gd name="connsiteY4" fmla="*/ 330454 h 645320"/>
+                  <a:gd name="connsiteX5" fmla="*/ 136876 w 700926"/>
+                  <a:gd name="connsiteY5" fmla="*/ 79629 h 645320"/>
+                  <a:gd name="connsiteX6" fmla="*/ 194026 w 700926"/>
+                  <a:gd name="connsiteY6" fmla="*/ 6604 h 645320"/>
+                  <a:gd name="connsiteX7" fmla="*/ 200376 w 700926"/>
+                  <a:gd name="connsiteY7" fmla="*/ 3429 h 645320"/>
+                </a:gdLst>
+                <a:ahLst/>
+                <a:cxnLst>
+                  <a:cxn ang="0">
+                    <a:pos x="connsiteX0" y="connsiteY0"/>
+                  </a:cxn>
+                  <a:cxn ang="0">
+                    <a:pos x="connsiteX1" y="connsiteY1"/>
+                  </a:cxn>
+                  <a:cxn ang="0">
+                    <a:pos x="connsiteX2" y="connsiteY2"/>
+                  </a:cxn>
+                  <a:cxn ang="0">
+                    <a:pos x="connsiteX3" y="connsiteY3"/>
+                  </a:cxn>
+                  <a:cxn ang="0">
+                    <a:pos x="connsiteX4" y="connsiteY4"/>
+                  </a:cxn>
+                  <a:cxn ang="0">
+                    <a:pos x="connsiteX5" y="connsiteY5"/>
+                  </a:cxn>
+                  <a:cxn ang="0">
+                    <a:pos x="connsiteX6" y="connsiteY6"/>
+                  </a:cxn>
+                  <a:cxn ang="0">
+                    <a:pos x="connsiteX7" y="connsiteY7"/>
+                  </a:cxn>
+                </a:cxnLst>
+                <a:rect l="l" t="t" r="r" b="b"/>
+                <a:pathLst>
+                  <a:path w="700926" h="645320">
+                    <a:moveTo>
+                      <a:pt x="463901" y="47879"/>
+                    </a:moveTo>
+                    <a:cubicBezTo>
+                      <a:pt x="573703" y="142864"/>
+                      <a:pt x="683505" y="237850"/>
+                      <a:pt x="698851" y="330454"/>
+                    </a:cubicBezTo>
+                    <a:cubicBezTo>
+                      <a:pt x="714197" y="423058"/>
+                      <a:pt x="642230" y="555879"/>
+                      <a:pt x="555976" y="603504"/>
+                    </a:cubicBezTo>
+                    <a:cubicBezTo>
+                      <a:pt x="469722" y="651129"/>
+                      <a:pt x="273930" y="661712"/>
+                      <a:pt x="181326" y="616204"/>
+                    </a:cubicBezTo>
+                    <a:cubicBezTo>
+                      <a:pt x="88722" y="570696"/>
+                      <a:pt x="7759" y="419883"/>
+                      <a:pt x="351" y="330454"/>
+                    </a:cubicBezTo>
+                    <a:cubicBezTo>
+                      <a:pt x="-7057" y="241025"/>
+                      <a:pt x="104597" y="133604"/>
+                      <a:pt x="136876" y="79629"/>
+                    </a:cubicBezTo>
+                    <a:cubicBezTo>
+                      <a:pt x="169155" y="25654"/>
+                      <a:pt x="194026" y="6604"/>
+                      <a:pt x="194026" y="6604"/>
+                    </a:cubicBezTo>
+                    <a:cubicBezTo>
+                      <a:pt x="204609" y="-6096"/>
+                      <a:pt x="200376" y="3429"/>
+                      <a:pt x="200376" y="3429"/>
+                    </a:cubicBezTo>
+                  </a:path>
+                </a:pathLst>
+              </a:custGeom>
+              <a:noFill/>
+              <a:ln w="6350">
+                <a:headEnd type="none" w="sm" len="sm"/>
+                <a:tailEnd type="triangle" w="sm" len="sm"/>
+              </a:ln>
+            </p:spPr>
+            <p:style>
+              <a:lnRef idx="2">
+                <a:schemeClr val="accent1">
+                  <a:shade val="15000"/>
+                </a:schemeClr>
+              </a:lnRef>
+              <a:fillRef idx="1">
+                <a:schemeClr val="accent1"/>
+              </a:fillRef>
+              <a:effectRef idx="0">
+                <a:schemeClr val="accent1"/>
+              </a:effectRef>
+              <a:fontRef idx="minor">
+                <a:schemeClr val="lt1"/>
+              </a:fontRef>
+            </p:style>
+            <p:txBody>
+              <a:bodyPr rtlCol="0" anchor="ctr"/>
+              <a:lstStyle/>
+              <a:p>
+                <a:pPr algn="ctr"/>
+                <a:endParaRPr lang="en-US"/>
+              </a:p>
+            </p:txBody>
+          </p:sp>
+          <p:cxnSp>
+            <p:nvCxnSpPr>
+              <p:cNvPr id="41" name="Straight Arrow Connector 40">
+                <a:extLst>
+                  <a:ext uri="{FF2B5EF4-FFF2-40B4-BE49-F238E27FC236}">
+                    <a16:creationId xmlns:a16="http://schemas.microsoft.com/office/drawing/2014/main" id="{6022057F-4C15-271F-0371-FB04E5BF3AA9}"/>
+                  </a:ext>
+                </a:extLst>
+              </p:cNvPr>
+              <p:cNvCxnSpPr/>
+              <p:nvPr/>
+            </p:nvCxnSpPr>
+            <p:spPr>
+              <a:xfrm flipH="1">
+                <a:off x="7038975" y="1344452"/>
+                <a:ext cx="381000" cy="408209"/>
+              </a:xfrm>
+              <a:prstGeom prst="straightConnector1">
+                <a:avLst/>
+              </a:prstGeom>
+              <a:ln>
+                <a:headEnd w="sm" len="sm"/>
+                <a:tailEnd type="triangle" w="sm" len="sm"/>
+              </a:ln>
+            </p:spPr>
+            <p:style>
+              <a:lnRef idx="1">
+                <a:schemeClr val="accent1"/>
+              </a:lnRef>
+              <a:fillRef idx="0">
+                <a:schemeClr val="accent1"/>
+              </a:fillRef>
+              <a:effectRef idx="0">
+                <a:schemeClr val="accent1"/>
+              </a:effectRef>
+              <a:fontRef idx="minor">
+                <a:schemeClr val="tx1"/>
+              </a:fontRef>
+            </p:style>
+          </p:cxnSp>
+          <p:cxnSp>
+            <p:nvCxnSpPr>
+              <p:cNvPr id="45" name="Straight Arrow Connector 44">
+                <a:extLst>
+                  <a:ext uri="{FF2B5EF4-FFF2-40B4-BE49-F238E27FC236}">
+                    <a16:creationId xmlns:a16="http://schemas.microsoft.com/office/drawing/2014/main" id="{8D64A12F-E5F7-73DF-AE48-03912A066BC4}"/>
+                  </a:ext>
+                </a:extLst>
+              </p:cNvPr>
+              <p:cNvCxnSpPr>
+                <a:stCxn id="2" idx="5"/>
+              </p:cNvCxnSpPr>
+              <p:nvPr/>
+            </p:nvCxnSpPr>
+            <p:spPr>
+              <a:xfrm>
+                <a:off x="7693599" y="1347506"/>
+                <a:ext cx="386776" cy="465419"/>
+              </a:xfrm>
+              <a:prstGeom prst="straightConnector1">
+                <a:avLst/>
+              </a:prstGeom>
+              <a:ln>
+                <a:tailEnd type="triangle" w="sm" len="sm"/>
+              </a:ln>
+            </p:spPr>
+            <p:style>
+              <a:lnRef idx="1">
+                <a:schemeClr val="accent1"/>
+              </a:lnRef>
+              <a:fillRef idx="0">
+                <a:schemeClr val="accent1"/>
+              </a:fillRef>
+              <a:effectRef idx="0">
+                <a:schemeClr val="accent1"/>
+              </a:effectRef>
+              <a:fontRef idx="minor">
+                <a:schemeClr val="tx1"/>
+              </a:fontRef>
+            </p:style>
+          </p:cxnSp>
+          <p:sp>
+            <p:nvSpPr>
+              <p:cNvPr id="46" name="Freeform 45">
+                <a:extLst>
+                  <a:ext uri="{FF2B5EF4-FFF2-40B4-BE49-F238E27FC236}">
+                    <a16:creationId xmlns:a16="http://schemas.microsoft.com/office/drawing/2014/main" id="{D8444897-91FD-509A-AD33-10E29FCFFD2B}"/>
+                  </a:ext>
+                </a:extLst>
+              </p:cNvPr>
+              <p:cNvSpPr/>
+              <p:nvPr/>
+            </p:nvSpPr>
+            <p:spPr>
+              <a:xfrm>
+                <a:off x="7648575" y="828148"/>
+                <a:ext cx="705625" cy="496656"/>
+              </a:xfrm>
+              <a:custGeom>
+                <a:avLst/>
+                <a:gdLst>
+                  <a:gd name="connsiteX0" fmla="*/ 0 w 705625"/>
+                  <a:gd name="connsiteY0" fmla="*/ 194202 h 496656"/>
+                  <a:gd name="connsiteX1" fmla="*/ 146050 w 705625"/>
+                  <a:gd name="connsiteY1" fmla="*/ 51327 h 496656"/>
+                  <a:gd name="connsiteX2" fmla="*/ 314325 w 705625"/>
+                  <a:gd name="connsiteY2" fmla="*/ 3702 h 496656"/>
+                  <a:gd name="connsiteX3" fmla="*/ 514350 w 705625"/>
+                  <a:gd name="connsiteY3" fmla="*/ 16402 h 496656"/>
+                  <a:gd name="connsiteX4" fmla="*/ 654050 w 705625"/>
+                  <a:gd name="connsiteY4" fmla="*/ 121177 h 496656"/>
+                  <a:gd name="connsiteX5" fmla="*/ 704850 w 705625"/>
+                  <a:gd name="connsiteY5" fmla="*/ 251352 h 496656"/>
+                  <a:gd name="connsiteX6" fmla="*/ 679450 w 705625"/>
+                  <a:gd name="connsiteY6" fmla="*/ 356127 h 496656"/>
+                  <a:gd name="connsiteX7" fmla="*/ 609600 w 705625"/>
+                  <a:gd name="connsiteY7" fmla="*/ 448202 h 496656"/>
+                  <a:gd name="connsiteX8" fmla="*/ 422275 w 705625"/>
+                  <a:gd name="connsiteY8" fmla="*/ 489477 h 496656"/>
+                  <a:gd name="connsiteX9" fmla="*/ 247650 w 705625"/>
+                  <a:gd name="connsiteY9" fmla="*/ 495827 h 496656"/>
+                  <a:gd name="connsiteX10" fmla="*/ 158750 w 705625"/>
+                  <a:gd name="connsiteY10" fmla="*/ 479952 h 496656"/>
+                  <a:gd name="connsiteX11" fmla="*/ 95250 w 705625"/>
+                  <a:gd name="connsiteY11" fmla="*/ 448202 h 496656"/>
+                </a:gdLst>
+                <a:ahLst/>
+                <a:cxnLst>
+                  <a:cxn ang="0">
+                    <a:pos x="connsiteX0" y="connsiteY0"/>
+                  </a:cxn>
+                  <a:cxn ang="0">
+                    <a:pos x="connsiteX1" y="connsiteY1"/>
+                  </a:cxn>
+                  <a:cxn ang="0">
+                    <a:pos x="connsiteX2" y="connsiteY2"/>
+                  </a:cxn>
+                  <a:cxn ang="0">
+                    <a:pos x="connsiteX3" y="connsiteY3"/>
+                  </a:cxn>
+                  <a:cxn ang="0">
+                    <a:pos x="connsiteX4" y="connsiteY4"/>
+                  </a:cxn>
+                  <a:cxn ang="0">
+                    <a:pos x="connsiteX5" y="connsiteY5"/>
+                  </a:cxn>
+                  <a:cxn ang="0">
+                    <a:pos x="connsiteX6" y="connsiteY6"/>
+                  </a:cxn>
+                  <a:cxn ang="0">
+                    <a:pos x="connsiteX7" y="connsiteY7"/>
+                  </a:cxn>
+                  <a:cxn ang="0">
+                    <a:pos x="connsiteX8" y="connsiteY8"/>
+                  </a:cxn>
+                  <a:cxn ang="0">
+                    <a:pos x="connsiteX9" y="connsiteY9"/>
+                  </a:cxn>
+                  <a:cxn ang="0">
+                    <a:pos x="connsiteX10" y="connsiteY10"/>
+                  </a:cxn>
+                  <a:cxn ang="0">
+                    <a:pos x="connsiteX11" y="connsiteY11"/>
+                  </a:cxn>
+                </a:cxnLst>
+                <a:rect l="l" t="t" r="r" b="b"/>
+                <a:pathLst>
+                  <a:path w="705625" h="496656">
+                    <a:moveTo>
+                      <a:pt x="0" y="194202"/>
+                    </a:moveTo>
+                    <a:cubicBezTo>
+                      <a:pt x="46831" y="138639"/>
+                      <a:pt x="93663" y="83077"/>
+                      <a:pt x="146050" y="51327"/>
+                    </a:cubicBezTo>
+                    <a:cubicBezTo>
+                      <a:pt x="198437" y="19577"/>
+                      <a:pt x="252942" y="9523"/>
+                      <a:pt x="314325" y="3702"/>
+                    </a:cubicBezTo>
+                    <a:cubicBezTo>
+                      <a:pt x="375708" y="-2119"/>
+                      <a:pt x="457729" y="-3177"/>
+                      <a:pt x="514350" y="16402"/>
+                    </a:cubicBezTo>
+                    <a:cubicBezTo>
+                      <a:pt x="570971" y="35981"/>
+                      <a:pt x="622300" y="82019"/>
+                      <a:pt x="654050" y="121177"/>
+                    </a:cubicBezTo>
+                    <a:cubicBezTo>
+                      <a:pt x="685800" y="160335"/>
+                      <a:pt x="700617" y="212194"/>
+                      <a:pt x="704850" y="251352"/>
+                    </a:cubicBezTo>
+                    <a:cubicBezTo>
+                      <a:pt x="709083" y="290510"/>
+                      <a:pt x="695325" y="323319"/>
+                      <a:pt x="679450" y="356127"/>
+                    </a:cubicBezTo>
+                    <a:cubicBezTo>
+                      <a:pt x="663575" y="388935"/>
+                      <a:pt x="652462" y="425977"/>
+                      <a:pt x="609600" y="448202"/>
+                    </a:cubicBezTo>
+                    <a:cubicBezTo>
+                      <a:pt x="566738" y="470427"/>
+                      <a:pt x="482600" y="481540"/>
+                      <a:pt x="422275" y="489477"/>
+                    </a:cubicBezTo>
+                    <a:cubicBezTo>
+                      <a:pt x="361950" y="497414"/>
+                      <a:pt x="291571" y="497414"/>
+                      <a:pt x="247650" y="495827"/>
+                    </a:cubicBezTo>
+                    <a:cubicBezTo>
+                      <a:pt x="203729" y="494240"/>
+                      <a:pt x="184150" y="487889"/>
+                      <a:pt x="158750" y="479952"/>
+                    </a:cubicBezTo>
+                    <a:cubicBezTo>
+                      <a:pt x="133350" y="472015"/>
+                      <a:pt x="114300" y="460108"/>
+                      <a:pt x="95250" y="448202"/>
+                    </a:cubicBezTo>
+                  </a:path>
+                </a:pathLst>
+              </a:custGeom>
+              <a:noFill/>
+              <a:ln w="6350">
+                <a:tailEnd type="triangle" w="sm" len="sm"/>
+              </a:ln>
+            </p:spPr>
+            <p:style>
+              <a:lnRef idx="2">
+                <a:schemeClr val="accent1">
+                  <a:shade val="15000"/>
+                </a:schemeClr>
+              </a:lnRef>
+              <a:fillRef idx="1">
+                <a:schemeClr val="accent1"/>
+              </a:fillRef>
+              <a:effectRef idx="0">
+                <a:schemeClr val="accent1"/>
+              </a:effectRef>
+              <a:fontRef idx="minor">
+                <a:schemeClr val="lt1"/>
+              </a:fontRef>
+            </p:style>
+            <p:txBody>
+              <a:bodyPr rtlCol="0" anchor="ctr"/>
+              <a:lstStyle/>
+              <a:p>
+                <a:pPr algn="ctr"/>
+                <a:endParaRPr lang="en-US"/>
+              </a:p>
+            </p:txBody>
+          </p:sp>
+          <p:cxnSp>
+            <p:nvCxnSpPr>
+              <p:cNvPr id="48" name="Straight Arrow Connector 47">
+                <a:extLst>
+                  <a:ext uri="{FF2B5EF4-FFF2-40B4-BE49-F238E27FC236}">
+                    <a16:creationId xmlns:a16="http://schemas.microsoft.com/office/drawing/2014/main" id="{19510F29-C9A2-E016-D824-4400E44ECB12}"/>
+                  </a:ext>
+                </a:extLst>
+              </p:cNvPr>
+              <p:cNvCxnSpPr>
+                <a:cxnSpLocks/>
+              </p:cNvCxnSpPr>
+              <p:nvPr/>
+            </p:nvCxnSpPr>
+            <p:spPr>
+              <a:xfrm>
+                <a:off x="6948419" y="2123746"/>
+                <a:ext cx="0" cy="508809"/>
+              </a:xfrm>
+              <a:prstGeom prst="straightConnector1">
+                <a:avLst/>
+              </a:prstGeom>
+              <a:ln>
+                <a:tailEnd type="triangle" w="sm" len="sm"/>
+              </a:ln>
+            </p:spPr>
+            <p:style>
+              <a:lnRef idx="1">
+                <a:schemeClr val="accent1"/>
+              </a:lnRef>
+              <a:fillRef idx="0">
+                <a:schemeClr val="accent1"/>
+              </a:fillRef>
+              <a:effectRef idx="0">
+                <a:schemeClr val="accent1"/>
+              </a:effectRef>
+              <a:fontRef idx="minor">
+                <a:schemeClr val="tx1"/>
+              </a:fontRef>
+            </p:style>
+          </p:cxnSp>
+          <p:cxnSp>
+            <p:nvCxnSpPr>
+              <p:cNvPr id="52" name="Straight Arrow Connector 51">
+                <a:extLst>
+                  <a:ext uri="{FF2B5EF4-FFF2-40B4-BE49-F238E27FC236}">
+                    <a16:creationId xmlns:a16="http://schemas.microsoft.com/office/drawing/2014/main" id="{DDC54214-2F68-6753-2BB1-7A265C6898FD}"/>
+                  </a:ext>
+                </a:extLst>
+              </p:cNvPr>
+              <p:cNvCxnSpPr>
+                <a:cxnSpLocks/>
+              </p:cNvCxnSpPr>
+              <p:nvPr/>
+            </p:nvCxnSpPr>
+            <p:spPr>
+              <a:xfrm>
+                <a:off x="8207893" y="2143186"/>
+                <a:ext cx="0" cy="508809"/>
+              </a:xfrm>
+              <a:prstGeom prst="straightConnector1">
+                <a:avLst/>
+              </a:prstGeom>
+              <a:ln>
+                <a:tailEnd type="triangle" w="sm" len="sm"/>
+              </a:ln>
+            </p:spPr>
+            <p:style>
+              <a:lnRef idx="1">
+                <a:schemeClr val="accent1"/>
+              </a:lnRef>
+              <a:fillRef idx="0">
+                <a:schemeClr val="accent1"/>
+              </a:fillRef>
+              <a:effectRef idx="0">
+                <a:schemeClr val="accent1"/>
+              </a:effectRef>
+              <a:fontRef idx="minor">
+                <a:schemeClr val="tx1"/>
+              </a:fontRef>
+            </p:style>
+          </p:cxnSp>
+          <p:cxnSp>
+            <p:nvCxnSpPr>
+              <p:cNvPr id="54" name="Straight Arrow Connector 53">
+                <a:extLst>
+                  <a:ext uri="{FF2B5EF4-FFF2-40B4-BE49-F238E27FC236}">
+                    <a16:creationId xmlns:a16="http://schemas.microsoft.com/office/drawing/2014/main" id="{A92108DE-B71D-F6EE-9EE9-EBB1F8B8D284}"/>
+                  </a:ext>
+                </a:extLst>
+              </p:cNvPr>
+              <p:cNvCxnSpPr/>
+              <p:nvPr/>
+            </p:nvCxnSpPr>
+            <p:spPr>
+              <a:xfrm>
+                <a:off x="7102671" y="2036323"/>
+                <a:ext cx="951831" cy="700447"/>
+              </a:xfrm>
+              <a:prstGeom prst="straightConnector1">
+                <a:avLst/>
+              </a:prstGeom>
+              <a:ln>
+                <a:tailEnd type="triangle" w="sm" len="sm"/>
+              </a:ln>
+            </p:spPr>
+            <p:style>
+              <a:lnRef idx="1">
+                <a:schemeClr val="accent1"/>
+              </a:lnRef>
+              <a:fillRef idx="0">
+                <a:schemeClr val="accent1"/>
+              </a:fillRef>
+              <a:effectRef idx="0">
+                <a:schemeClr val="accent1"/>
+              </a:effectRef>
+              <a:fontRef idx="minor">
+                <a:schemeClr val="tx1"/>
+              </a:fontRef>
+            </p:style>
+          </p:cxnSp>
+          <p:cxnSp>
+            <p:nvCxnSpPr>
+              <p:cNvPr id="56" name="Straight Arrow Connector 55">
+                <a:extLst>
+                  <a:ext uri="{FF2B5EF4-FFF2-40B4-BE49-F238E27FC236}">
+                    <a16:creationId xmlns:a16="http://schemas.microsoft.com/office/drawing/2014/main" id="{41CD13F4-275F-F3EE-E94B-6A070725EAF7}"/>
+                  </a:ext>
+                </a:extLst>
+              </p:cNvPr>
+              <p:cNvCxnSpPr>
+                <a:cxnSpLocks/>
+              </p:cNvCxnSpPr>
+              <p:nvPr/>
+            </p:nvCxnSpPr>
+            <p:spPr>
+              <a:xfrm flipH="1">
+                <a:off x="7094449" y="2074239"/>
+                <a:ext cx="974527" cy="610321"/>
+              </a:xfrm>
+              <a:prstGeom prst="straightConnector1">
+                <a:avLst/>
+              </a:prstGeom>
+              <a:ln>
+                <a:tailEnd type="triangle" w="sm" len="sm"/>
+              </a:ln>
+            </p:spPr>
+            <p:style>
+              <a:lnRef idx="1">
+                <a:schemeClr val="accent1"/>
+              </a:lnRef>
+              <a:fillRef idx="0">
+                <a:schemeClr val="accent1"/>
+              </a:fillRef>
+              <a:effectRef idx="0">
+                <a:schemeClr val="accent1"/>
+              </a:effectRef>
+              <a:fontRef idx="minor">
+                <a:schemeClr val="tx1"/>
+              </a:fontRef>
+            </p:style>
+          </p:cxnSp>
+        </p:grpSp>
+        <mc:AlternateContent xmlns:mc="http://schemas.openxmlformats.org/markup-compatibility/2006">
+          <mc:Choice xmlns:a14="http://schemas.microsoft.com/office/drawing/2010/main" Requires="a14">
+            <p:sp>
+              <p:nvSpPr>
+                <p:cNvPr id="60" name="TextBox 59">
+                  <a:extLst>
+                    <a:ext uri="{FF2B5EF4-FFF2-40B4-BE49-F238E27FC236}">
+                      <a16:creationId xmlns:a16="http://schemas.microsoft.com/office/drawing/2014/main" id="{3561F0D3-BBBB-43E7-55DE-733E9CA18DDC}"/>
+                    </a:ext>
+                  </a:extLst>
+                </p:cNvPr>
+                <p:cNvSpPr txBox="1"/>
+                <p:nvPr/>
+              </p:nvSpPr>
+              <p:spPr>
+                <a:xfrm>
+                  <a:off x="8250313" y="1132062"/>
+                  <a:ext cx="396262" cy="215444"/>
+                </a:xfrm>
+                <a:prstGeom prst="rect">
+                  <a:avLst/>
+                </a:prstGeom>
+                <a:noFill/>
+              </p:spPr>
+              <p:txBody>
+                <a:bodyPr wrap="none" rtlCol="0">
+                  <a:spAutoFit/>
+                </a:bodyPr>
+                <a:lstStyle/>
+                <a:p>
+                  <a:pPr/>
+                  <a14:m>
+                    <m:oMathPara xmlns:m="http://schemas.openxmlformats.org/officeDocument/2006/math">
+                      <m:oMathParaPr>
+                        <m:jc m:val="centerGroup"/>
+                      </m:oMathParaPr>
+                      <m:oMath xmlns:m="http://schemas.openxmlformats.org/officeDocument/2006/math">
+                        <m:r>
+                          <a:rPr lang="en-US" sz="800" i="1" dirty="0" smtClean="0">
+                            <a:latin typeface="Cambria Math" panose="02040503050406030204" pitchFamily="18" charset="0"/>
+                          </a:rPr>
+                          <m:t>0</m:t>
+                        </m:r>
+                        <m:r>
+                          <a:rPr lang="en-US" sz="800" b="0" i="1" dirty="0" smtClean="0">
+                            <a:latin typeface="Cambria Math" panose="02040503050406030204" pitchFamily="18" charset="0"/>
+                          </a:rPr>
+                          <m:t>.69</m:t>
+                        </m:r>
+                      </m:oMath>
+                    </m:oMathPara>
+                  </a14:m>
+                  <a:endParaRPr lang="en-US" sz="800" dirty="0"/>
+                </a:p>
+              </p:txBody>
+            </p:sp>
+          </mc:Choice>
+          <mc:Fallback>
+            <p:sp>
+              <p:nvSpPr>
+                <p:cNvPr id="60" name="TextBox 59">
+                  <a:extLst>
+                    <a:ext uri="{FF2B5EF4-FFF2-40B4-BE49-F238E27FC236}">
+                      <a16:creationId xmlns:a16="http://schemas.microsoft.com/office/drawing/2014/main" id="{3561F0D3-BBBB-43E7-55DE-733E9CA18DDC}"/>
+                    </a:ext>
+                  </a:extLst>
+                </p:cNvPr>
+                <p:cNvSpPr txBox="1">
+                  <a:spLocks noRot="1" noChangeAspect="1" noMove="1" noResize="1" noEditPoints="1" noAdjustHandles="1" noChangeArrowheads="1" noChangeShapeType="1" noTextEdit="1"/>
+                </p:cNvSpPr>
+                <p:nvPr/>
+              </p:nvSpPr>
+              <p:spPr>
+                <a:xfrm>
+                  <a:off x="8250313" y="1132062"/>
+                  <a:ext cx="396262" cy="215444"/>
+                </a:xfrm>
+                <a:prstGeom prst="rect">
+                  <a:avLst/>
+                </a:prstGeom>
+                <a:blipFill>
+                  <a:blip r:embed="rId15"/>
+                  <a:stretch>
+                    <a:fillRect/>
+                  </a:stretch>
+                </a:blipFill>
+              </p:spPr>
+              <p:txBody>
+                <a:bodyPr/>
+                <a:lstStyle/>
+                <a:p>
+                  <a:r>
+                    <a:rPr lang="en-US">
+                      <a:noFill/>
+                    </a:rPr>
+                    <a:t> </a:t>
+                  </a:r>
+                </a:p>
+              </p:txBody>
+            </p:sp>
+          </mc:Fallback>
+        </mc:AlternateContent>
+        <mc:AlternateContent xmlns:mc="http://schemas.openxmlformats.org/markup-compatibility/2006">
+          <mc:Choice xmlns:a14="http://schemas.microsoft.com/office/drawing/2010/main" Requires="a14">
+            <p:sp>
+              <p:nvSpPr>
+                <p:cNvPr id="61" name="TextBox 60">
+                  <a:extLst>
+                    <a:ext uri="{FF2B5EF4-FFF2-40B4-BE49-F238E27FC236}">
+                      <a16:creationId xmlns:a16="http://schemas.microsoft.com/office/drawing/2014/main" id="{79EDAB38-7752-B600-0BBC-BCC7DB10EB0E}"/>
+                    </a:ext>
+                  </a:extLst>
+                </p:cNvPr>
+                <p:cNvSpPr txBox="1"/>
+                <p:nvPr/>
+              </p:nvSpPr>
+              <p:spPr>
+                <a:xfrm>
+                  <a:off x="7815836" y="1452398"/>
+                  <a:ext cx="396262" cy="215444"/>
+                </a:xfrm>
+                <a:prstGeom prst="rect">
+                  <a:avLst/>
+                </a:prstGeom>
+                <a:noFill/>
+              </p:spPr>
+              <p:txBody>
+                <a:bodyPr wrap="none" rtlCol="0">
+                  <a:spAutoFit/>
+                </a:bodyPr>
+                <a:lstStyle/>
+                <a:p>
+                  <a:pPr/>
+                  <a14:m>
+                    <m:oMathPara xmlns:m="http://schemas.openxmlformats.org/officeDocument/2006/math">
+                      <m:oMathParaPr>
+                        <m:jc m:val="centerGroup"/>
+                      </m:oMathParaPr>
+                      <m:oMath xmlns:m="http://schemas.openxmlformats.org/officeDocument/2006/math">
+                        <m:r>
+                          <a:rPr lang="en-US" sz="800" i="1" dirty="0" smtClean="0">
+                            <a:latin typeface="Cambria Math" panose="02040503050406030204" pitchFamily="18" charset="0"/>
+                          </a:rPr>
+                          <m:t>0</m:t>
+                        </m:r>
+                        <m:r>
+                          <a:rPr lang="en-US" sz="800" b="0" i="1" dirty="0" smtClean="0">
+                            <a:latin typeface="Cambria Math" panose="02040503050406030204" pitchFamily="18" charset="0"/>
+                          </a:rPr>
+                          <m:t>.01</m:t>
+                        </m:r>
+                      </m:oMath>
+                    </m:oMathPara>
+                  </a14:m>
+                  <a:endParaRPr lang="en-US" sz="800" dirty="0"/>
+                </a:p>
+              </p:txBody>
+            </p:sp>
+          </mc:Choice>
+          <mc:Fallback>
+            <p:sp>
+              <p:nvSpPr>
+                <p:cNvPr id="61" name="TextBox 60">
+                  <a:extLst>
+                    <a:ext uri="{FF2B5EF4-FFF2-40B4-BE49-F238E27FC236}">
+                      <a16:creationId xmlns:a16="http://schemas.microsoft.com/office/drawing/2014/main" id="{79EDAB38-7752-B600-0BBC-BCC7DB10EB0E}"/>
+                    </a:ext>
+                  </a:extLst>
+                </p:cNvPr>
+                <p:cNvSpPr txBox="1">
+                  <a:spLocks noRot="1" noChangeAspect="1" noMove="1" noResize="1" noEditPoints="1" noAdjustHandles="1" noChangeArrowheads="1" noChangeShapeType="1" noTextEdit="1"/>
+                </p:cNvSpPr>
+                <p:nvPr/>
+              </p:nvSpPr>
+              <p:spPr>
+                <a:xfrm>
+                  <a:off x="7815836" y="1452398"/>
+                  <a:ext cx="396262" cy="215444"/>
+                </a:xfrm>
+                <a:prstGeom prst="rect">
+                  <a:avLst/>
+                </a:prstGeom>
+                <a:blipFill>
+                  <a:blip r:embed="rId16"/>
+                  <a:stretch>
+                    <a:fillRect/>
+                  </a:stretch>
+                </a:blipFill>
+              </p:spPr>
+              <p:txBody>
+                <a:bodyPr/>
+                <a:lstStyle/>
+                <a:p>
+                  <a:r>
+                    <a:rPr lang="en-US">
+                      <a:noFill/>
+                    </a:rPr>
+                    <a:t> </a:t>
+                  </a:r>
+                </a:p>
+              </p:txBody>
+            </p:sp>
+          </mc:Fallback>
+        </mc:AlternateContent>
+        <mc:AlternateContent xmlns:mc="http://schemas.openxmlformats.org/markup-compatibility/2006">
+          <mc:Choice xmlns:a14="http://schemas.microsoft.com/office/drawing/2010/main" Requires="a14">
+            <p:sp>
+              <p:nvSpPr>
+                <p:cNvPr id="62" name="TextBox 61">
+                  <a:extLst>
+                    <a:ext uri="{FF2B5EF4-FFF2-40B4-BE49-F238E27FC236}">
+                      <a16:creationId xmlns:a16="http://schemas.microsoft.com/office/drawing/2014/main" id="{3712400C-742C-0246-2B97-0C2C6CAE64A7}"/>
+                    </a:ext>
+                  </a:extLst>
+                </p:cNvPr>
+                <p:cNvSpPr txBox="1"/>
+                <p:nvPr/>
+              </p:nvSpPr>
+              <p:spPr>
+                <a:xfrm>
+                  <a:off x="6932592" y="1425372"/>
+                  <a:ext cx="340158" cy="215444"/>
+                </a:xfrm>
+                <a:prstGeom prst="rect">
+                  <a:avLst/>
+                </a:prstGeom>
+                <a:noFill/>
+              </p:spPr>
+              <p:txBody>
+                <a:bodyPr wrap="none" rtlCol="0">
+                  <a:spAutoFit/>
+                </a:bodyPr>
+                <a:lstStyle/>
+                <a:p>
+                  <a:pPr/>
+                  <a14:m>
+                    <m:oMathPara xmlns:m="http://schemas.openxmlformats.org/officeDocument/2006/math">
+                      <m:oMathParaPr>
+                        <m:jc m:val="centerGroup"/>
+                      </m:oMathParaPr>
+                      <m:oMath xmlns:m="http://schemas.openxmlformats.org/officeDocument/2006/math">
+                        <m:r>
+                          <a:rPr lang="en-US" sz="800" i="1" dirty="0" smtClean="0">
+                            <a:latin typeface="Cambria Math" panose="02040503050406030204" pitchFamily="18" charset="0"/>
+                          </a:rPr>
+                          <m:t>0</m:t>
+                        </m:r>
+                        <m:r>
+                          <a:rPr lang="en-US" sz="800" b="0" i="1" dirty="0" smtClean="0">
+                            <a:latin typeface="Cambria Math" panose="02040503050406030204" pitchFamily="18" charset="0"/>
+                          </a:rPr>
+                          <m:t>.3</m:t>
+                        </m:r>
+                      </m:oMath>
+                    </m:oMathPara>
+                  </a14:m>
+                  <a:endParaRPr lang="en-US" sz="800" dirty="0"/>
+                </a:p>
+              </p:txBody>
+            </p:sp>
+          </mc:Choice>
+          <mc:Fallback>
+            <p:sp>
+              <p:nvSpPr>
+                <p:cNvPr id="62" name="TextBox 61">
+                  <a:extLst>
+                    <a:ext uri="{FF2B5EF4-FFF2-40B4-BE49-F238E27FC236}">
+                      <a16:creationId xmlns:a16="http://schemas.microsoft.com/office/drawing/2014/main" id="{3712400C-742C-0246-2B97-0C2C6CAE64A7}"/>
+                    </a:ext>
+                  </a:extLst>
+                </p:cNvPr>
+                <p:cNvSpPr txBox="1">
+                  <a:spLocks noRot="1" noChangeAspect="1" noMove="1" noResize="1" noEditPoints="1" noAdjustHandles="1" noChangeArrowheads="1" noChangeShapeType="1" noTextEdit="1"/>
+                </p:cNvSpPr>
+                <p:nvPr/>
+              </p:nvSpPr>
+              <p:spPr>
+                <a:xfrm>
+                  <a:off x="6932592" y="1425372"/>
+                  <a:ext cx="340158" cy="215444"/>
+                </a:xfrm>
+                <a:prstGeom prst="rect">
+                  <a:avLst/>
+                </a:prstGeom>
+                <a:blipFill>
+                  <a:blip r:embed="rId17"/>
+                  <a:stretch>
+                    <a:fillRect/>
+                  </a:stretch>
+                </a:blipFill>
+              </p:spPr>
+              <p:txBody>
+                <a:bodyPr/>
+                <a:lstStyle/>
+                <a:p>
+                  <a:r>
+                    <a:rPr lang="en-US">
+                      <a:noFill/>
+                    </a:rPr>
+                    <a:t> </a:t>
+                  </a:r>
+                </a:p>
+              </p:txBody>
+            </p:sp>
+          </mc:Fallback>
+        </mc:AlternateContent>
+        <mc:AlternateContent xmlns:mc="http://schemas.openxmlformats.org/markup-compatibility/2006">
+          <mc:Choice xmlns:a14="http://schemas.microsoft.com/office/drawing/2010/main" Requires="a14">
+            <p:sp>
+              <p:nvSpPr>
+                <p:cNvPr id="63" name="TextBox 62">
+                  <a:extLst>
+                    <a:ext uri="{FF2B5EF4-FFF2-40B4-BE49-F238E27FC236}">
+                      <a16:creationId xmlns:a16="http://schemas.microsoft.com/office/drawing/2014/main" id="{6FBB7CB2-5AA3-C292-A703-108394CE2DA6}"/>
+                    </a:ext>
+                  </a:extLst>
+                </p:cNvPr>
+                <p:cNvSpPr txBox="1"/>
+                <p:nvPr/>
+              </p:nvSpPr>
+              <p:spPr>
+                <a:xfrm>
+                  <a:off x="7146232" y="1975219"/>
+                  <a:ext cx="340158" cy="215444"/>
+                </a:xfrm>
+                <a:prstGeom prst="rect">
+                  <a:avLst/>
+                </a:prstGeom>
+                <a:noFill/>
+              </p:spPr>
+              <p:txBody>
+                <a:bodyPr wrap="none" rtlCol="0">
+                  <a:spAutoFit/>
+                </a:bodyPr>
+                <a:lstStyle/>
+                <a:p>
+                  <a:pPr/>
+                  <a14:m>
+                    <m:oMathPara xmlns:m="http://schemas.openxmlformats.org/officeDocument/2006/math">
+                      <m:oMathParaPr>
+                        <m:jc m:val="centerGroup"/>
+                      </m:oMathParaPr>
+                      <m:oMath xmlns:m="http://schemas.openxmlformats.org/officeDocument/2006/math">
+                        <m:r>
+                          <a:rPr lang="en-US" sz="800" i="1" dirty="0" smtClean="0">
+                            <a:latin typeface="Cambria Math" panose="02040503050406030204" pitchFamily="18" charset="0"/>
+                          </a:rPr>
+                          <m:t>0</m:t>
+                        </m:r>
+                        <m:r>
+                          <a:rPr lang="en-US" sz="800" b="0" i="1" dirty="0" smtClean="0">
+                            <a:latin typeface="Cambria Math" panose="02040503050406030204" pitchFamily="18" charset="0"/>
+                          </a:rPr>
+                          <m:t>.1</m:t>
+                        </m:r>
+                      </m:oMath>
+                    </m:oMathPara>
+                  </a14:m>
+                  <a:endParaRPr lang="en-US" sz="800" dirty="0"/>
+                </a:p>
+              </p:txBody>
+            </p:sp>
+          </mc:Choice>
+          <mc:Fallback>
+            <p:sp>
+              <p:nvSpPr>
+                <p:cNvPr id="63" name="TextBox 62">
+                  <a:extLst>
+                    <a:ext uri="{FF2B5EF4-FFF2-40B4-BE49-F238E27FC236}">
+                      <a16:creationId xmlns:a16="http://schemas.microsoft.com/office/drawing/2014/main" id="{6FBB7CB2-5AA3-C292-A703-108394CE2DA6}"/>
+                    </a:ext>
+                  </a:extLst>
+                </p:cNvPr>
+                <p:cNvSpPr txBox="1">
+                  <a:spLocks noRot="1" noChangeAspect="1" noMove="1" noResize="1" noEditPoints="1" noAdjustHandles="1" noChangeArrowheads="1" noChangeShapeType="1" noTextEdit="1"/>
+                </p:cNvSpPr>
+                <p:nvPr/>
+              </p:nvSpPr>
+              <p:spPr>
+                <a:xfrm>
+                  <a:off x="7146232" y="1975219"/>
+                  <a:ext cx="340158" cy="215444"/>
+                </a:xfrm>
+                <a:prstGeom prst="rect">
+                  <a:avLst/>
+                </a:prstGeom>
+                <a:blipFill>
+                  <a:blip r:embed="rId18"/>
+                  <a:stretch>
+                    <a:fillRect/>
+                  </a:stretch>
+                </a:blipFill>
+              </p:spPr>
+              <p:txBody>
+                <a:bodyPr/>
+                <a:lstStyle/>
+                <a:p>
+                  <a:r>
+                    <a:rPr lang="en-US">
+                      <a:noFill/>
+                    </a:rPr>
+                    <a:t> </a:t>
+                  </a:r>
+                </a:p>
+              </p:txBody>
+            </p:sp>
+          </mc:Fallback>
+        </mc:AlternateContent>
+        <mc:AlternateContent xmlns:mc="http://schemas.openxmlformats.org/markup-compatibility/2006">
+          <mc:Choice xmlns:a14="http://schemas.microsoft.com/office/drawing/2010/main" Requires="a14">
+            <p:sp>
+              <p:nvSpPr>
+                <p:cNvPr id="64" name="TextBox 63">
+                  <a:extLst>
+                    <a:ext uri="{FF2B5EF4-FFF2-40B4-BE49-F238E27FC236}">
+                      <a16:creationId xmlns:a16="http://schemas.microsoft.com/office/drawing/2014/main" id="{8AB220C5-0515-A0D3-19E8-DBBAD94DBD63}"/>
+                    </a:ext>
+                  </a:extLst>
+                </p:cNvPr>
+                <p:cNvSpPr txBox="1"/>
+                <p:nvPr/>
+              </p:nvSpPr>
+              <p:spPr>
+                <a:xfrm>
+                  <a:off x="6681277" y="2247627"/>
+                  <a:ext cx="340158" cy="215444"/>
+                </a:xfrm>
+                <a:prstGeom prst="rect">
+                  <a:avLst/>
+                </a:prstGeom>
+                <a:noFill/>
+              </p:spPr>
+              <p:txBody>
+                <a:bodyPr wrap="none" rtlCol="0">
+                  <a:spAutoFit/>
+                </a:bodyPr>
+                <a:lstStyle/>
+                <a:p>
+                  <a:pPr/>
+                  <a14:m>
+                    <m:oMathPara xmlns:m="http://schemas.openxmlformats.org/officeDocument/2006/math">
+                      <m:oMathParaPr>
+                        <m:jc m:val="centerGroup"/>
+                      </m:oMathParaPr>
+                      <m:oMath xmlns:m="http://schemas.openxmlformats.org/officeDocument/2006/math">
+                        <m:r>
+                          <a:rPr lang="en-US" sz="800" i="1" dirty="0" smtClean="0">
+                            <a:latin typeface="Cambria Math" panose="02040503050406030204" pitchFamily="18" charset="0"/>
+                          </a:rPr>
+                          <m:t>0</m:t>
+                        </m:r>
+                        <m:r>
+                          <a:rPr lang="en-US" sz="800" b="0" i="1" dirty="0" smtClean="0">
+                            <a:latin typeface="Cambria Math" panose="02040503050406030204" pitchFamily="18" charset="0"/>
+                          </a:rPr>
+                          <m:t>.9</m:t>
+                        </m:r>
+                      </m:oMath>
+                    </m:oMathPara>
+                  </a14:m>
+                  <a:endParaRPr lang="en-US" sz="800" dirty="0"/>
+                </a:p>
+              </p:txBody>
+            </p:sp>
+          </mc:Choice>
+          <mc:Fallback>
+            <p:sp>
+              <p:nvSpPr>
+                <p:cNvPr id="64" name="TextBox 63">
+                  <a:extLst>
+                    <a:ext uri="{FF2B5EF4-FFF2-40B4-BE49-F238E27FC236}">
+                      <a16:creationId xmlns:a16="http://schemas.microsoft.com/office/drawing/2014/main" id="{8AB220C5-0515-A0D3-19E8-DBBAD94DBD63}"/>
+                    </a:ext>
+                  </a:extLst>
+                </p:cNvPr>
+                <p:cNvSpPr txBox="1">
+                  <a:spLocks noRot="1" noChangeAspect="1" noMove="1" noResize="1" noEditPoints="1" noAdjustHandles="1" noChangeArrowheads="1" noChangeShapeType="1" noTextEdit="1"/>
+                </p:cNvSpPr>
+                <p:nvPr/>
+              </p:nvSpPr>
+              <p:spPr>
+                <a:xfrm>
+                  <a:off x="6681277" y="2247627"/>
+                  <a:ext cx="340158" cy="215444"/>
+                </a:xfrm>
+                <a:prstGeom prst="rect">
+                  <a:avLst/>
+                </a:prstGeom>
+                <a:blipFill>
+                  <a:blip r:embed="rId19"/>
+                  <a:stretch>
+                    <a:fillRect/>
+                  </a:stretch>
+                </a:blipFill>
+              </p:spPr>
+              <p:txBody>
+                <a:bodyPr/>
+                <a:lstStyle/>
+                <a:p>
+                  <a:r>
+                    <a:rPr lang="en-US">
+                      <a:noFill/>
+                    </a:rPr>
+                    <a:t> </a:t>
+                  </a:r>
+                </a:p>
+              </p:txBody>
+            </p:sp>
+          </mc:Fallback>
+        </mc:AlternateContent>
+        <mc:AlternateContent xmlns:mc="http://schemas.openxmlformats.org/markup-compatibility/2006">
+          <mc:Choice xmlns:a14="http://schemas.microsoft.com/office/drawing/2010/main" Requires="a14">
+            <p:sp>
+              <p:nvSpPr>
+                <p:cNvPr id="65" name="TextBox 64">
+                  <a:extLst>
+                    <a:ext uri="{FF2B5EF4-FFF2-40B4-BE49-F238E27FC236}">
+                      <a16:creationId xmlns:a16="http://schemas.microsoft.com/office/drawing/2014/main" id="{812441BD-AD5F-67B8-4C8E-89167056F0D1}"/>
+                    </a:ext>
+                  </a:extLst>
+                </p:cNvPr>
+                <p:cNvSpPr txBox="1"/>
+                <p:nvPr/>
+              </p:nvSpPr>
+              <p:spPr>
+                <a:xfrm>
+                  <a:off x="7613724" y="2035464"/>
+                  <a:ext cx="340158" cy="215444"/>
+                </a:xfrm>
+                <a:prstGeom prst="rect">
+                  <a:avLst/>
+                </a:prstGeom>
+                <a:noFill/>
+              </p:spPr>
+              <p:txBody>
+                <a:bodyPr wrap="none" rtlCol="0">
+                  <a:spAutoFit/>
+                </a:bodyPr>
+                <a:lstStyle/>
+                <a:p>
+                  <a:pPr/>
+                  <a14:m>
+                    <m:oMathPara xmlns:m="http://schemas.openxmlformats.org/officeDocument/2006/math">
+                      <m:oMathParaPr>
+                        <m:jc m:val="centerGroup"/>
+                      </m:oMathParaPr>
+                      <m:oMath xmlns:m="http://schemas.openxmlformats.org/officeDocument/2006/math">
+                        <m:r>
+                          <a:rPr lang="en-US" sz="800" i="1" dirty="0" smtClean="0">
+                            <a:latin typeface="Cambria Math" panose="02040503050406030204" pitchFamily="18" charset="0"/>
+                          </a:rPr>
+                          <m:t>0</m:t>
+                        </m:r>
+                        <m:r>
+                          <a:rPr lang="en-US" sz="800" b="0" i="1" dirty="0" smtClean="0">
+                            <a:latin typeface="Cambria Math" panose="02040503050406030204" pitchFamily="18" charset="0"/>
+                          </a:rPr>
+                          <m:t>.1</m:t>
+                        </m:r>
+                      </m:oMath>
+                    </m:oMathPara>
+                  </a14:m>
+                  <a:endParaRPr lang="en-US" sz="800" dirty="0"/>
+                </a:p>
+              </p:txBody>
+            </p:sp>
+          </mc:Choice>
+          <mc:Fallback>
+            <p:sp>
+              <p:nvSpPr>
+                <p:cNvPr id="65" name="TextBox 64">
+                  <a:extLst>
+                    <a:ext uri="{FF2B5EF4-FFF2-40B4-BE49-F238E27FC236}">
+                      <a16:creationId xmlns:a16="http://schemas.microsoft.com/office/drawing/2014/main" id="{812441BD-AD5F-67B8-4C8E-89167056F0D1}"/>
+                    </a:ext>
+                  </a:extLst>
+                </p:cNvPr>
+                <p:cNvSpPr txBox="1">
+                  <a:spLocks noRot="1" noChangeAspect="1" noMove="1" noResize="1" noEditPoints="1" noAdjustHandles="1" noChangeArrowheads="1" noChangeShapeType="1" noTextEdit="1"/>
+                </p:cNvSpPr>
+                <p:nvPr/>
+              </p:nvSpPr>
+              <p:spPr>
+                <a:xfrm>
+                  <a:off x="7613724" y="2035464"/>
+                  <a:ext cx="340158" cy="215444"/>
+                </a:xfrm>
+                <a:prstGeom prst="rect">
+                  <a:avLst/>
+                </a:prstGeom>
+                <a:blipFill>
+                  <a:blip r:embed="rId20"/>
+                  <a:stretch>
+                    <a:fillRect/>
+                  </a:stretch>
+                </a:blipFill>
+              </p:spPr>
+              <p:txBody>
+                <a:bodyPr/>
+                <a:lstStyle/>
+                <a:p>
+                  <a:r>
+                    <a:rPr lang="en-US">
+                      <a:noFill/>
+                    </a:rPr>
+                    <a:t> </a:t>
+                  </a:r>
+                </a:p>
+              </p:txBody>
+            </p:sp>
+          </mc:Fallback>
+        </mc:AlternateContent>
+        <mc:AlternateContent xmlns:mc="http://schemas.openxmlformats.org/markup-compatibility/2006">
+          <mc:Choice xmlns:a14="http://schemas.microsoft.com/office/drawing/2010/main" Requires="a14">
+            <p:sp>
+              <p:nvSpPr>
+                <p:cNvPr id="66" name="TextBox 65">
+                  <a:extLst>
+                    <a:ext uri="{FF2B5EF4-FFF2-40B4-BE49-F238E27FC236}">
+                      <a16:creationId xmlns:a16="http://schemas.microsoft.com/office/drawing/2014/main" id="{B478EFE9-71E3-6661-79DD-3DB8C6D0E99B}"/>
+                    </a:ext>
+                  </a:extLst>
+                </p:cNvPr>
+                <p:cNvSpPr txBox="1"/>
+                <p:nvPr/>
+              </p:nvSpPr>
+              <p:spPr>
+                <a:xfrm>
+                  <a:off x="8122940" y="2240858"/>
+                  <a:ext cx="340158" cy="215444"/>
+                </a:xfrm>
+                <a:prstGeom prst="rect">
+                  <a:avLst/>
+                </a:prstGeom>
+                <a:noFill/>
+              </p:spPr>
+              <p:txBody>
+                <a:bodyPr wrap="none" rtlCol="0">
+                  <a:spAutoFit/>
+                </a:bodyPr>
+                <a:lstStyle/>
+                <a:p>
+                  <a:pPr/>
+                  <a14:m>
+                    <m:oMathPara xmlns:m="http://schemas.openxmlformats.org/officeDocument/2006/math">
+                      <m:oMathParaPr>
+                        <m:jc m:val="centerGroup"/>
+                      </m:oMathParaPr>
+                      <m:oMath xmlns:m="http://schemas.openxmlformats.org/officeDocument/2006/math">
+                        <m:r>
+                          <a:rPr lang="en-US" sz="800" i="1" dirty="0" smtClean="0">
+                            <a:latin typeface="Cambria Math" panose="02040503050406030204" pitchFamily="18" charset="0"/>
+                          </a:rPr>
+                          <m:t>0</m:t>
+                        </m:r>
+                        <m:r>
+                          <a:rPr lang="en-US" sz="800" b="0" i="1" dirty="0" smtClean="0">
+                            <a:latin typeface="Cambria Math" panose="02040503050406030204" pitchFamily="18" charset="0"/>
+                          </a:rPr>
+                          <m:t>.9</m:t>
+                        </m:r>
+                      </m:oMath>
+                    </m:oMathPara>
+                  </a14:m>
+                  <a:endParaRPr lang="en-US" sz="800" dirty="0"/>
+                </a:p>
+              </p:txBody>
+            </p:sp>
+          </mc:Choice>
+          <mc:Fallback>
+            <p:sp>
+              <p:nvSpPr>
+                <p:cNvPr id="66" name="TextBox 65">
+                  <a:extLst>
+                    <a:ext uri="{FF2B5EF4-FFF2-40B4-BE49-F238E27FC236}">
+                      <a16:creationId xmlns:a16="http://schemas.microsoft.com/office/drawing/2014/main" id="{B478EFE9-71E3-6661-79DD-3DB8C6D0E99B}"/>
+                    </a:ext>
+                  </a:extLst>
+                </p:cNvPr>
+                <p:cNvSpPr txBox="1">
+                  <a:spLocks noRot="1" noChangeAspect="1" noMove="1" noResize="1" noEditPoints="1" noAdjustHandles="1" noChangeArrowheads="1" noChangeShapeType="1" noTextEdit="1"/>
+                </p:cNvSpPr>
+                <p:nvPr/>
+              </p:nvSpPr>
+              <p:spPr>
+                <a:xfrm>
+                  <a:off x="8122940" y="2240858"/>
+                  <a:ext cx="340158" cy="215444"/>
+                </a:xfrm>
+                <a:prstGeom prst="rect">
+                  <a:avLst/>
+                </a:prstGeom>
+                <a:blipFill>
+                  <a:blip r:embed="rId21"/>
+                  <a:stretch>
+                    <a:fillRect/>
+                  </a:stretch>
+                </a:blipFill>
+              </p:spPr>
+              <p:txBody>
+                <a:bodyPr/>
+                <a:lstStyle/>
+                <a:p>
+                  <a:r>
+                    <a:rPr lang="en-US">
+                      <a:noFill/>
+                    </a:rPr>
+                    <a:t> </a:t>
+                  </a:r>
+                </a:p>
+              </p:txBody>
+            </p:sp>
+          </mc:Fallback>
+        </mc:AlternateContent>
+        <mc:AlternateContent xmlns:mc="http://schemas.openxmlformats.org/markup-compatibility/2006">
+          <mc:Choice xmlns:a14="http://schemas.microsoft.com/office/drawing/2010/main" Requires="a14">
+            <p:sp>
+              <p:nvSpPr>
+                <p:cNvPr id="67" name="TextBox 66">
+                  <a:extLst>
+                    <a:ext uri="{FF2B5EF4-FFF2-40B4-BE49-F238E27FC236}">
+                      <a16:creationId xmlns:a16="http://schemas.microsoft.com/office/drawing/2014/main" id="{7F3B449B-627E-FA01-EE32-FBA7242DDF6A}"/>
+                    </a:ext>
+                  </a:extLst>
+                </p:cNvPr>
+                <p:cNvSpPr txBox="1"/>
+                <p:nvPr/>
+              </p:nvSpPr>
+              <p:spPr>
+                <a:xfrm>
+                  <a:off x="6868896" y="3373758"/>
+                  <a:ext cx="263213" cy="215444"/>
+                </a:xfrm>
+                <a:prstGeom prst="rect">
+                  <a:avLst/>
+                </a:prstGeom>
+                <a:noFill/>
+              </p:spPr>
+              <p:txBody>
+                <a:bodyPr wrap="none" rtlCol="0">
+                  <a:spAutoFit/>
+                </a:bodyPr>
+                <a:lstStyle/>
+                <a:p>
+                  <a:pPr/>
+                  <a14:m>
+                    <m:oMathPara xmlns:m="http://schemas.openxmlformats.org/officeDocument/2006/math">
+                      <m:oMathParaPr>
+                        <m:jc m:val="centerGroup"/>
+                      </m:oMathParaPr>
+                      <m:oMath xmlns:m="http://schemas.openxmlformats.org/officeDocument/2006/math">
+                        <m:r>
+                          <a:rPr lang="en-US" sz="800" b="0" i="1" dirty="0" smtClean="0">
+                            <a:latin typeface="Cambria Math" panose="02040503050406030204" pitchFamily="18" charset="0"/>
+                          </a:rPr>
+                          <m:t>1</m:t>
+                        </m:r>
+                      </m:oMath>
+                    </m:oMathPara>
+                  </a14:m>
+                  <a:endParaRPr lang="en-US" sz="800" dirty="0"/>
+                </a:p>
+              </p:txBody>
+            </p:sp>
+          </mc:Choice>
+          <mc:Fallback>
+            <p:sp>
+              <p:nvSpPr>
+                <p:cNvPr id="67" name="TextBox 66">
+                  <a:extLst>
+                    <a:ext uri="{FF2B5EF4-FFF2-40B4-BE49-F238E27FC236}">
+                      <a16:creationId xmlns:a16="http://schemas.microsoft.com/office/drawing/2014/main" id="{7F3B449B-627E-FA01-EE32-FBA7242DDF6A}"/>
+                    </a:ext>
+                  </a:extLst>
+                </p:cNvPr>
+                <p:cNvSpPr txBox="1">
+                  <a:spLocks noRot="1" noChangeAspect="1" noMove="1" noResize="1" noEditPoints="1" noAdjustHandles="1" noChangeArrowheads="1" noChangeShapeType="1" noTextEdit="1"/>
+                </p:cNvSpPr>
+                <p:nvPr/>
+              </p:nvSpPr>
+              <p:spPr>
+                <a:xfrm>
+                  <a:off x="6868896" y="3373758"/>
+                  <a:ext cx="263213" cy="215444"/>
+                </a:xfrm>
+                <a:prstGeom prst="rect">
+                  <a:avLst/>
+                </a:prstGeom>
+                <a:blipFill>
+                  <a:blip r:embed="rId22"/>
+                  <a:stretch>
+                    <a:fillRect/>
+                  </a:stretch>
+                </a:blipFill>
+              </p:spPr>
+              <p:txBody>
+                <a:bodyPr/>
+                <a:lstStyle/>
+                <a:p>
+                  <a:r>
+                    <a:rPr lang="en-US">
+                      <a:noFill/>
+                    </a:rPr>
+                    <a:t> </a:t>
+                  </a:r>
+                </a:p>
+              </p:txBody>
+            </p:sp>
+          </mc:Fallback>
+        </mc:AlternateContent>
+        <mc:AlternateContent xmlns:mc="http://schemas.openxmlformats.org/markup-compatibility/2006">
+          <mc:Choice xmlns:a14="http://schemas.microsoft.com/office/drawing/2010/main" Requires="a14">
+            <p:sp>
+              <p:nvSpPr>
+                <p:cNvPr id="68" name="TextBox 67">
+                  <a:extLst>
+                    <a:ext uri="{FF2B5EF4-FFF2-40B4-BE49-F238E27FC236}">
+                      <a16:creationId xmlns:a16="http://schemas.microsoft.com/office/drawing/2014/main" id="{6A86CACF-D0C2-5DA1-8DAB-3ED3283795ED}"/>
+                    </a:ext>
+                  </a:extLst>
+                </p:cNvPr>
+                <p:cNvSpPr txBox="1"/>
+                <p:nvPr/>
+              </p:nvSpPr>
+              <p:spPr>
+                <a:xfrm>
+                  <a:off x="8114123" y="3416652"/>
+                  <a:ext cx="263213" cy="215444"/>
+                </a:xfrm>
+                <a:prstGeom prst="rect">
+                  <a:avLst/>
+                </a:prstGeom>
+                <a:noFill/>
+              </p:spPr>
+              <p:txBody>
+                <a:bodyPr wrap="none" rtlCol="0">
+                  <a:spAutoFit/>
+                </a:bodyPr>
+                <a:lstStyle/>
+                <a:p>
+                  <a:pPr/>
+                  <a14:m>
+                    <m:oMathPara xmlns:m="http://schemas.openxmlformats.org/officeDocument/2006/math">
+                      <m:oMathParaPr>
+                        <m:jc m:val="centerGroup"/>
+                      </m:oMathParaPr>
+                      <m:oMath xmlns:m="http://schemas.openxmlformats.org/officeDocument/2006/math">
+                        <m:r>
+                          <a:rPr lang="en-US" sz="800" b="0" i="1" dirty="0" smtClean="0">
+                            <a:latin typeface="Cambria Math" panose="02040503050406030204" pitchFamily="18" charset="0"/>
+                          </a:rPr>
+                          <m:t>1</m:t>
+                        </m:r>
+                      </m:oMath>
+                    </m:oMathPara>
+                  </a14:m>
+                  <a:endParaRPr lang="en-US" sz="800" dirty="0"/>
+                </a:p>
+              </p:txBody>
+            </p:sp>
+          </mc:Choice>
+          <mc:Fallback>
+            <p:sp>
+              <p:nvSpPr>
+                <p:cNvPr id="68" name="TextBox 67">
+                  <a:extLst>
+                    <a:ext uri="{FF2B5EF4-FFF2-40B4-BE49-F238E27FC236}">
+                      <a16:creationId xmlns:a16="http://schemas.microsoft.com/office/drawing/2014/main" id="{6A86CACF-D0C2-5DA1-8DAB-3ED3283795ED}"/>
+                    </a:ext>
+                  </a:extLst>
+                </p:cNvPr>
+                <p:cNvSpPr txBox="1">
+                  <a:spLocks noRot="1" noChangeAspect="1" noMove="1" noResize="1" noEditPoints="1" noAdjustHandles="1" noChangeArrowheads="1" noChangeShapeType="1" noTextEdit="1"/>
+                </p:cNvSpPr>
+                <p:nvPr/>
+              </p:nvSpPr>
+              <p:spPr>
+                <a:xfrm>
+                  <a:off x="8114123" y="3416652"/>
+                  <a:ext cx="263213" cy="215444"/>
+                </a:xfrm>
+                <a:prstGeom prst="rect">
+                  <a:avLst/>
+                </a:prstGeom>
+                <a:blipFill>
+                  <a:blip r:embed="rId23"/>
+                  <a:stretch>
+                    <a:fillRect/>
+                  </a:stretch>
+                </a:blipFill>
+              </p:spPr>
+              <p:txBody>
+                <a:bodyPr/>
+                <a:lstStyle/>
+                <a:p>
+                  <a:r>
+                    <a:rPr lang="en-US">
+                      <a:noFill/>
+                    </a:rPr>
+                    <a:t> </a:t>
+                  </a:r>
+                </a:p>
+              </p:txBody>
+            </p:sp>
+          </mc:Fallback>
+        </mc:AlternateContent>
       </p:grpSp>
     </p:spTree>
     <p:extLst>
